--- a/presentation.pptx
+++ b/presentation.pptx
@@ -6,6 +6,11 @@
   </p:sldMasterIdLst>
   <p:sldIdLst>
     <p:sldId id="256" r:id="rId2"/>
+    <p:sldId id="257" r:id="rId3"/>
+    <p:sldId id="258" r:id="rId4"/>
+    <p:sldId id="259" r:id="rId5"/>
+    <p:sldId id="260" r:id="rId6"/>
+    <p:sldId id="261" r:id="rId7"/>
   </p:sldIdLst>
   <p:sldSz cx="12192000" cy="6858000"/>
   <p:notesSz cx="6858000" cy="9144000"/>
@@ -104,6 +109,11 @@
       </a:defRPr>
     </a:lvl9pPr>
   </p:defaultTextStyle>
+  <p:extLst>
+    <p:ext uri="{EFAFB233-063F-42B5-8137-9DF3F51BA10A}">
+      <p15:sldGuideLst xmlns:p15="http://schemas.microsoft.com/office/powerpoint/2012/main"/>
+    </p:ext>
+  </p:extLst>
 </p:presentation>
 </file>
 
@@ -3051,6 +3061,412 @@
 </p:sld>
 </file>
 
+<file path=ppt/slides/slide2.xml><?xml version="1.0" encoding="utf-8"?>
+<p:sld xmlns:a="http://schemas.openxmlformats.org/drawingml/2006/main" xmlns:r="http://schemas.openxmlformats.org/officeDocument/2006/relationships" xmlns:p="http://schemas.openxmlformats.org/presentationml/2006/main">
+  <p:cSld>
+    <p:spTree>
+      <p:nvGrpSpPr>
+        <p:cNvPr id="1" name=""/>
+        <p:cNvGrpSpPr/>
+        <p:nvPr/>
+      </p:nvGrpSpPr>
+      <p:grpSpPr>
+        <a:xfrm>
+          <a:off x="0" y="0"/>
+          <a:ext cx="0" cy="0"/>
+          <a:chOff x="0" y="0"/>
+          <a:chExt cx="0" cy="0"/>
+        </a:xfrm>
+      </p:grpSpPr>
+      <p:sp>
+        <p:nvSpPr>
+          <p:cNvPr id="2" name="Title 1"/>
+          <p:cNvSpPr>
+            <a:spLocks noGrp="1"/>
+          </p:cNvSpPr>
+          <p:nvPr>
+            <p:ph type="title"/>
+          </p:nvPr>
+        </p:nvSpPr>
+        <p:spPr/>
+        <p:txBody>
+          <a:bodyPr>
+            <a:normAutofit/>
+          </a:bodyPr>
+          <a:lstStyle/>
+          <a:p>
+            <a:pPr algn="r" rtl="1"/>
+            <a:r>
+              <a:rPr lang="he-IL" sz="6000" dirty="0" smtClean="0">
+                <a:cs typeface="+mn-cs"/>
+              </a:rPr>
+              <a:t>מי אנחנו</a:t>
+            </a:r>
+            <a:endParaRPr lang="en-US" sz="6000" dirty="0">
+              <a:cs typeface="+mn-cs"/>
+            </a:endParaRPr>
+          </a:p>
+        </p:txBody>
+      </p:sp>
+      <p:sp>
+        <p:nvSpPr>
+          <p:cNvPr id="3" name="Content Placeholder 2"/>
+          <p:cNvSpPr>
+            <a:spLocks noGrp="1"/>
+          </p:cNvSpPr>
+          <p:nvPr>
+            <p:ph idx="1"/>
+          </p:nvPr>
+        </p:nvSpPr>
+        <p:spPr/>
+        <p:txBody>
+          <a:bodyPr/>
+          <a:lstStyle/>
+          <a:p>
+            <a:pPr algn="r" rtl="1"/>
+            <a:endParaRPr lang="en-US"/>
+          </a:p>
+        </p:txBody>
+      </p:sp>
+    </p:spTree>
+    <p:extLst>
+      <p:ext uri="{BB962C8B-B14F-4D97-AF65-F5344CB8AC3E}">
+        <p14:creationId xmlns:p14="http://schemas.microsoft.com/office/powerpoint/2010/main" val="15699547"/>
+      </p:ext>
+    </p:extLst>
+  </p:cSld>
+  <p:clrMapOvr>
+    <a:masterClrMapping/>
+  </p:clrMapOvr>
+</p:sld>
+</file>
+
+<file path=ppt/slides/slide3.xml><?xml version="1.0" encoding="utf-8"?>
+<p:sld xmlns:a="http://schemas.openxmlformats.org/drawingml/2006/main" xmlns:r="http://schemas.openxmlformats.org/officeDocument/2006/relationships" xmlns:p="http://schemas.openxmlformats.org/presentationml/2006/main">
+  <p:cSld>
+    <p:spTree>
+      <p:nvGrpSpPr>
+        <p:cNvPr id="1" name=""/>
+        <p:cNvGrpSpPr/>
+        <p:nvPr/>
+      </p:nvGrpSpPr>
+      <p:grpSpPr>
+        <a:xfrm>
+          <a:off x="0" y="0"/>
+          <a:ext cx="0" cy="0"/>
+          <a:chOff x="0" y="0"/>
+          <a:chExt cx="0" cy="0"/>
+        </a:xfrm>
+      </p:grpSpPr>
+      <p:sp>
+        <p:nvSpPr>
+          <p:cNvPr id="2" name="Title 1"/>
+          <p:cNvSpPr>
+            <a:spLocks noGrp="1"/>
+          </p:cNvSpPr>
+          <p:nvPr>
+            <p:ph type="title"/>
+          </p:nvPr>
+        </p:nvSpPr>
+        <p:spPr/>
+        <p:txBody>
+          <a:bodyPr>
+            <a:normAutofit/>
+          </a:bodyPr>
+          <a:lstStyle/>
+          <a:p>
+            <a:pPr algn="r" rtl="1"/>
+            <a:r>
+              <a:rPr lang="he-IL" sz="6000" dirty="0" smtClean="0">
+                <a:cs typeface="+mn-cs"/>
+              </a:rPr>
+              <a:t>עולם הבעיה</a:t>
+            </a:r>
+            <a:endParaRPr lang="en-US" sz="6000" dirty="0">
+              <a:cs typeface="+mn-cs"/>
+            </a:endParaRPr>
+          </a:p>
+        </p:txBody>
+      </p:sp>
+      <p:sp>
+        <p:nvSpPr>
+          <p:cNvPr id="3" name="Content Placeholder 2"/>
+          <p:cNvSpPr>
+            <a:spLocks noGrp="1"/>
+          </p:cNvSpPr>
+          <p:nvPr>
+            <p:ph idx="1"/>
+          </p:nvPr>
+        </p:nvSpPr>
+        <p:spPr/>
+        <p:txBody>
+          <a:bodyPr/>
+          <a:lstStyle/>
+          <a:p>
+            <a:pPr algn="r" rtl="1"/>
+            <a:endParaRPr lang="en-US"/>
+          </a:p>
+        </p:txBody>
+      </p:sp>
+    </p:spTree>
+    <p:extLst>
+      <p:ext uri="{BB962C8B-B14F-4D97-AF65-F5344CB8AC3E}">
+        <p14:creationId xmlns:p14="http://schemas.microsoft.com/office/powerpoint/2010/main" val="252270312"/>
+      </p:ext>
+    </p:extLst>
+  </p:cSld>
+  <p:clrMapOvr>
+    <a:masterClrMapping/>
+  </p:clrMapOvr>
+</p:sld>
+</file>
+
+<file path=ppt/slides/slide4.xml><?xml version="1.0" encoding="utf-8"?>
+<p:sld xmlns:a="http://schemas.openxmlformats.org/drawingml/2006/main" xmlns:r="http://schemas.openxmlformats.org/officeDocument/2006/relationships" xmlns:p="http://schemas.openxmlformats.org/presentationml/2006/main">
+  <p:cSld>
+    <p:spTree>
+      <p:nvGrpSpPr>
+        <p:cNvPr id="1" name=""/>
+        <p:cNvGrpSpPr/>
+        <p:nvPr/>
+      </p:nvGrpSpPr>
+      <p:grpSpPr>
+        <a:xfrm>
+          <a:off x="0" y="0"/>
+          <a:ext cx="0" cy="0"/>
+          <a:chOff x="0" y="0"/>
+          <a:chExt cx="0" cy="0"/>
+        </a:xfrm>
+      </p:grpSpPr>
+      <p:sp>
+        <p:nvSpPr>
+          <p:cNvPr id="2" name="Title 1"/>
+          <p:cNvSpPr>
+            <a:spLocks noGrp="1"/>
+          </p:cNvSpPr>
+          <p:nvPr>
+            <p:ph type="title"/>
+          </p:nvPr>
+        </p:nvSpPr>
+        <p:spPr/>
+        <p:txBody>
+          <a:bodyPr>
+            <a:normAutofit/>
+          </a:bodyPr>
+          <a:lstStyle/>
+          <a:p>
+            <a:pPr algn="r" rtl="1"/>
+            <a:r>
+              <a:rPr lang="he-IL" sz="6000" dirty="0" smtClean="0">
+                <a:cs typeface="+mn-cs"/>
+              </a:rPr>
+              <a:t>הפתרון</a:t>
+            </a:r>
+            <a:endParaRPr lang="en-US" sz="6000" dirty="0">
+              <a:cs typeface="+mn-cs"/>
+            </a:endParaRPr>
+          </a:p>
+        </p:txBody>
+      </p:sp>
+      <p:sp>
+        <p:nvSpPr>
+          <p:cNvPr id="3" name="Content Placeholder 2"/>
+          <p:cNvSpPr>
+            <a:spLocks noGrp="1"/>
+          </p:cNvSpPr>
+          <p:nvPr>
+            <p:ph idx="1"/>
+          </p:nvPr>
+        </p:nvSpPr>
+        <p:spPr/>
+        <p:txBody>
+          <a:bodyPr/>
+          <a:lstStyle/>
+          <a:p>
+            <a:pPr algn="r" rtl="1"/>
+            <a:endParaRPr lang="en-US"/>
+          </a:p>
+        </p:txBody>
+      </p:sp>
+    </p:spTree>
+    <p:extLst>
+      <p:ext uri="{BB962C8B-B14F-4D97-AF65-F5344CB8AC3E}">
+        <p14:creationId xmlns:p14="http://schemas.microsoft.com/office/powerpoint/2010/main" val="2475315948"/>
+      </p:ext>
+    </p:extLst>
+  </p:cSld>
+  <p:clrMapOvr>
+    <a:masterClrMapping/>
+  </p:clrMapOvr>
+</p:sld>
+</file>
+
+<file path=ppt/slides/slide5.xml><?xml version="1.0" encoding="utf-8"?>
+<p:sld xmlns:a="http://schemas.openxmlformats.org/drawingml/2006/main" xmlns:r="http://schemas.openxmlformats.org/officeDocument/2006/relationships" xmlns:p="http://schemas.openxmlformats.org/presentationml/2006/main">
+  <p:cSld>
+    <p:spTree>
+      <p:nvGrpSpPr>
+        <p:cNvPr id="1" name=""/>
+        <p:cNvGrpSpPr/>
+        <p:nvPr/>
+      </p:nvGrpSpPr>
+      <p:grpSpPr>
+        <a:xfrm>
+          <a:off x="0" y="0"/>
+          <a:ext cx="0" cy="0"/>
+          <a:chOff x="0" y="0"/>
+          <a:chExt cx="0" cy="0"/>
+        </a:xfrm>
+      </p:grpSpPr>
+      <p:sp>
+        <p:nvSpPr>
+          <p:cNvPr id="2" name="Title 1"/>
+          <p:cNvSpPr>
+            <a:spLocks noGrp="1"/>
+          </p:cNvSpPr>
+          <p:nvPr>
+            <p:ph type="title"/>
+          </p:nvPr>
+        </p:nvSpPr>
+        <p:spPr/>
+        <p:txBody>
+          <a:bodyPr>
+            <a:normAutofit/>
+          </a:bodyPr>
+          <a:lstStyle/>
+          <a:p>
+            <a:pPr algn="r" rtl="1"/>
+            <a:r>
+              <a:rPr lang="he-IL" sz="6000" dirty="0" smtClean="0">
+                <a:cs typeface="+mn-cs"/>
+              </a:rPr>
+              <a:t>הדגמ</a:t>
+            </a:r>
+            <a:r>
+              <a:rPr lang="he-IL" sz="6000" dirty="0">
+                <a:cs typeface="+mn-cs"/>
+              </a:rPr>
+              <a:t>ה</a:t>
+            </a:r>
+            <a:endParaRPr lang="en-US" sz="6000" dirty="0">
+              <a:cs typeface="+mn-cs"/>
+            </a:endParaRPr>
+          </a:p>
+        </p:txBody>
+      </p:sp>
+      <p:sp>
+        <p:nvSpPr>
+          <p:cNvPr id="3" name="Content Placeholder 2"/>
+          <p:cNvSpPr>
+            <a:spLocks noGrp="1"/>
+          </p:cNvSpPr>
+          <p:nvPr>
+            <p:ph idx="1"/>
+          </p:nvPr>
+        </p:nvSpPr>
+        <p:spPr/>
+        <p:txBody>
+          <a:bodyPr/>
+          <a:lstStyle/>
+          <a:p>
+            <a:pPr algn="r" rtl="1"/>
+            <a:endParaRPr lang="en-US" dirty="0"/>
+          </a:p>
+        </p:txBody>
+      </p:sp>
+    </p:spTree>
+    <p:extLst>
+      <p:ext uri="{BB962C8B-B14F-4D97-AF65-F5344CB8AC3E}">
+        <p14:creationId xmlns:p14="http://schemas.microsoft.com/office/powerpoint/2010/main" val="889667895"/>
+      </p:ext>
+    </p:extLst>
+  </p:cSld>
+  <p:clrMapOvr>
+    <a:masterClrMapping/>
+  </p:clrMapOvr>
+</p:sld>
+</file>
+
+<file path=ppt/slides/slide6.xml><?xml version="1.0" encoding="utf-8"?>
+<p:sld xmlns:a="http://schemas.openxmlformats.org/drawingml/2006/main" xmlns:r="http://schemas.openxmlformats.org/officeDocument/2006/relationships" xmlns:p="http://schemas.openxmlformats.org/presentationml/2006/main">
+  <p:cSld>
+    <p:spTree>
+      <p:nvGrpSpPr>
+        <p:cNvPr id="1" name=""/>
+        <p:cNvGrpSpPr/>
+        <p:nvPr/>
+      </p:nvGrpSpPr>
+      <p:grpSpPr>
+        <a:xfrm>
+          <a:off x="0" y="0"/>
+          <a:ext cx="0" cy="0"/>
+          <a:chOff x="0" y="0"/>
+          <a:chExt cx="0" cy="0"/>
+        </a:xfrm>
+      </p:grpSpPr>
+      <p:sp>
+        <p:nvSpPr>
+          <p:cNvPr id="2" name="Title 1"/>
+          <p:cNvSpPr>
+            <a:spLocks noGrp="1"/>
+          </p:cNvSpPr>
+          <p:nvPr>
+            <p:ph type="title"/>
+          </p:nvPr>
+        </p:nvSpPr>
+        <p:spPr/>
+        <p:txBody>
+          <a:bodyPr>
+            <a:normAutofit/>
+          </a:bodyPr>
+          <a:lstStyle/>
+          <a:p>
+            <a:pPr algn="r" rtl="1"/>
+            <a:r>
+              <a:rPr lang="he-IL" sz="6000" dirty="0" smtClean="0">
+                <a:cs typeface="+mn-cs"/>
+              </a:rPr>
+              <a:t>מתחרים</a:t>
+            </a:r>
+            <a:endParaRPr lang="en-US" sz="6000" dirty="0">
+              <a:cs typeface="+mn-cs"/>
+            </a:endParaRPr>
+          </a:p>
+        </p:txBody>
+      </p:sp>
+      <p:sp>
+        <p:nvSpPr>
+          <p:cNvPr id="3" name="Content Placeholder 2"/>
+          <p:cNvSpPr>
+            <a:spLocks noGrp="1"/>
+          </p:cNvSpPr>
+          <p:nvPr>
+            <p:ph idx="1"/>
+          </p:nvPr>
+        </p:nvSpPr>
+        <p:spPr/>
+        <p:txBody>
+          <a:bodyPr/>
+          <a:lstStyle/>
+          <a:p>
+            <a:pPr algn="r" rtl="1"/>
+            <a:endParaRPr lang="en-US" dirty="0"/>
+          </a:p>
+        </p:txBody>
+      </p:sp>
+    </p:spTree>
+    <p:extLst>
+      <p:ext uri="{BB962C8B-B14F-4D97-AF65-F5344CB8AC3E}">
+        <p14:creationId xmlns:p14="http://schemas.microsoft.com/office/powerpoint/2010/main" val="2053494586"/>
+      </p:ext>
+    </p:extLst>
+  </p:cSld>
+  <p:clrMapOvr>
+    <a:masterClrMapping/>
+  </p:clrMapOvr>
+</p:sld>
+</file>
+
 <file path=ppt/theme/theme1.xml><?xml version="1.0" encoding="utf-8"?>
 <a:theme xmlns:a="http://schemas.openxmlformats.org/drawingml/2006/main" name="Office Theme">
   <a:themeElements>

--- a/presentation.pptx
+++ b/presentation.pptx
@@ -9,8 +9,8 @@
     <p:sldId id="257" r:id="rId3"/>
     <p:sldId id="258" r:id="rId4"/>
     <p:sldId id="259" r:id="rId5"/>
-    <p:sldId id="260" r:id="rId6"/>
-    <p:sldId id="261" r:id="rId7"/>
+    <p:sldId id="261" r:id="rId6"/>
+    <p:sldId id="262" r:id="rId7"/>
   </p:sldIdLst>
   <p:sldSz cx="12192000" cy="6858000"/>
   <p:notesSz cx="6858000" cy="9144000"/>
@@ -3088,10 +3088,15 @@
             <p:ph type="title"/>
           </p:nvPr>
         </p:nvSpPr>
-        <p:spPr/>
+        <p:spPr>
+          <a:xfrm>
+            <a:off x="4701021" y="328179"/>
+            <a:ext cx="2789958" cy="1325563"/>
+          </a:xfrm>
+        </p:spPr>
         <p:txBody>
           <a:bodyPr>
-            <a:normAutofit/>
+            <a:normAutofit fontScale="90000"/>
           </a:bodyPr>
           <a:lstStyle/>
           <a:p>
@@ -3100,7 +3105,7 @@
               <a:rPr lang="he-IL" sz="6000" dirty="0" smtClean="0">
                 <a:cs typeface="+mn-cs"/>
               </a:rPr>
-              <a:t>מי אנחנו</a:t>
+              <a:t>מי אנחנו?</a:t>
             </a:r>
             <a:endParaRPr lang="en-US" sz="6000" dirty="0">
               <a:cs typeface="+mn-cs"/>
@@ -3118,13 +3123,24 @@
             <p:ph idx="1"/>
           </p:nvPr>
         </p:nvSpPr>
-        <p:spPr/>
-        <p:txBody>
-          <a:bodyPr/>
-          <a:lstStyle/>
-          <a:p>
-            <a:pPr algn="r" rtl="1"/>
-            <a:endParaRPr lang="en-US"/>
+        <p:spPr>
+          <a:xfrm>
+            <a:off x="3417455" y="1825625"/>
+            <a:ext cx="7936345" cy="1019175"/>
+          </a:xfrm>
+        </p:spPr>
+        <p:txBody>
+          <a:bodyPr/>
+          <a:lstStyle/>
+          <a:p>
+            <a:pPr marL="0" indent="0" algn="r" rtl="1">
+              <a:buNone/>
+            </a:pPr>
+            <a:r>
+              <a:rPr lang="he-IL" dirty="0" smtClean="0"/>
+              <a:t>בעולם שבו הכל "אלדין", אנחנו מגשימים משאלות</a:t>
+            </a:r>
+            <a:endParaRPr lang="en-US" dirty="0"/>
           </a:p>
         </p:txBody>
       </p:sp>
@@ -3168,7 +3184,12 @@
             <p:ph type="title"/>
           </p:nvPr>
         </p:nvSpPr>
-        <p:spPr/>
+        <p:spPr>
+          <a:xfrm>
+            <a:off x="3962400" y="355888"/>
+            <a:ext cx="3733800" cy="1325563"/>
+          </a:xfrm>
+        </p:spPr>
         <p:txBody>
           <a:bodyPr>
             <a:normAutofit/>
@@ -3198,13 +3219,422 @@
             <p:ph idx="1"/>
           </p:nvPr>
         </p:nvSpPr>
-        <p:spPr/>
-        <p:txBody>
-          <a:bodyPr/>
-          <a:lstStyle/>
-          <a:p>
-            <a:pPr algn="r" rtl="1"/>
-            <a:endParaRPr lang="en-US"/>
+        <p:spPr>
+          <a:xfrm>
+            <a:off x="6308436" y="1825624"/>
+            <a:ext cx="5045364" cy="1628775"/>
+          </a:xfrm>
+        </p:spPr>
+        <p:txBody>
+          <a:bodyPr>
+            <a:normAutofit/>
+          </a:bodyPr>
+          <a:lstStyle/>
+          <a:p>
+            <a:pPr marL="0" indent="0" algn="just" rtl="1">
+              <a:buNone/>
+            </a:pPr>
+            <a:r>
+              <a:rPr lang="he-IL" dirty="0" smtClean="0"/>
+              <a:t>בעיות שמפריעות לחיילים נשמעות רק בתחום הצוות במקרה הטוב ולא מקבלות מענה</a:t>
+            </a:r>
+            <a:endParaRPr lang="en-US" dirty="0"/>
+          </a:p>
+        </p:txBody>
+      </p:sp>
+      <p:sp>
+        <p:nvSpPr>
+          <p:cNvPr id="4" name="Content Placeholder 2"/>
+          <p:cNvSpPr txBox="1">
+            <a:spLocks/>
+          </p:cNvSpPr>
+          <p:nvPr/>
+        </p:nvSpPr>
+        <p:spPr>
+          <a:xfrm>
+            <a:off x="989445" y="3086388"/>
+            <a:ext cx="5045364" cy="1628775"/>
+          </a:xfrm>
+          <a:prstGeom prst="rect">
+            <a:avLst/>
+          </a:prstGeom>
+        </p:spPr>
+        <p:txBody>
+          <a:bodyPr vert="horz" lIns="91440" tIns="45720" rIns="91440" bIns="45720" rtlCol="0">
+            <a:normAutofit/>
+          </a:bodyPr>
+          <a:lstStyle>
+            <a:lvl1pPr marL="228600" indent="-228600" algn="l" defTabSz="914400" rtl="0" eaLnBrk="1" latinLnBrk="0" hangingPunct="1">
+              <a:lnSpc>
+                <a:spcPct val="90000"/>
+              </a:lnSpc>
+              <a:spcBef>
+                <a:spcPts val="1000"/>
+              </a:spcBef>
+              <a:buFont typeface="Arial" panose="020B0604020202020204" pitchFamily="34" charset="0"/>
+              <a:buChar char="•"/>
+              <a:defRPr sz="2800" kern="1200">
+                <a:solidFill>
+                  <a:schemeClr val="tx1"/>
+                </a:solidFill>
+                <a:latin typeface="+mn-lt"/>
+                <a:ea typeface="+mn-ea"/>
+                <a:cs typeface="+mn-cs"/>
+              </a:defRPr>
+            </a:lvl1pPr>
+            <a:lvl2pPr marL="685800" indent="-228600" algn="l" defTabSz="914400" rtl="0" eaLnBrk="1" latinLnBrk="0" hangingPunct="1">
+              <a:lnSpc>
+                <a:spcPct val="90000"/>
+              </a:lnSpc>
+              <a:spcBef>
+                <a:spcPts val="500"/>
+              </a:spcBef>
+              <a:buFont typeface="Arial" panose="020B0604020202020204" pitchFamily="34" charset="0"/>
+              <a:buChar char="•"/>
+              <a:defRPr sz="2400" kern="1200">
+                <a:solidFill>
+                  <a:schemeClr val="tx1"/>
+                </a:solidFill>
+                <a:latin typeface="+mn-lt"/>
+                <a:ea typeface="+mn-ea"/>
+                <a:cs typeface="+mn-cs"/>
+              </a:defRPr>
+            </a:lvl2pPr>
+            <a:lvl3pPr marL="1143000" indent="-228600" algn="l" defTabSz="914400" rtl="0" eaLnBrk="1" latinLnBrk="0" hangingPunct="1">
+              <a:lnSpc>
+                <a:spcPct val="90000"/>
+              </a:lnSpc>
+              <a:spcBef>
+                <a:spcPts val="500"/>
+              </a:spcBef>
+              <a:buFont typeface="Arial" panose="020B0604020202020204" pitchFamily="34" charset="0"/>
+              <a:buChar char="•"/>
+              <a:defRPr sz="2000" kern="1200">
+                <a:solidFill>
+                  <a:schemeClr val="tx1"/>
+                </a:solidFill>
+                <a:latin typeface="+mn-lt"/>
+                <a:ea typeface="+mn-ea"/>
+                <a:cs typeface="+mn-cs"/>
+              </a:defRPr>
+            </a:lvl3pPr>
+            <a:lvl4pPr marL="1600200" indent="-228600" algn="l" defTabSz="914400" rtl="0" eaLnBrk="1" latinLnBrk="0" hangingPunct="1">
+              <a:lnSpc>
+                <a:spcPct val="90000"/>
+              </a:lnSpc>
+              <a:spcBef>
+                <a:spcPts val="500"/>
+              </a:spcBef>
+              <a:buFont typeface="Arial" panose="020B0604020202020204" pitchFamily="34" charset="0"/>
+              <a:buChar char="•"/>
+              <a:defRPr sz="1800" kern="1200">
+                <a:solidFill>
+                  <a:schemeClr val="tx1"/>
+                </a:solidFill>
+                <a:latin typeface="+mn-lt"/>
+                <a:ea typeface="+mn-ea"/>
+                <a:cs typeface="+mn-cs"/>
+              </a:defRPr>
+            </a:lvl4pPr>
+            <a:lvl5pPr marL="2057400" indent="-228600" algn="l" defTabSz="914400" rtl="0" eaLnBrk="1" latinLnBrk="0" hangingPunct="1">
+              <a:lnSpc>
+                <a:spcPct val="90000"/>
+              </a:lnSpc>
+              <a:spcBef>
+                <a:spcPts val="500"/>
+              </a:spcBef>
+              <a:buFont typeface="Arial" panose="020B0604020202020204" pitchFamily="34" charset="0"/>
+              <a:buChar char="•"/>
+              <a:defRPr sz="1800" kern="1200">
+                <a:solidFill>
+                  <a:schemeClr val="tx1"/>
+                </a:solidFill>
+                <a:latin typeface="+mn-lt"/>
+                <a:ea typeface="+mn-ea"/>
+                <a:cs typeface="+mn-cs"/>
+              </a:defRPr>
+            </a:lvl5pPr>
+            <a:lvl6pPr marL="2514600" indent="-228600" algn="l" defTabSz="914400" rtl="0" eaLnBrk="1" latinLnBrk="0" hangingPunct="1">
+              <a:lnSpc>
+                <a:spcPct val="90000"/>
+              </a:lnSpc>
+              <a:spcBef>
+                <a:spcPts val="500"/>
+              </a:spcBef>
+              <a:buFont typeface="Arial" panose="020B0604020202020204" pitchFamily="34" charset="0"/>
+              <a:buChar char="•"/>
+              <a:defRPr sz="1800" kern="1200">
+                <a:solidFill>
+                  <a:schemeClr val="tx1"/>
+                </a:solidFill>
+                <a:latin typeface="+mn-lt"/>
+                <a:ea typeface="+mn-ea"/>
+                <a:cs typeface="+mn-cs"/>
+              </a:defRPr>
+            </a:lvl6pPr>
+            <a:lvl7pPr marL="2971800" indent="-228600" algn="l" defTabSz="914400" rtl="0" eaLnBrk="1" latinLnBrk="0" hangingPunct="1">
+              <a:lnSpc>
+                <a:spcPct val="90000"/>
+              </a:lnSpc>
+              <a:spcBef>
+                <a:spcPts val="500"/>
+              </a:spcBef>
+              <a:buFont typeface="Arial" panose="020B0604020202020204" pitchFamily="34" charset="0"/>
+              <a:buChar char="•"/>
+              <a:defRPr sz="1800" kern="1200">
+                <a:solidFill>
+                  <a:schemeClr val="tx1"/>
+                </a:solidFill>
+                <a:latin typeface="+mn-lt"/>
+                <a:ea typeface="+mn-ea"/>
+                <a:cs typeface="+mn-cs"/>
+              </a:defRPr>
+            </a:lvl7pPr>
+            <a:lvl8pPr marL="3429000" indent="-228600" algn="l" defTabSz="914400" rtl="0" eaLnBrk="1" latinLnBrk="0" hangingPunct="1">
+              <a:lnSpc>
+                <a:spcPct val="90000"/>
+              </a:lnSpc>
+              <a:spcBef>
+                <a:spcPts val="500"/>
+              </a:spcBef>
+              <a:buFont typeface="Arial" panose="020B0604020202020204" pitchFamily="34" charset="0"/>
+              <a:buChar char="•"/>
+              <a:defRPr sz="1800" kern="1200">
+                <a:solidFill>
+                  <a:schemeClr val="tx1"/>
+                </a:solidFill>
+                <a:latin typeface="+mn-lt"/>
+                <a:ea typeface="+mn-ea"/>
+                <a:cs typeface="+mn-cs"/>
+              </a:defRPr>
+            </a:lvl8pPr>
+            <a:lvl9pPr marL="3886200" indent="-228600" algn="l" defTabSz="914400" rtl="0" eaLnBrk="1" latinLnBrk="0" hangingPunct="1">
+              <a:lnSpc>
+                <a:spcPct val="90000"/>
+              </a:lnSpc>
+              <a:spcBef>
+                <a:spcPts val="500"/>
+              </a:spcBef>
+              <a:buFont typeface="Arial" panose="020B0604020202020204" pitchFamily="34" charset="0"/>
+              <a:buChar char="•"/>
+              <a:defRPr sz="1800" kern="1200">
+                <a:solidFill>
+                  <a:schemeClr val="tx1"/>
+                </a:solidFill>
+                <a:latin typeface="+mn-lt"/>
+                <a:ea typeface="+mn-ea"/>
+                <a:cs typeface="+mn-cs"/>
+              </a:defRPr>
+            </a:lvl9pPr>
+          </a:lstStyle>
+          <a:p>
+            <a:pPr marL="0" indent="0" algn="just" rtl="1">
+              <a:buFont typeface="Arial" panose="020B0604020202020204" pitchFamily="34" charset="0"/>
+              <a:buNone/>
+            </a:pPr>
+            <a:r>
+              <a:rPr lang="he-IL" dirty="0" smtClean="0"/>
+              <a:t>לחיילים אין הרבה פעמים אופציה לצאת מהבסיס ולפתור את הבעיות שלהם בדרך המקובלת</a:t>
+            </a:r>
+            <a:endParaRPr lang="en-US" dirty="0"/>
+          </a:p>
+        </p:txBody>
+      </p:sp>
+      <p:sp>
+        <p:nvSpPr>
+          <p:cNvPr id="5" name="Content Placeholder 2"/>
+          <p:cNvSpPr txBox="1">
+            <a:spLocks/>
+          </p:cNvSpPr>
+          <p:nvPr/>
+        </p:nvSpPr>
+        <p:spPr>
+          <a:xfrm>
+            <a:off x="6308436" y="4356388"/>
+            <a:ext cx="5045364" cy="1628775"/>
+          </a:xfrm>
+          <a:prstGeom prst="rect">
+            <a:avLst/>
+          </a:prstGeom>
+        </p:spPr>
+        <p:txBody>
+          <a:bodyPr vert="horz" lIns="91440" tIns="45720" rIns="91440" bIns="45720" rtlCol="0">
+            <a:normAutofit/>
+          </a:bodyPr>
+          <a:lstStyle>
+            <a:lvl1pPr marL="228600" indent="-228600" algn="l" defTabSz="914400" rtl="0" eaLnBrk="1" latinLnBrk="0" hangingPunct="1">
+              <a:lnSpc>
+                <a:spcPct val="90000"/>
+              </a:lnSpc>
+              <a:spcBef>
+                <a:spcPts val="1000"/>
+              </a:spcBef>
+              <a:buFont typeface="Arial" panose="020B0604020202020204" pitchFamily="34" charset="0"/>
+              <a:buChar char="•"/>
+              <a:defRPr sz="2800" kern="1200">
+                <a:solidFill>
+                  <a:schemeClr val="tx1"/>
+                </a:solidFill>
+                <a:latin typeface="+mn-lt"/>
+                <a:ea typeface="+mn-ea"/>
+                <a:cs typeface="+mn-cs"/>
+              </a:defRPr>
+            </a:lvl1pPr>
+            <a:lvl2pPr marL="685800" indent="-228600" algn="l" defTabSz="914400" rtl="0" eaLnBrk="1" latinLnBrk="0" hangingPunct="1">
+              <a:lnSpc>
+                <a:spcPct val="90000"/>
+              </a:lnSpc>
+              <a:spcBef>
+                <a:spcPts val="500"/>
+              </a:spcBef>
+              <a:buFont typeface="Arial" panose="020B0604020202020204" pitchFamily="34" charset="0"/>
+              <a:buChar char="•"/>
+              <a:defRPr sz="2400" kern="1200">
+                <a:solidFill>
+                  <a:schemeClr val="tx1"/>
+                </a:solidFill>
+                <a:latin typeface="+mn-lt"/>
+                <a:ea typeface="+mn-ea"/>
+                <a:cs typeface="+mn-cs"/>
+              </a:defRPr>
+            </a:lvl2pPr>
+            <a:lvl3pPr marL="1143000" indent="-228600" algn="l" defTabSz="914400" rtl="0" eaLnBrk="1" latinLnBrk="0" hangingPunct="1">
+              <a:lnSpc>
+                <a:spcPct val="90000"/>
+              </a:lnSpc>
+              <a:spcBef>
+                <a:spcPts val="500"/>
+              </a:spcBef>
+              <a:buFont typeface="Arial" panose="020B0604020202020204" pitchFamily="34" charset="0"/>
+              <a:buChar char="•"/>
+              <a:defRPr sz="2000" kern="1200">
+                <a:solidFill>
+                  <a:schemeClr val="tx1"/>
+                </a:solidFill>
+                <a:latin typeface="+mn-lt"/>
+                <a:ea typeface="+mn-ea"/>
+                <a:cs typeface="+mn-cs"/>
+              </a:defRPr>
+            </a:lvl3pPr>
+            <a:lvl4pPr marL="1600200" indent="-228600" algn="l" defTabSz="914400" rtl="0" eaLnBrk="1" latinLnBrk="0" hangingPunct="1">
+              <a:lnSpc>
+                <a:spcPct val="90000"/>
+              </a:lnSpc>
+              <a:spcBef>
+                <a:spcPts val="500"/>
+              </a:spcBef>
+              <a:buFont typeface="Arial" panose="020B0604020202020204" pitchFamily="34" charset="0"/>
+              <a:buChar char="•"/>
+              <a:defRPr sz="1800" kern="1200">
+                <a:solidFill>
+                  <a:schemeClr val="tx1"/>
+                </a:solidFill>
+                <a:latin typeface="+mn-lt"/>
+                <a:ea typeface="+mn-ea"/>
+                <a:cs typeface="+mn-cs"/>
+              </a:defRPr>
+            </a:lvl4pPr>
+            <a:lvl5pPr marL="2057400" indent="-228600" algn="l" defTabSz="914400" rtl="0" eaLnBrk="1" latinLnBrk="0" hangingPunct="1">
+              <a:lnSpc>
+                <a:spcPct val="90000"/>
+              </a:lnSpc>
+              <a:spcBef>
+                <a:spcPts val="500"/>
+              </a:spcBef>
+              <a:buFont typeface="Arial" panose="020B0604020202020204" pitchFamily="34" charset="0"/>
+              <a:buChar char="•"/>
+              <a:defRPr sz="1800" kern="1200">
+                <a:solidFill>
+                  <a:schemeClr val="tx1"/>
+                </a:solidFill>
+                <a:latin typeface="+mn-lt"/>
+                <a:ea typeface="+mn-ea"/>
+                <a:cs typeface="+mn-cs"/>
+              </a:defRPr>
+            </a:lvl5pPr>
+            <a:lvl6pPr marL="2514600" indent="-228600" algn="l" defTabSz="914400" rtl="0" eaLnBrk="1" latinLnBrk="0" hangingPunct="1">
+              <a:lnSpc>
+                <a:spcPct val="90000"/>
+              </a:lnSpc>
+              <a:spcBef>
+                <a:spcPts val="500"/>
+              </a:spcBef>
+              <a:buFont typeface="Arial" panose="020B0604020202020204" pitchFamily="34" charset="0"/>
+              <a:buChar char="•"/>
+              <a:defRPr sz="1800" kern="1200">
+                <a:solidFill>
+                  <a:schemeClr val="tx1"/>
+                </a:solidFill>
+                <a:latin typeface="+mn-lt"/>
+                <a:ea typeface="+mn-ea"/>
+                <a:cs typeface="+mn-cs"/>
+              </a:defRPr>
+            </a:lvl6pPr>
+            <a:lvl7pPr marL="2971800" indent="-228600" algn="l" defTabSz="914400" rtl="0" eaLnBrk="1" latinLnBrk="0" hangingPunct="1">
+              <a:lnSpc>
+                <a:spcPct val="90000"/>
+              </a:lnSpc>
+              <a:spcBef>
+                <a:spcPts val="500"/>
+              </a:spcBef>
+              <a:buFont typeface="Arial" panose="020B0604020202020204" pitchFamily="34" charset="0"/>
+              <a:buChar char="•"/>
+              <a:defRPr sz="1800" kern="1200">
+                <a:solidFill>
+                  <a:schemeClr val="tx1"/>
+                </a:solidFill>
+                <a:latin typeface="+mn-lt"/>
+                <a:ea typeface="+mn-ea"/>
+                <a:cs typeface="+mn-cs"/>
+              </a:defRPr>
+            </a:lvl7pPr>
+            <a:lvl8pPr marL="3429000" indent="-228600" algn="l" defTabSz="914400" rtl="0" eaLnBrk="1" latinLnBrk="0" hangingPunct="1">
+              <a:lnSpc>
+                <a:spcPct val="90000"/>
+              </a:lnSpc>
+              <a:spcBef>
+                <a:spcPts val="500"/>
+              </a:spcBef>
+              <a:buFont typeface="Arial" panose="020B0604020202020204" pitchFamily="34" charset="0"/>
+              <a:buChar char="•"/>
+              <a:defRPr sz="1800" kern="1200">
+                <a:solidFill>
+                  <a:schemeClr val="tx1"/>
+                </a:solidFill>
+                <a:latin typeface="+mn-lt"/>
+                <a:ea typeface="+mn-ea"/>
+                <a:cs typeface="+mn-cs"/>
+              </a:defRPr>
+            </a:lvl8pPr>
+            <a:lvl9pPr marL="3886200" indent="-228600" algn="l" defTabSz="914400" rtl="0" eaLnBrk="1" latinLnBrk="0" hangingPunct="1">
+              <a:lnSpc>
+                <a:spcPct val="90000"/>
+              </a:lnSpc>
+              <a:spcBef>
+                <a:spcPts val="500"/>
+              </a:spcBef>
+              <a:buFont typeface="Arial" panose="020B0604020202020204" pitchFamily="34" charset="0"/>
+              <a:buChar char="•"/>
+              <a:defRPr sz="1800" kern="1200">
+                <a:solidFill>
+                  <a:schemeClr val="tx1"/>
+                </a:solidFill>
+                <a:latin typeface="+mn-lt"/>
+                <a:ea typeface="+mn-ea"/>
+                <a:cs typeface="+mn-cs"/>
+              </a:defRPr>
+            </a:lvl9pPr>
+          </a:lstStyle>
+          <a:p>
+            <a:pPr marL="0" indent="0" algn="just" rtl="1">
+              <a:buFont typeface="Arial" panose="020B0604020202020204" pitchFamily="34" charset="0"/>
+              <a:buNone/>
+            </a:pPr>
+            <a:r>
+              <a:rPr lang="he-IL" dirty="0" smtClean="0"/>
+              <a:t>כסף לא גדל על העצים, בייחוד עבור חיילי חובה</a:t>
+            </a:r>
+            <a:endParaRPr lang="en-US" dirty="0"/>
           </a:p>
         </p:txBody>
       </p:sp>
@@ -3248,7 +3678,12 @@
             <p:ph type="title"/>
           </p:nvPr>
         </p:nvSpPr>
-        <p:spPr/>
+        <p:spPr>
+          <a:xfrm>
+            <a:off x="4884882" y="337416"/>
+            <a:ext cx="2422236" cy="1325563"/>
+          </a:xfrm>
+        </p:spPr>
         <p:txBody>
           <a:bodyPr>
             <a:normAutofit/>
@@ -3283,8 +3718,22 @@
           <a:bodyPr/>
           <a:lstStyle/>
           <a:p>
-            <a:pPr algn="r" rtl="1"/>
-            <a:endParaRPr lang="en-US"/>
+            <a:pPr marL="0" indent="0" algn="r" rtl="1">
+              <a:buNone/>
+            </a:pPr>
+            <a:r>
+              <a:rPr lang="he-IL" dirty="0" smtClean="0"/>
+              <a:t>לעשות </a:t>
+            </a:r>
+            <a:r>
+              <a:rPr lang="en-US" dirty="0" smtClean="0"/>
+              <a:t>match</a:t>
+            </a:r>
+            <a:r>
+              <a:rPr lang="he-IL" dirty="0" smtClean="0"/>
+              <a:t> בין שני אנשים עם כישורים שונים, כך שהם יפתרו אחד לשני את הבעיות.</a:t>
+            </a:r>
+            <a:endParaRPr lang="en-US" dirty="0"/>
           </a:p>
         </p:txBody>
       </p:sp>
@@ -3340,13 +3789,7 @@
               <a:rPr lang="he-IL" sz="6000" dirty="0" smtClean="0">
                 <a:cs typeface="+mn-cs"/>
               </a:rPr>
-              <a:t>הדגמ</a:t>
-            </a:r>
-            <a:r>
-              <a:rPr lang="he-IL" sz="6000" dirty="0">
-                <a:cs typeface="+mn-cs"/>
-              </a:rPr>
-              <a:t>ה</a:t>
+              <a:t>השוק</a:t>
             </a:r>
             <a:endParaRPr lang="en-US" sz="6000" dirty="0">
               <a:cs typeface="+mn-cs"/>
@@ -3364,12 +3807,221 @@
             <p:ph idx="1"/>
           </p:nvPr>
         </p:nvSpPr>
-        <p:spPr/>
-        <p:txBody>
-          <a:bodyPr/>
-          <a:lstStyle/>
-          <a:p>
-            <a:pPr algn="r" rtl="1"/>
+        <p:spPr>
+          <a:xfrm>
+            <a:off x="6049818" y="1825625"/>
+            <a:ext cx="5303982" cy="585066"/>
+          </a:xfrm>
+        </p:spPr>
+        <p:txBody>
+          <a:bodyPr/>
+          <a:lstStyle/>
+          <a:p>
+            <a:pPr marL="0" indent="0" algn="r" rtl="1">
+              <a:buNone/>
+            </a:pPr>
+            <a:r>
+              <a:rPr lang="he-IL" dirty="0" smtClean="0"/>
+              <a:t>יש בחוץ אפליקציות לסחר חליפין</a:t>
+            </a:r>
+            <a:endParaRPr lang="en-US" dirty="0"/>
+          </a:p>
+        </p:txBody>
+      </p:sp>
+      <p:sp>
+        <p:nvSpPr>
+          <p:cNvPr id="4" name="Content Placeholder 2"/>
+          <p:cNvSpPr txBox="1">
+            <a:spLocks/>
+          </p:cNvSpPr>
+          <p:nvPr/>
+        </p:nvSpPr>
+        <p:spPr>
+          <a:xfrm>
+            <a:off x="1348509" y="2837007"/>
+            <a:ext cx="10005291" cy="1670338"/>
+          </a:xfrm>
+          <a:prstGeom prst="rect">
+            <a:avLst/>
+          </a:prstGeom>
+        </p:spPr>
+        <p:txBody>
+          <a:bodyPr vert="horz" lIns="91440" tIns="45720" rIns="91440" bIns="45720" rtlCol="0">
+            <a:normAutofit/>
+          </a:bodyPr>
+          <a:lstStyle>
+            <a:lvl1pPr marL="228600" indent="-228600" algn="l" defTabSz="914400" rtl="0" eaLnBrk="1" latinLnBrk="0" hangingPunct="1">
+              <a:lnSpc>
+                <a:spcPct val="90000"/>
+              </a:lnSpc>
+              <a:spcBef>
+                <a:spcPts val="1000"/>
+              </a:spcBef>
+              <a:buFont typeface="Arial" panose="020B0604020202020204" pitchFamily="34" charset="0"/>
+              <a:buChar char="•"/>
+              <a:defRPr sz="2800" kern="1200">
+                <a:solidFill>
+                  <a:schemeClr val="tx1"/>
+                </a:solidFill>
+                <a:latin typeface="+mn-lt"/>
+                <a:ea typeface="+mn-ea"/>
+                <a:cs typeface="+mn-cs"/>
+              </a:defRPr>
+            </a:lvl1pPr>
+            <a:lvl2pPr marL="685800" indent="-228600" algn="l" defTabSz="914400" rtl="0" eaLnBrk="1" latinLnBrk="0" hangingPunct="1">
+              <a:lnSpc>
+                <a:spcPct val="90000"/>
+              </a:lnSpc>
+              <a:spcBef>
+                <a:spcPts val="500"/>
+              </a:spcBef>
+              <a:buFont typeface="Arial" panose="020B0604020202020204" pitchFamily="34" charset="0"/>
+              <a:buChar char="•"/>
+              <a:defRPr sz="2400" kern="1200">
+                <a:solidFill>
+                  <a:schemeClr val="tx1"/>
+                </a:solidFill>
+                <a:latin typeface="+mn-lt"/>
+                <a:ea typeface="+mn-ea"/>
+                <a:cs typeface="+mn-cs"/>
+              </a:defRPr>
+            </a:lvl2pPr>
+            <a:lvl3pPr marL="1143000" indent="-228600" algn="l" defTabSz="914400" rtl="0" eaLnBrk="1" latinLnBrk="0" hangingPunct="1">
+              <a:lnSpc>
+                <a:spcPct val="90000"/>
+              </a:lnSpc>
+              <a:spcBef>
+                <a:spcPts val="500"/>
+              </a:spcBef>
+              <a:buFont typeface="Arial" panose="020B0604020202020204" pitchFamily="34" charset="0"/>
+              <a:buChar char="•"/>
+              <a:defRPr sz="2000" kern="1200">
+                <a:solidFill>
+                  <a:schemeClr val="tx1"/>
+                </a:solidFill>
+                <a:latin typeface="+mn-lt"/>
+                <a:ea typeface="+mn-ea"/>
+                <a:cs typeface="+mn-cs"/>
+              </a:defRPr>
+            </a:lvl3pPr>
+            <a:lvl4pPr marL="1600200" indent="-228600" algn="l" defTabSz="914400" rtl="0" eaLnBrk="1" latinLnBrk="0" hangingPunct="1">
+              <a:lnSpc>
+                <a:spcPct val="90000"/>
+              </a:lnSpc>
+              <a:spcBef>
+                <a:spcPts val="500"/>
+              </a:spcBef>
+              <a:buFont typeface="Arial" panose="020B0604020202020204" pitchFamily="34" charset="0"/>
+              <a:buChar char="•"/>
+              <a:defRPr sz="1800" kern="1200">
+                <a:solidFill>
+                  <a:schemeClr val="tx1"/>
+                </a:solidFill>
+                <a:latin typeface="+mn-lt"/>
+                <a:ea typeface="+mn-ea"/>
+                <a:cs typeface="+mn-cs"/>
+              </a:defRPr>
+            </a:lvl4pPr>
+            <a:lvl5pPr marL="2057400" indent="-228600" algn="l" defTabSz="914400" rtl="0" eaLnBrk="1" latinLnBrk="0" hangingPunct="1">
+              <a:lnSpc>
+                <a:spcPct val="90000"/>
+              </a:lnSpc>
+              <a:spcBef>
+                <a:spcPts val="500"/>
+              </a:spcBef>
+              <a:buFont typeface="Arial" panose="020B0604020202020204" pitchFamily="34" charset="0"/>
+              <a:buChar char="•"/>
+              <a:defRPr sz="1800" kern="1200">
+                <a:solidFill>
+                  <a:schemeClr val="tx1"/>
+                </a:solidFill>
+                <a:latin typeface="+mn-lt"/>
+                <a:ea typeface="+mn-ea"/>
+                <a:cs typeface="+mn-cs"/>
+              </a:defRPr>
+            </a:lvl5pPr>
+            <a:lvl6pPr marL="2514600" indent="-228600" algn="l" defTabSz="914400" rtl="0" eaLnBrk="1" latinLnBrk="0" hangingPunct="1">
+              <a:lnSpc>
+                <a:spcPct val="90000"/>
+              </a:lnSpc>
+              <a:spcBef>
+                <a:spcPts val="500"/>
+              </a:spcBef>
+              <a:buFont typeface="Arial" panose="020B0604020202020204" pitchFamily="34" charset="0"/>
+              <a:buChar char="•"/>
+              <a:defRPr sz="1800" kern="1200">
+                <a:solidFill>
+                  <a:schemeClr val="tx1"/>
+                </a:solidFill>
+                <a:latin typeface="+mn-lt"/>
+                <a:ea typeface="+mn-ea"/>
+                <a:cs typeface="+mn-cs"/>
+              </a:defRPr>
+            </a:lvl6pPr>
+            <a:lvl7pPr marL="2971800" indent="-228600" algn="l" defTabSz="914400" rtl="0" eaLnBrk="1" latinLnBrk="0" hangingPunct="1">
+              <a:lnSpc>
+                <a:spcPct val="90000"/>
+              </a:lnSpc>
+              <a:spcBef>
+                <a:spcPts val="500"/>
+              </a:spcBef>
+              <a:buFont typeface="Arial" panose="020B0604020202020204" pitchFamily="34" charset="0"/>
+              <a:buChar char="•"/>
+              <a:defRPr sz="1800" kern="1200">
+                <a:solidFill>
+                  <a:schemeClr val="tx1"/>
+                </a:solidFill>
+                <a:latin typeface="+mn-lt"/>
+                <a:ea typeface="+mn-ea"/>
+                <a:cs typeface="+mn-cs"/>
+              </a:defRPr>
+            </a:lvl7pPr>
+            <a:lvl8pPr marL="3429000" indent="-228600" algn="l" defTabSz="914400" rtl="0" eaLnBrk="1" latinLnBrk="0" hangingPunct="1">
+              <a:lnSpc>
+                <a:spcPct val="90000"/>
+              </a:lnSpc>
+              <a:spcBef>
+                <a:spcPts val="500"/>
+              </a:spcBef>
+              <a:buFont typeface="Arial" panose="020B0604020202020204" pitchFamily="34" charset="0"/>
+              <a:buChar char="•"/>
+              <a:defRPr sz="1800" kern="1200">
+                <a:solidFill>
+                  <a:schemeClr val="tx1"/>
+                </a:solidFill>
+                <a:latin typeface="+mn-lt"/>
+                <a:ea typeface="+mn-ea"/>
+                <a:cs typeface="+mn-cs"/>
+              </a:defRPr>
+            </a:lvl8pPr>
+            <a:lvl9pPr marL="3886200" indent="-228600" algn="l" defTabSz="914400" rtl="0" eaLnBrk="1" latinLnBrk="0" hangingPunct="1">
+              <a:lnSpc>
+                <a:spcPct val="90000"/>
+              </a:lnSpc>
+              <a:spcBef>
+                <a:spcPts val="500"/>
+              </a:spcBef>
+              <a:buFont typeface="Arial" panose="020B0604020202020204" pitchFamily="34" charset="0"/>
+              <a:buChar char="•"/>
+              <a:defRPr sz="1800" kern="1200">
+                <a:solidFill>
+                  <a:schemeClr val="tx1"/>
+                </a:solidFill>
+                <a:latin typeface="+mn-lt"/>
+                <a:ea typeface="+mn-ea"/>
+                <a:cs typeface="+mn-cs"/>
+              </a:defRPr>
+            </a:lvl9pPr>
+          </a:lstStyle>
+          <a:p>
+            <a:pPr marL="0" indent="0" algn="r" rtl="1">
+              <a:buFont typeface="Arial" panose="020B0604020202020204" pitchFamily="34" charset="0"/>
+              <a:buNone/>
+            </a:pPr>
+            <a:r>
+              <a:rPr lang="he-IL" dirty="0" smtClean="0"/>
+              <a:t>אין להן אנשים אמינים, אין להן איזור מסחר גואגרפי, אין להן אנשים עם אותן בעיות חוזרות של נגישות, צרכים מקצועיים וצרכים מערכתיים.</a:t>
+            </a:r>
             <a:endParaRPr lang="en-US" dirty="0"/>
           </a:p>
         </p:txBody>
@@ -3377,7 +4029,7 @@
     </p:spTree>
     <p:extLst>
       <p:ext uri="{BB962C8B-B14F-4D97-AF65-F5344CB8AC3E}">
-        <p14:creationId xmlns:p14="http://schemas.microsoft.com/office/powerpoint/2010/main" val="889667895"/>
+        <p14:creationId xmlns:p14="http://schemas.microsoft.com/office/powerpoint/2010/main" val="2053494586"/>
       </p:ext>
     </p:extLst>
   </p:cSld>
@@ -3426,7 +4078,7 @@
               <a:rPr lang="he-IL" sz="6000" dirty="0" smtClean="0">
                 <a:cs typeface="+mn-cs"/>
               </a:rPr>
-              <a:t>מתחרים</a:t>
+              <a:t>הערך המוסף שלנו</a:t>
             </a:r>
             <a:endParaRPr lang="en-US" sz="6000" dirty="0">
               <a:cs typeface="+mn-cs"/>
@@ -3450,6 +4102,27 @@
           <a:lstStyle/>
           <a:p>
             <a:pPr algn="r" rtl="1"/>
+            <a:r>
+              <a:rPr lang="he-IL" dirty="0" smtClean="0"/>
+              <a:t>סטטיסטיקת בעיות</a:t>
+            </a:r>
+          </a:p>
+          <a:p>
+            <a:pPr algn="r" rtl="1"/>
+            <a:r>
+              <a:rPr lang="he-IL" dirty="0" smtClean="0"/>
+              <a:t>היכרות אנשים</a:t>
+            </a:r>
+          </a:p>
+          <a:p>
+            <a:pPr algn="r" rtl="1"/>
+            <a:r>
+              <a:rPr lang="he-IL" dirty="0" smtClean="0"/>
+              <a:t>עידוד הפצת ידע</a:t>
+            </a:r>
+          </a:p>
+          <a:p>
+            <a:pPr algn="r" rtl="1"/>
             <a:endParaRPr lang="en-US" dirty="0"/>
           </a:p>
         </p:txBody>
@@ -3457,7 +4130,7 @@
     </p:spTree>
     <p:extLst>
       <p:ext uri="{BB962C8B-B14F-4D97-AF65-F5344CB8AC3E}">
-        <p14:creationId xmlns:p14="http://schemas.microsoft.com/office/powerpoint/2010/main" val="2053494586"/>
+        <p14:creationId xmlns:p14="http://schemas.microsoft.com/office/powerpoint/2010/main" val="857768444"/>
       </p:ext>
     </p:extLst>
   </p:cSld>

--- a/presentation.pptx
+++ b/presentation.pptx
@@ -4,6 +4,9 @@
   <p:sldMasterIdLst>
     <p:sldMasterId id="2147483648" r:id="rId1"/>
   </p:sldMasterIdLst>
+  <p:notesMasterIdLst>
+    <p:notesMasterId r:id="rId10"/>
+  </p:notesMasterIdLst>
   <p:sldIdLst>
     <p:sldId id="256" r:id="rId2"/>
     <p:sldId id="257" r:id="rId3"/>
@@ -11,6 +14,8 @@
     <p:sldId id="259" r:id="rId5"/>
     <p:sldId id="261" r:id="rId6"/>
     <p:sldId id="262" r:id="rId7"/>
+    <p:sldId id="263" r:id="rId8"/>
+    <p:sldId id="264" r:id="rId9"/>
   </p:sldIdLst>
   <p:sldSz cx="12192000" cy="6858000"/>
   <p:notesSz cx="6858000" cy="9144000"/>
@@ -111,10 +116,444 @@
   </p:defaultTextStyle>
   <p:extLst>
     <p:ext uri="{EFAFB233-063F-42B5-8137-9DF3F51BA10A}">
-      <p15:sldGuideLst xmlns:p15="http://schemas.microsoft.com/office/powerpoint/2012/main"/>
+      <p15:sldGuideLst xmlns:p15="http://schemas.microsoft.com/office/powerpoint/2012/main" xmlns=""/>
     </p:ext>
   </p:extLst>
 </p:presentation>
+</file>
+
+<file path=ppt/notesMasters/notesMaster1.xml><?xml version="1.0" encoding="utf-8"?>
+<p:notesMaster xmlns:a="http://schemas.openxmlformats.org/drawingml/2006/main" xmlns:r="http://schemas.openxmlformats.org/officeDocument/2006/relationships" xmlns:p="http://schemas.openxmlformats.org/presentationml/2006/main">
+  <p:cSld>
+    <p:bg>
+      <p:bgRef idx="1001">
+        <a:schemeClr val="bg1"/>
+      </p:bgRef>
+    </p:bg>
+    <p:spTree>
+      <p:nvGrpSpPr>
+        <p:cNvPr id="1" name=""/>
+        <p:cNvGrpSpPr/>
+        <p:nvPr/>
+      </p:nvGrpSpPr>
+      <p:grpSpPr>
+        <a:xfrm>
+          <a:off x="0" y="0"/>
+          <a:ext cx="0" cy="0"/>
+          <a:chOff x="0" y="0"/>
+          <a:chExt cx="0" cy="0"/>
+        </a:xfrm>
+      </p:grpSpPr>
+      <p:sp>
+        <p:nvSpPr>
+          <p:cNvPr id="2" name="Header Placeholder 1"/>
+          <p:cNvSpPr>
+            <a:spLocks noGrp="1"/>
+          </p:cNvSpPr>
+          <p:nvPr>
+            <p:ph type="hdr" sz="quarter"/>
+          </p:nvPr>
+        </p:nvSpPr>
+        <p:spPr>
+          <a:xfrm>
+            <a:off x="0" y="0"/>
+            <a:ext cx="2971800" cy="457200"/>
+          </a:xfrm>
+          <a:prstGeom prst="rect">
+            <a:avLst/>
+          </a:prstGeom>
+        </p:spPr>
+        <p:txBody>
+          <a:bodyPr vert="horz" lIns="91440" tIns="45720" rIns="91440" bIns="45720" rtlCol="0"/>
+          <a:lstStyle>
+            <a:lvl1pPr algn="l">
+              <a:defRPr sz="1200"/>
+            </a:lvl1pPr>
+          </a:lstStyle>
+          <a:p>
+            <a:endParaRPr lang="en-US"/>
+          </a:p>
+        </p:txBody>
+      </p:sp>
+      <p:sp>
+        <p:nvSpPr>
+          <p:cNvPr id="3" name="Date Placeholder 2"/>
+          <p:cNvSpPr>
+            <a:spLocks noGrp="1"/>
+          </p:cNvSpPr>
+          <p:nvPr>
+            <p:ph type="dt" idx="1"/>
+          </p:nvPr>
+        </p:nvSpPr>
+        <p:spPr>
+          <a:xfrm>
+            <a:off x="3884613" y="0"/>
+            <a:ext cx="2971800" cy="457200"/>
+          </a:xfrm>
+          <a:prstGeom prst="rect">
+            <a:avLst/>
+          </a:prstGeom>
+        </p:spPr>
+        <p:txBody>
+          <a:bodyPr vert="horz" lIns="91440" tIns="45720" rIns="91440" bIns="45720" rtlCol="0"/>
+          <a:lstStyle>
+            <a:lvl1pPr algn="r">
+              <a:defRPr sz="1200"/>
+            </a:lvl1pPr>
+          </a:lstStyle>
+          <a:p>
+            <a:fld id="{BC661B0F-8655-4D9E-AEB7-1A10C3ACF673}" type="datetimeFigureOut">
+              <a:rPr lang="en-US" smtClean="0"/>
+              <a:t>6/20/2017</a:t>
+            </a:fld>
+            <a:endParaRPr lang="en-US"/>
+          </a:p>
+        </p:txBody>
+      </p:sp>
+      <p:sp>
+        <p:nvSpPr>
+          <p:cNvPr id="4" name="Slide Image Placeholder 3"/>
+          <p:cNvSpPr>
+            <a:spLocks noGrp="1" noRot="1" noChangeAspect="1"/>
+          </p:cNvSpPr>
+          <p:nvPr>
+            <p:ph type="sldImg" idx="2"/>
+          </p:nvPr>
+        </p:nvSpPr>
+        <p:spPr>
+          <a:xfrm>
+            <a:off x="381000" y="685800"/>
+            <a:ext cx="6096000" cy="3429000"/>
+          </a:xfrm>
+          <a:prstGeom prst="rect">
+            <a:avLst/>
+          </a:prstGeom>
+          <a:noFill/>
+          <a:ln w="12700">
+            <a:solidFill>
+              <a:prstClr val="black"/>
+            </a:solidFill>
+          </a:ln>
+        </p:spPr>
+        <p:txBody>
+          <a:bodyPr vert="horz" lIns="91440" tIns="45720" rIns="91440" bIns="45720" rtlCol="0" anchor="ctr"/>
+          <a:lstStyle/>
+          <a:p>
+            <a:endParaRPr lang="en-US"/>
+          </a:p>
+        </p:txBody>
+      </p:sp>
+      <p:sp>
+        <p:nvSpPr>
+          <p:cNvPr id="5" name="Notes Placeholder 4"/>
+          <p:cNvSpPr>
+            <a:spLocks noGrp="1"/>
+          </p:cNvSpPr>
+          <p:nvPr>
+            <p:ph type="body" sz="quarter" idx="3"/>
+          </p:nvPr>
+        </p:nvSpPr>
+        <p:spPr>
+          <a:xfrm>
+            <a:off x="685800" y="4343400"/>
+            <a:ext cx="5486400" cy="4114800"/>
+          </a:xfrm>
+          <a:prstGeom prst="rect">
+            <a:avLst/>
+          </a:prstGeom>
+        </p:spPr>
+        <p:txBody>
+          <a:bodyPr vert="horz" lIns="91440" tIns="45720" rIns="91440" bIns="45720" rtlCol="0"/>
+          <a:lstStyle/>
+          <a:p>
+            <a:pPr lvl="0"/>
+            <a:r>
+              <a:rPr lang="en-US" smtClean="0"/>
+              <a:t>Click to edit Master text styles</a:t>
+            </a:r>
+          </a:p>
+          <a:p>
+            <a:pPr lvl="1"/>
+            <a:r>
+              <a:rPr lang="en-US" smtClean="0"/>
+              <a:t>Second level</a:t>
+            </a:r>
+          </a:p>
+          <a:p>
+            <a:pPr lvl="2"/>
+            <a:r>
+              <a:rPr lang="en-US" smtClean="0"/>
+              <a:t>Third level</a:t>
+            </a:r>
+          </a:p>
+          <a:p>
+            <a:pPr lvl="3"/>
+            <a:r>
+              <a:rPr lang="en-US" smtClean="0"/>
+              <a:t>Fourth level</a:t>
+            </a:r>
+          </a:p>
+          <a:p>
+            <a:pPr lvl="4"/>
+            <a:r>
+              <a:rPr lang="en-US" smtClean="0"/>
+              <a:t>Fifth level</a:t>
+            </a:r>
+            <a:endParaRPr lang="en-US"/>
+          </a:p>
+        </p:txBody>
+      </p:sp>
+      <p:sp>
+        <p:nvSpPr>
+          <p:cNvPr id="6" name="Footer Placeholder 5"/>
+          <p:cNvSpPr>
+            <a:spLocks noGrp="1"/>
+          </p:cNvSpPr>
+          <p:nvPr>
+            <p:ph type="ftr" sz="quarter" idx="4"/>
+          </p:nvPr>
+        </p:nvSpPr>
+        <p:spPr>
+          <a:xfrm>
+            <a:off x="0" y="8685213"/>
+            <a:ext cx="2971800" cy="457200"/>
+          </a:xfrm>
+          <a:prstGeom prst="rect">
+            <a:avLst/>
+          </a:prstGeom>
+        </p:spPr>
+        <p:txBody>
+          <a:bodyPr vert="horz" lIns="91440" tIns="45720" rIns="91440" bIns="45720" rtlCol="0" anchor="b"/>
+          <a:lstStyle>
+            <a:lvl1pPr algn="l">
+              <a:defRPr sz="1200"/>
+            </a:lvl1pPr>
+          </a:lstStyle>
+          <a:p>
+            <a:endParaRPr lang="en-US"/>
+          </a:p>
+        </p:txBody>
+      </p:sp>
+      <p:sp>
+        <p:nvSpPr>
+          <p:cNvPr id="7" name="Slide Number Placeholder 6"/>
+          <p:cNvSpPr>
+            <a:spLocks noGrp="1"/>
+          </p:cNvSpPr>
+          <p:nvPr>
+            <p:ph type="sldNum" sz="quarter" idx="5"/>
+          </p:nvPr>
+        </p:nvSpPr>
+        <p:spPr>
+          <a:xfrm>
+            <a:off x="3884613" y="8685213"/>
+            <a:ext cx="2971800" cy="457200"/>
+          </a:xfrm>
+          <a:prstGeom prst="rect">
+            <a:avLst/>
+          </a:prstGeom>
+        </p:spPr>
+        <p:txBody>
+          <a:bodyPr vert="horz" lIns="91440" tIns="45720" rIns="91440" bIns="45720" rtlCol="0" anchor="b"/>
+          <a:lstStyle>
+            <a:lvl1pPr algn="r">
+              <a:defRPr sz="1200"/>
+            </a:lvl1pPr>
+          </a:lstStyle>
+          <a:p>
+            <a:fld id="{79F2AFCF-E982-4533-B25E-65EE91F9FF34}" type="slidenum">
+              <a:rPr lang="en-US" smtClean="0"/>
+              <a:t>‹#›</a:t>
+            </a:fld>
+            <a:endParaRPr lang="en-US"/>
+          </a:p>
+        </p:txBody>
+      </p:sp>
+    </p:spTree>
+    <p:extLst>
+      <p:ext uri="{BB962C8B-B14F-4D97-AF65-F5344CB8AC3E}">
+        <p14:creationId xmlns:p14="http://schemas.microsoft.com/office/powerpoint/2010/main" val="2264764468"/>
+      </p:ext>
+    </p:extLst>
+  </p:cSld>
+  <p:clrMap bg1="lt1" tx1="dk1" bg2="lt2" tx2="dk2" accent1="accent1" accent2="accent2" accent3="accent3" accent4="accent4" accent5="accent5" accent6="accent6" hlink="hlink" folHlink="folHlink"/>
+  <p:notesStyle>
+    <a:lvl1pPr marL="0" algn="l" defTabSz="914400" rtl="0" eaLnBrk="1" latinLnBrk="0" hangingPunct="1">
+      <a:defRPr sz="1200" kern="1200">
+        <a:solidFill>
+          <a:schemeClr val="tx1"/>
+        </a:solidFill>
+        <a:latin typeface="+mn-lt"/>
+        <a:ea typeface="+mn-ea"/>
+        <a:cs typeface="+mn-cs"/>
+      </a:defRPr>
+    </a:lvl1pPr>
+    <a:lvl2pPr marL="457200" algn="l" defTabSz="914400" rtl="0" eaLnBrk="1" latinLnBrk="0" hangingPunct="1">
+      <a:defRPr sz="1200" kern="1200">
+        <a:solidFill>
+          <a:schemeClr val="tx1"/>
+        </a:solidFill>
+        <a:latin typeface="+mn-lt"/>
+        <a:ea typeface="+mn-ea"/>
+        <a:cs typeface="+mn-cs"/>
+      </a:defRPr>
+    </a:lvl2pPr>
+    <a:lvl3pPr marL="914400" algn="l" defTabSz="914400" rtl="0" eaLnBrk="1" latinLnBrk="0" hangingPunct="1">
+      <a:defRPr sz="1200" kern="1200">
+        <a:solidFill>
+          <a:schemeClr val="tx1"/>
+        </a:solidFill>
+        <a:latin typeface="+mn-lt"/>
+        <a:ea typeface="+mn-ea"/>
+        <a:cs typeface="+mn-cs"/>
+      </a:defRPr>
+    </a:lvl3pPr>
+    <a:lvl4pPr marL="1371600" algn="l" defTabSz="914400" rtl="0" eaLnBrk="1" latinLnBrk="0" hangingPunct="1">
+      <a:defRPr sz="1200" kern="1200">
+        <a:solidFill>
+          <a:schemeClr val="tx1"/>
+        </a:solidFill>
+        <a:latin typeface="+mn-lt"/>
+        <a:ea typeface="+mn-ea"/>
+        <a:cs typeface="+mn-cs"/>
+      </a:defRPr>
+    </a:lvl4pPr>
+    <a:lvl5pPr marL="1828800" algn="l" defTabSz="914400" rtl="0" eaLnBrk="1" latinLnBrk="0" hangingPunct="1">
+      <a:defRPr sz="1200" kern="1200">
+        <a:solidFill>
+          <a:schemeClr val="tx1"/>
+        </a:solidFill>
+        <a:latin typeface="+mn-lt"/>
+        <a:ea typeface="+mn-ea"/>
+        <a:cs typeface="+mn-cs"/>
+      </a:defRPr>
+    </a:lvl5pPr>
+    <a:lvl6pPr marL="2286000" algn="l" defTabSz="914400" rtl="0" eaLnBrk="1" latinLnBrk="0" hangingPunct="1">
+      <a:defRPr sz="1200" kern="1200">
+        <a:solidFill>
+          <a:schemeClr val="tx1"/>
+        </a:solidFill>
+        <a:latin typeface="+mn-lt"/>
+        <a:ea typeface="+mn-ea"/>
+        <a:cs typeface="+mn-cs"/>
+      </a:defRPr>
+    </a:lvl6pPr>
+    <a:lvl7pPr marL="2743200" algn="l" defTabSz="914400" rtl="0" eaLnBrk="1" latinLnBrk="0" hangingPunct="1">
+      <a:defRPr sz="1200" kern="1200">
+        <a:solidFill>
+          <a:schemeClr val="tx1"/>
+        </a:solidFill>
+        <a:latin typeface="+mn-lt"/>
+        <a:ea typeface="+mn-ea"/>
+        <a:cs typeface="+mn-cs"/>
+      </a:defRPr>
+    </a:lvl7pPr>
+    <a:lvl8pPr marL="3200400" algn="l" defTabSz="914400" rtl="0" eaLnBrk="1" latinLnBrk="0" hangingPunct="1">
+      <a:defRPr sz="1200" kern="1200">
+        <a:solidFill>
+          <a:schemeClr val="tx1"/>
+        </a:solidFill>
+        <a:latin typeface="+mn-lt"/>
+        <a:ea typeface="+mn-ea"/>
+        <a:cs typeface="+mn-cs"/>
+      </a:defRPr>
+    </a:lvl8pPr>
+    <a:lvl9pPr marL="3657600" algn="l" defTabSz="914400" rtl="0" eaLnBrk="1" latinLnBrk="0" hangingPunct="1">
+      <a:defRPr sz="1200" kern="1200">
+        <a:solidFill>
+          <a:schemeClr val="tx1"/>
+        </a:solidFill>
+        <a:latin typeface="+mn-lt"/>
+        <a:ea typeface="+mn-ea"/>
+        <a:cs typeface="+mn-cs"/>
+      </a:defRPr>
+    </a:lvl9pPr>
+  </p:notesStyle>
+</p:notesMaster>
+</file>
+
+<file path=ppt/notesSlides/notesSlide1.xml><?xml version="1.0" encoding="utf-8"?>
+<p:notes xmlns:a="http://schemas.openxmlformats.org/drawingml/2006/main" xmlns:r="http://schemas.openxmlformats.org/officeDocument/2006/relationships" xmlns:p="http://schemas.openxmlformats.org/presentationml/2006/main">
+  <p:cSld>
+    <p:spTree>
+      <p:nvGrpSpPr>
+        <p:cNvPr id="1" name=""/>
+        <p:cNvGrpSpPr/>
+        <p:nvPr/>
+      </p:nvGrpSpPr>
+      <p:grpSpPr>
+        <a:xfrm>
+          <a:off x="0" y="0"/>
+          <a:ext cx="0" cy="0"/>
+          <a:chOff x="0" y="0"/>
+          <a:chExt cx="0" cy="0"/>
+        </a:xfrm>
+      </p:grpSpPr>
+      <p:sp>
+        <p:nvSpPr>
+          <p:cNvPr id="2" name="Slide Image Placeholder 1"/>
+          <p:cNvSpPr>
+            <a:spLocks noGrp="1" noRot="1" noChangeAspect="1"/>
+          </p:cNvSpPr>
+          <p:nvPr>
+            <p:ph type="sldImg"/>
+          </p:nvPr>
+        </p:nvSpPr>
+        <p:spPr/>
+      </p:sp>
+      <p:sp>
+        <p:nvSpPr>
+          <p:cNvPr id="3" name="Notes Placeholder 2"/>
+          <p:cNvSpPr>
+            <a:spLocks noGrp="1"/>
+          </p:cNvSpPr>
+          <p:nvPr>
+            <p:ph type="body" idx="1"/>
+          </p:nvPr>
+        </p:nvSpPr>
+        <p:spPr/>
+        <p:txBody>
+          <a:bodyPr/>
+          <a:lstStyle/>
+          <a:p>
+            <a:endParaRPr lang="en-US" dirty="0"/>
+          </a:p>
+        </p:txBody>
+      </p:sp>
+      <p:sp>
+        <p:nvSpPr>
+          <p:cNvPr id="4" name="Slide Number Placeholder 3"/>
+          <p:cNvSpPr>
+            <a:spLocks noGrp="1"/>
+          </p:cNvSpPr>
+          <p:nvPr>
+            <p:ph type="sldNum" sz="quarter" idx="10"/>
+          </p:nvPr>
+        </p:nvSpPr>
+        <p:spPr/>
+        <p:txBody>
+          <a:bodyPr/>
+          <a:lstStyle/>
+          <a:p>
+            <a:fld id="{79F2AFCF-E982-4533-B25E-65EE91F9FF34}" type="slidenum">
+              <a:rPr lang="en-US" smtClean="0"/>
+              <a:t>8</a:t>
+            </a:fld>
+            <a:endParaRPr lang="en-US"/>
+          </a:p>
+        </p:txBody>
+      </p:sp>
+    </p:spTree>
+    <p:extLst>
+      <p:ext uri="{BB962C8B-B14F-4D97-AF65-F5344CB8AC3E}">
+        <p14:creationId xmlns:p14="http://schemas.microsoft.com/office/powerpoint/2010/main" val="2799315812"/>
+      </p:ext>
+    </p:extLst>
+  </p:cSld>
+  <p:clrMapOvr>
+    <a:masterClrMapping/>
+  </p:clrMapOvr>
+</p:notes>
 </file>
 
 <file path=ppt/slideLayouts/slideLayout1.xml><?xml version="1.0" encoding="utf-8"?>
@@ -2421,9 +2860,18 @@
 <p:sldMaster xmlns:a="http://schemas.openxmlformats.org/drawingml/2006/main" xmlns:r="http://schemas.openxmlformats.org/officeDocument/2006/relationships" xmlns:p="http://schemas.openxmlformats.org/presentationml/2006/main">
   <p:cSld>
     <p:bg>
-      <p:bgRef idx="1001">
-        <a:schemeClr val="bg1"/>
-      </p:bgRef>
+      <p:bgPr>
+        <a:blipFill dpi="0" rotWithShape="1">
+          <a:blip r:embed="rId13">
+            <a:lum/>
+          </a:blip>
+          <a:srcRect/>
+          <a:stretch>
+            <a:fillRect t="-17000" b="-17000"/>
+          </a:stretch>
+        </a:blipFill>
+        <a:effectLst/>
+      </p:bgPr>
     </p:bg>
     <p:spTree>
       <p:nvGrpSpPr>
@@ -2986,16 +3434,18 @@
         </p:nvSpPr>
         <p:spPr>
           <a:xfrm>
-            <a:off x="1523999" y="586654"/>
-            <a:ext cx="9144000" cy="1002001"/>
+            <a:off x="4123452" y="416838"/>
+            <a:ext cx="3945094" cy="1002001"/>
           </a:xfrm>
         </p:spPr>
         <p:txBody>
-          <a:bodyPr/>
+          <a:bodyPr>
+            <a:noAutofit/>
+          </a:bodyPr>
           <a:lstStyle/>
           <a:p>
             <a:r>
-              <a:rPr lang="en-US" b="1" dirty="0" err="1" smtClean="0">
+              <a:rPr lang="en-US" sz="8800" b="1" dirty="0" err="1" smtClean="0">
                 <a:effectLst>
                   <a:outerShdw blurRad="38100" dist="38100" dir="2700000" algn="tl">
                     <a:srgbClr val="000000">
@@ -3006,7 +3456,7 @@
               </a:rPr>
               <a:t>Aladin</a:t>
             </a:r>
-            <a:endParaRPr lang="en-US" b="1" dirty="0">
+            <a:endParaRPr lang="en-US" sz="8800" b="1" dirty="0">
               <a:effectLst>
                 <a:outerShdw blurRad="38100" dist="38100" dir="2700000" algn="tl">
                   <a:srgbClr val="000000">
@@ -3046,6 +3496,12 @@
           <a:prstGeom prst="rect">
             <a:avLst/>
           </a:prstGeom>
+          <a:ln>
+            <a:noFill/>
+          </a:ln>
+          <a:effectLst>
+            <a:softEdge rad="112500"/>
+          </a:effectLst>
         </p:spPr>
       </p:pic>
     </p:spTree>
@@ -3058,6 +3514,13 @@
   <p:clrMapOvr>
     <a:masterClrMapping/>
   </p:clrMapOvr>
+  <p:timing>
+    <p:tnLst>
+      <p:par>
+        <p:cTn id="1" dur="indefinite" restart="never" nodeType="tmRoot"/>
+      </p:par>
+    </p:tnLst>
+  </p:timing>
 </p:sld>
 </file>
 
@@ -3090,24 +3553,24 @@
         </p:nvSpPr>
         <p:spPr>
           <a:xfrm>
-            <a:off x="4701021" y="328179"/>
-            <a:ext cx="2789958" cy="1325563"/>
+            <a:off x="3984171" y="302054"/>
+            <a:ext cx="3807254" cy="1325563"/>
           </a:xfrm>
         </p:spPr>
         <p:txBody>
           <a:bodyPr>
-            <a:normAutofit fontScale="90000"/>
+            <a:noAutofit/>
           </a:bodyPr>
           <a:lstStyle/>
           <a:p>
             <a:pPr algn="r" rtl="1"/>
             <a:r>
-              <a:rPr lang="he-IL" sz="6000" dirty="0" smtClean="0">
+              <a:rPr lang="he-IL" sz="7200" dirty="0" smtClean="0">
                 <a:cs typeface="+mn-cs"/>
               </a:rPr>
               <a:t>מי אנחנו?</a:t>
             </a:r>
-            <a:endParaRPr lang="en-US" sz="6000" dirty="0">
+            <a:endParaRPr lang="en-US" sz="7200" dirty="0">
               <a:cs typeface="+mn-cs"/>
             </a:endParaRPr>
           </a:p>
@@ -3125,22 +3588,32 @@
         </p:nvSpPr>
         <p:spPr>
           <a:xfrm>
-            <a:off x="3417455" y="1825625"/>
-            <a:ext cx="7936345" cy="1019175"/>
+            <a:off x="679269" y="3105785"/>
+            <a:ext cx="10622280" cy="3347266"/>
           </a:xfrm>
         </p:spPr>
         <p:txBody>
-          <a:bodyPr/>
+          <a:bodyPr>
+            <a:noAutofit/>
+          </a:bodyPr>
           <a:lstStyle/>
           <a:p>
             <a:pPr marL="0" indent="0" algn="r" rtl="1">
               <a:buNone/>
             </a:pPr>
             <a:r>
-              <a:rPr lang="he-IL" dirty="0" smtClean="0"/>
-              <a:t>בעולם שבו הכל "אלדין", אנחנו מגשימים משאלות</a:t>
-            </a:r>
-            <a:endParaRPr lang="en-US" dirty="0"/>
+              <a:rPr lang="he-IL" sz="6000" dirty="0" smtClean="0"/>
+              <a:t>בעולם שבו הכל "אלדין", אנחנו מגשימים </a:t>
+            </a:r>
+            <a:r>
+              <a:rPr lang="he-IL" sz="6000" dirty="0" smtClean="0"/>
+              <a:t>משאלות</a:t>
+            </a:r>
+            <a:r>
+              <a:rPr lang="en-US" sz="6000" dirty="0" smtClean="0"/>
+              <a:t>!</a:t>
+            </a:r>
+            <a:endParaRPr lang="en-US" sz="6000" dirty="0"/>
           </a:p>
         </p:txBody>
       </p:sp>
@@ -3154,6 +3627,13 @@
   <p:clrMapOvr>
     <a:masterClrMapping/>
   </p:clrMapOvr>
+  <p:timing>
+    <p:tnLst>
+      <p:par>
+        <p:cTn id="1" dur="indefinite" restart="never" nodeType="tmRoot"/>
+      </p:par>
+    </p:tnLst>
+  </p:timing>
 </p:sld>
 </file>
 
@@ -3192,7 +3672,7 @@
         </p:spPr>
         <p:txBody>
           <a:bodyPr>
-            <a:normAutofit/>
+            <a:normAutofit fontScale="90000"/>
           </a:bodyPr>
           <a:lstStyle/>
           <a:p>
@@ -3221,7 +3701,7 @@
         </p:nvSpPr>
         <p:spPr>
           <a:xfrm>
-            <a:off x="6308436" y="1825624"/>
+            <a:off x="6308436" y="2139133"/>
             <a:ext cx="5045364" cy="1628775"/>
           </a:xfrm>
         </p:spPr>
@@ -3236,7 +3716,7 @@
             </a:pPr>
             <a:r>
               <a:rPr lang="he-IL" dirty="0" smtClean="0"/>
-              <a:t>בעיות שמפריעות לחיילים נשמעות רק בתחום הצוות במקרה הטוב ולא מקבלות מענה</a:t>
+              <a:t>הרבה פעמים חיילים ביקשו עזרה רק בצוות וכשלא קיבלו מענה החליטו לוותר</a:t>
             </a:r>
             <a:endParaRPr lang="en-US" dirty="0"/>
           </a:p>
@@ -3252,8 +3732,8 @@
         </p:nvSpPr>
         <p:spPr>
           <a:xfrm>
-            <a:off x="989445" y="3086388"/>
-            <a:ext cx="5045364" cy="1628775"/>
+            <a:off x="757646" y="3086388"/>
+            <a:ext cx="5277163" cy="1628775"/>
           </a:xfrm>
           <a:prstGeom prst="rect">
             <a:avLst/>
@@ -3434,7 +3914,11 @@
             </a:pPr>
             <a:r>
               <a:rPr lang="he-IL" dirty="0" smtClean="0"/>
-              <a:t>לחיילים אין הרבה פעמים אופציה לצאת מהבסיס ולפתור את הבעיות שלהם בדרך המקובלת</a:t>
+              <a:t>לחיילים אין הרבה פעמים אופציה לצאת מהבסיס </a:t>
+            </a:r>
+            <a:r>
+              <a:rPr lang="he-IL" dirty="0" smtClean="0"/>
+              <a:t>ולהשתמש בפתרונות אפשריים בחוץ</a:t>
             </a:r>
             <a:endParaRPr lang="en-US" dirty="0"/>
           </a:p>
@@ -3648,6 +4132,180 @@
   <p:clrMapOvr>
     <a:masterClrMapping/>
   </p:clrMapOvr>
+  <p:timing>
+    <p:tnLst>
+      <p:par>
+        <p:cTn id="1" dur="indefinite" restart="never" nodeType="tmRoot">
+          <p:childTnLst>
+            <p:seq concurrent="1" nextAc="seek">
+              <p:cTn id="2" dur="indefinite" nodeType="mainSeq">
+                <p:childTnLst>
+                  <p:par>
+                    <p:cTn id="3" fill="hold">
+                      <p:stCondLst>
+                        <p:cond delay="indefinite"/>
+                      </p:stCondLst>
+                      <p:childTnLst>
+                        <p:par>
+                          <p:cTn id="4" fill="hold">
+                            <p:stCondLst>
+                              <p:cond delay="0"/>
+                            </p:stCondLst>
+                            <p:childTnLst>
+                              <p:par>
+                                <p:cTn id="5" presetID="1" presetClass="entr" presetSubtype="0" fill="hold" grpId="0" nodeType="clickEffect">
+                                  <p:stCondLst>
+                                    <p:cond delay="0"/>
+                                  </p:stCondLst>
+                                  <p:childTnLst>
+                                    <p:set>
+                                      <p:cBhvr>
+                                        <p:cTn id="6" dur="1" fill="hold">
+                                          <p:stCondLst>
+                                            <p:cond delay="0"/>
+                                          </p:stCondLst>
+                                        </p:cTn>
+                                        <p:tgtEl>
+                                          <p:spTgt spid="3">
+                                            <p:txEl>
+                                              <p:pRg st="0" end="0"/>
+                                            </p:txEl>
+                                          </p:spTgt>
+                                        </p:tgtEl>
+                                        <p:attrNameLst>
+                                          <p:attrName>style.visibility</p:attrName>
+                                        </p:attrNameLst>
+                                      </p:cBhvr>
+                                      <p:to>
+                                        <p:strVal val="visible"/>
+                                      </p:to>
+                                    </p:set>
+                                  </p:childTnLst>
+                                </p:cTn>
+                              </p:par>
+                            </p:childTnLst>
+                          </p:cTn>
+                        </p:par>
+                      </p:childTnLst>
+                    </p:cTn>
+                  </p:par>
+                  <p:par>
+                    <p:cTn id="7" fill="hold">
+                      <p:stCondLst>
+                        <p:cond delay="indefinite"/>
+                      </p:stCondLst>
+                      <p:childTnLst>
+                        <p:par>
+                          <p:cTn id="8" fill="hold">
+                            <p:stCondLst>
+                              <p:cond delay="0"/>
+                            </p:stCondLst>
+                            <p:childTnLst>
+                              <p:par>
+                                <p:cTn id="9" presetID="1" presetClass="entr" presetSubtype="0" fill="hold" grpId="0" nodeType="clickEffect">
+                                  <p:stCondLst>
+                                    <p:cond delay="0"/>
+                                  </p:stCondLst>
+                                  <p:childTnLst>
+                                    <p:set>
+                                      <p:cBhvr>
+                                        <p:cTn id="10" dur="1" fill="hold">
+                                          <p:stCondLst>
+                                            <p:cond delay="0"/>
+                                          </p:stCondLst>
+                                        </p:cTn>
+                                        <p:tgtEl>
+                                          <p:spTgt spid="4"/>
+                                        </p:tgtEl>
+                                        <p:attrNameLst>
+                                          <p:attrName>style.visibility</p:attrName>
+                                        </p:attrNameLst>
+                                      </p:cBhvr>
+                                      <p:to>
+                                        <p:strVal val="visible"/>
+                                      </p:to>
+                                    </p:set>
+                                  </p:childTnLst>
+                                </p:cTn>
+                              </p:par>
+                            </p:childTnLst>
+                          </p:cTn>
+                        </p:par>
+                      </p:childTnLst>
+                    </p:cTn>
+                  </p:par>
+                  <p:par>
+                    <p:cTn id="11" fill="hold">
+                      <p:stCondLst>
+                        <p:cond delay="indefinite"/>
+                      </p:stCondLst>
+                      <p:childTnLst>
+                        <p:par>
+                          <p:cTn id="12" fill="hold">
+                            <p:stCondLst>
+                              <p:cond delay="0"/>
+                            </p:stCondLst>
+                            <p:childTnLst>
+                              <p:par>
+                                <p:cTn id="13" presetID="1" presetClass="entr" presetSubtype="0" fill="hold" grpId="0" nodeType="clickEffect">
+                                  <p:stCondLst>
+                                    <p:cond delay="0"/>
+                                  </p:stCondLst>
+                                  <p:childTnLst>
+                                    <p:set>
+                                      <p:cBhvr>
+                                        <p:cTn id="14" dur="1" fill="hold">
+                                          <p:stCondLst>
+                                            <p:cond delay="0"/>
+                                          </p:stCondLst>
+                                        </p:cTn>
+                                        <p:tgtEl>
+                                          <p:spTgt spid="5"/>
+                                        </p:tgtEl>
+                                        <p:attrNameLst>
+                                          <p:attrName>style.visibility</p:attrName>
+                                        </p:attrNameLst>
+                                      </p:cBhvr>
+                                      <p:to>
+                                        <p:strVal val="visible"/>
+                                      </p:to>
+                                    </p:set>
+                                  </p:childTnLst>
+                                </p:cTn>
+                              </p:par>
+                            </p:childTnLst>
+                          </p:cTn>
+                        </p:par>
+                      </p:childTnLst>
+                    </p:cTn>
+                  </p:par>
+                </p:childTnLst>
+              </p:cTn>
+              <p:prevCondLst>
+                <p:cond evt="onPrev" delay="0">
+                  <p:tgtEl>
+                    <p:sldTgt/>
+                  </p:tgtEl>
+                </p:cond>
+              </p:prevCondLst>
+              <p:nextCondLst>
+                <p:cond evt="onNext" delay="0">
+                  <p:tgtEl>
+                    <p:sldTgt/>
+                  </p:tgtEl>
+                </p:cond>
+              </p:nextCondLst>
+            </p:seq>
+          </p:childTnLst>
+        </p:cTn>
+      </p:par>
+    </p:tnLst>
+    <p:bldLst>
+      <p:bldP spid="3" grpId="0" build="p"/>
+      <p:bldP spid="4" grpId="0"/>
+      <p:bldP spid="5" grpId="0"/>
+    </p:bldLst>
+  </p:timing>
 </p:sld>
 </file>
 
@@ -3713,7 +4371,12 @@
             <p:ph idx="1"/>
           </p:nvPr>
         </p:nvSpPr>
-        <p:spPr/>
+        <p:spPr>
+          <a:xfrm>
+            <a:off x="916577" y="2792276"/>
+            <a:ext cx="10515600" cy="1440089"/>
+          </a:xfrm>
+        </p:spPr>
         <p:txBody>
           <a:bodyPr/>
           <a:lstStyle/>
@@ -3747,6 +4410,13 @@
   <p:clrMapOvr>
     <a:masterClrMapping/>
   </p:clrMapOvr>
+  <p:timing>
+    <p:tnLst>
+      <p:par>
+        <p:cTn id="1" dur="indefinite" restart="never" nodeType="tmRoot"/>
+      </p:par>
+    </p:tnLst>
+  </p:timing>
 </p:sld>
 </file>
 
@@ -3777,7 +4447,12 @@
             <p:ph type="title"/>
           </p:nvPr>
         </p:nvSpPr>
-        <p:spPr/>
+        <p:spPr>
+          <a:xfrm>
+            <a:off x="4859383" y="325937"/>
+            <a:ext cx="2053046" cy="1325563"/>
+          </a:xfrm>
+        </p:spPr>
         <p:txBody>
           <a:bodyPr>
             <a:normAutofit/>
@@ -3809,7 +4484,7 @@
         </p:nvSpPr>
         <p:spPr>
           <a:xfrm>
-            <a:off x="6049818" y="1825625"/>
+            <a:off x="5527304" y="2452643"/>
             <a:ext cx="5303982" cy="585066"/>
           </a:xfrm>
         </p:spPr>
@@ -3838,8 +4513,8 @@
         </p:nvSpPr>
         <p:spPr>
           <a:xfrm>
-            <a:off x="1348509" y="2837007"/>
-            <a:ext cx="10005291" cy="1670338"/>
+            <a:off x="2429692" y="4562817"/>
+            <a:ext cx="7341326" cy="1670338"/>
           </a:xfrm>
           <a:prstGeom prst="rect">
             <a:avLst/>
@@ -4019,8 +4694,435 @@
               <a:buNone/>
             </a:pPr>
             <a:r>
+              <a:rPr lang="he-IL" b="1" dirty="0" smtClean="0"/>
+              <a:t>אין</a:t>
+            </a:r>
+            <a:r>
               <a:rPr lang="he-IL" dirty="0" smtClean="0"/>
-              <a:t>אין להן אנשים אמינים, אין להן איזור מסחר גואגרפי, אין להן אנשים עם אותן בעיות חוזרות של נגישות, צרכים מקצועיים וצרכים מערכתיים.</a:t>
+              <a:t> </a:t>
+            </a:r>
+            <a:r>
+              <a:rPr lang="he-IL" dirty="0" smtClean="0"/>
+              <a:t>להן אנשים עם אותן בעיות חוזרות של נגישות, צרכים מקצועיים וצרכים </a:t>
+            </a:r>
+            <a:r>
+              <a:rPr lang="he-IL" dirty="0" smtClean="0"/>
+              <a:t>מערכתיים</a:t>
+            </a:r>
+            <a:endParaRPr lang="en-US" dirty="0"/>
+          </a:p>
+        </p:txBody>
+      </p:sp>
+      <p:sp>
+        <p:nvSpPr>
+          <p:cNvPr id="5" name="Content Placeholder 2"/>
+          <p:cNvSpPr txBox="1">
+            <a:spLocks/>
+          </p:cNvSpPr>
+          <p:nvPr/>
+        </p:nvSpPr>
+        <p:spPr>
+          <a:xfrm>
+            <a:off x="7197635" y="3605637"/>
+            <a:ext cx="3633651" cy="636200"/>
+          </a:xfrm>
+          <a:prstGeom prst="rect">
+            <a:avLst/>
+          </a:prstGeom>
+        </p:spPr>
+        <p:txBody>
+          <a:bodyPr vert="horz" lIns="91440" tIns="45720" rIns="91440" bIns="45720" rtlCol="0">
+            <a:normAutofit/>
+          </a:bodyPr>
+          <a:lstStyle>
+            <a:lvl1pPr marL="228600" indent="-228600" algn="l" defTabSz="914400" rtl="0" eaLnBrk="1" latinLnBrk="0" hangingPunct="1">
+              <a:lnSpc>
+                <a:spcPct val="90000"/>
+              </a:lnSpc>
+              <a:spcBef>
+                <a:spcPts val="1000"/>
+              </a:spcBef>
+              <a:buFont typeface="Arial" panose="020B0604020202020204" pitchFamily="34" charset="0"/>
+              <a:buChar char="•"/>
+              <a:defRPr sz="2800" kern="1200">
+                <a:solidFill>
+                  <a:schemeClr val="tx1"/>
+                </a:solidFill>
+                <a:latin typeface="+mn-lt"/>
+                <a:ea typeface="+mn-ea"/>
+                <a:cs typeface="+mn-cs"/>
+              </a:defRPr>
+            </a:lvl1pPr>
+            <a:lvl2pPr marL="685800" indent="-228600" algn="l" defTabSz="914400" rtl="0" eaLnBrk="1" latinLnBrk="0" hangingPunct="1">
+              <a:lnSpc>
+                <a:spcPct val="90000"/>
+              </a:lnSpc>
+              <a:spcBef>
+                <a:spcPts val="500"/>
+              </a:spcBef>
+              <a:buFont typeface="Arial" panose="020B0604020202020204" pitchFamily="34" charset="0"/>
+              <a:buChar char="•"/>
+              <a:defRPr sz="2400" kern="1200">
+                <a:solidFill>
+                  <a:schemeClr val="tx1"/>
+                </a:solidFill>
+                <a:latin typeface="+mn-lt"/>
+                <a:ea typeface="+mn-ea"/>
+                <a:cs typeface="+mn-cs"/>
+              </a:defRPr>
+            </a:lvl2pPr>
+            <a:lvl3pPr marL="1143000" indent="-228600" algn="l" defTabSz="914400" rtl="0" eaLnBrk="1" latinLnBrk="0" hangingPunct="1">
+              <a:lnSpc>
+                <a:spcPct val="90000"/>
+              </a:lnSpc>
+              <a:spcBef>
+                <a:spcPts val="500"/>
+              </a:spcBef>
+              <a:buFont typeface="Arial" panose="020B0604020202020204" pitchFamily="34" charset="0"/>
+              <a:buChar char="•"/>
+              <a:defRPr sz="2000" kern="1200">
+                <a:solidFill>
+                  <a:schemeClr val="tx1"/>
+                </a:solidFill>
+                <a:latin typeface="+mn-lt"/>
+                <a:ea typeface="+mn-ea"/>
+                <a:cs typeface="+mn-cs"/>
+              </a:defRPr>
+            </a:lvl3pPr>
+            <a:lvl4pPr marL="1600200" indent="-228600" algn="l" defTabSz="914400" rtl="0" eaLnBrk="1" latinLnBrk="0" hangingPunct="1">
+              <a:lnSpc>
+                <a:spcPct val="90000"/>
+              </a:lnSpc>
+              <a:spcBef>
+                <a:spcPts val="500"/>
+              </a:spcBef>
+              <a:buFont typeface="Arial" panose="020B0604020202020204" pitchFamily="34" charset="0"/>
+              <a:buChar char="•"/>
+              <a:defRPr sz="1800" kern="1200">
+                <a:solidFill>
+                  <a:schemeClr val="tx1"/>
+                </a:solidFill>
+                <a:latin typeface="+mn-lt"/>
+                <a:ea typeface="+mn-ea"/>
+                <a:cs typeface="+mn-cs"/>
+              </a:defRPr>
+            </a:lvl4pPr>
+            <a:lvl5pPr marL="2057400" indent="-228600" algn="l" defTabSz="914400" rtl="0" eaLnBrk="1" latinLnBrk="0" hangingPunct="1">
+              <a:lnSpc>
+                <a:spcPct val="90000"/>
+              </a:lnSpc>
+              <a:spcBef>
+                <a:spcPts val="500"/>
+              </a:spcBef>
+              <a:buFont typeface="Arial" panose="020B0604020202020204" pitchFamily="34" charset="0"/>
+              <a:buChar char="•"/>
+              <a:defRPr sz="1800" kern="1200">
+                <a:solidFill>
+                  <a:schemeClr val="tx1"/>
+                </a:solidFill>
+                <a:latin typeface="+mn-lt"/>
+                <a:ea typeface="+mn-ea"/>
+                <a:cs typeface="+mn-cs"/>
+              </a:defRPr>
+            </a:lvl5pPr>
+            <a:lvl6pPr marL="2514600" indent="-228600" algn="l" defTabSz="914400" rtl="0" eaLnBrk="1" latinLnBrk="0" hangingPunct="1">
+              <a:lnSpc>
+                <a:spcPct val="90000"/>
+              </a:lnSpc>
+              <a:spcBef>
+                <a:spcPts val="500"/>
+              </a:spcBef>
+              <a:buFont typeface="Arial" panose="020B0604020202020204" pitchFamily="34" charset="0"/>
+              <a:buChar char="•"/>
+              <a:defRPr sz="1800" kern="1200">
+                <a:solidFill>
+                  <a:schemeClr val="tx1"/>
+                </a:solidFill>
+                <a:latin typeface="+mn-lt"/>
+                <a:ea typeface="+mn-ea"/>
+                <a:cs typeface="+mn-cs"/>
+              </a:defRPr>
+            </a:lvl6pPr>
+            <a:lvl7pPr marL="2971800" indent="-228600" algn="l" defTabSz="914400" rtl="0" eaLnBrk="1" latinLnBrk="0" hangingPunct="1">
+              <a:lnSpc>
+                <a:spcPct val="90000"/>
+              </a:lnSpc>
+              <a:spcBef>
+                <a:spcPts val="500"/>
+              </a:spcBef>
+              <a:buFont typeface="Arial" panose="020B0604020202020204" pitchFamily="34" charset="0"/>
+              <a:buChar char="•"/>
+              <a:defRPr sz="1800" kern="1200">
+                <a:solidFill>
+                  <a:schemeClr val="tx1"/>
+                </a:solidFill>
+                <a:latin typeface="+mn-lt"/>
+                <a:ea typeface="+mn-ea"/>
+                <a:cs typeface="+mn-cs"/>
+              </a:defRPr>
+            </a:lvl7pPr>
+            <a:lvl8pPr marL="3429000" indent="-228600" algn="l" defTabSz="914400" rtl="0" eaLnBrk="1" latinLnBrk="0" hangingPunct="1">
+              <a:lnSpc>
+                <a:spcPct val="90000"/>
+              </a:lnSpc>
+              <a:spcBef>
+                <a:spcPts val="500"/>
+              </a:spcBef>
+              <a:buFont typeface="Arial" panose="020B0604020202020204" pitchFamily="34" charset="0"/>
+              <a:buChar char="•"/>
+              <a:defRPr sz="1800" kern="1200">
+                <a:solidFill>
+                  <a:schemeClr val="tx1"/>
+                </a:solidFill>
+                <a:latin typeface="+mn-lt"/>
+                <a:ea typeface="+mn-ea"/>
+                <a:cs typeface="+mn-cs"/>
+              </a:defRPr>
+            </a:lvl8pPr>
+            <a:lvl9pPr marL="3886200" indent="-228600" algn="l" defTabSz="914400" rtl="0" eaLnBrk="1" latinLnBrk="0" hangingPunct="1">
+              <a:lnSpc>
+                <a:spcPct val="90000"/>
+              </a:lnSpc>
+              <a:spcBef>
+                <a:spcPts val="500"/>
+              </a:spcBef>
+              <a:buFont typeface="Arial" panose="020B0604020202020204" pitchFamily="34" charset="0"/>
+              <a:buChar char="•"/>
+              <a:defRPr sz="1800" kern="1200">
+                <a:solidFill>
+                  <a:schemeClr val="tx1"/>
+                </a:solidFill>
+                <a:latin typeface="+mn-lt"/>
+                <a:ea typeface="+mn-ea"/>
+                <a:cs typeface="+mn-cs"/>
+              </a:defRPr>
+            </a:lvl9pPr>
+          </a:lstStyle>
+          <a:p>
+            <a:pPr marL="0" indent="0" algn="r" rtl="1">
+              <a:buFont typeface="Arial" panose="020B0604020202020204" pitchFamily="34" charset="0"/>
+              <a:buNone/>
+            </a:pPr>
+            <a:r>
+              <a:rPr lang="he-IL" b="1" dirty="0" smtClean="0"/>
+              <a:t>אין</a:t>
+            </a:r>
+            <a:r>
+              <a:rPr lang="he-IL" dirty="0" smtClean="0"/>
+              <a:t> להן אנשים </a:t>
+            </a:r>
+            <a:r>
+              <a:rPr lang="he-IL" dirty="0" smtClean="0"/>
+              <a:t>אמינים</a:t>
+            </a:r>
+            <a:endParaRPr lang="en-US" dirty="0"/>
+          </a:p>
+        </p:txBody>
+      </p:sp>
+      <p:sp>
+        <p:nvSpPr>
+          <p:cNvPr id="6" name="Content Placeholder 2"/>
+          <p:cNvSpPr txBox="1">
+            <a:spLocks/>
+          </p:cNvSpPr>
+          <p:nvPr/>
+        </p:nvSpPr>
+        <p:spPr>
+          <a:xfrm>
+            <a:off x="1254034" y="3605493"/>
+            <a:ext cx="5013960" cy="576634"/>
+          </a:xfrm>
+          <a:prstGeom prst="rect">
+            <a:avLst/>
+          </a:prstGeom>
+        </p:spPr>
+        <p:txBody>
+          <a:bodyPr vert="horz" lIns="91440" tIns="45720" rIns="91440" bIns="45720" rtlCol="0">
+            <a:normAutofit/>
+          </a:bodyPr>
+          <a:lstStyle>
+            <a:lvl1pPr marL="228600" indent="-228600" algn="l" defTabSz="914400" rtl="0" eaLnBrk="1" latinLnBrk="0" hangingPunct="1">
+              <a:lnSpc>
+                <a:spcPct val="90000"/>
+              </a:lnSpc>
+              <a:spcBef>
+                <a:spcPts val="1000"/>
+              </a:spcBef>
+              <a:buFont typeface="Arial" panose="020B0604020202020204" pitchFamily="34" charset="0"/>
+              <a:buChar char="•"/>
+              <a:defRPr sz="2800" kern="1200">
+                <a:solidFill>
+                  <a:schemeClr val="tx1"/>
+                </a:solidFill>
+                <a:latin typeface="+mn-lt"/>
+                <a:ea typeface="+mn-ea"/>
+                <a:cs typeface="+mn-cs"/>
+              </a:defRPr>
+            </a:lvl1pPr>
+            <a:lvl2pPr marL="685800" indent="-228600" algn="l" defTabSz="914400" rtl="0" eaLnBrk="1" latinLnBrk="0" hangingPunct="1">
+              <a:lnSpc>
+                <a:spcPct val="90000"/>
+              </a:lnSpc>
+              <a:spcBef>
+                <a:spcPts val="500"/>
+              </a:spcBef>
+              <a:buFont typeface="Arial" panose="020B0604020202020204" pitchFamily="34" charset="0"/>
+              <a:buChar char="•"/>
+              <a:defRPr sz="2400" kern="1200">
+                <a:solidFill>
+                  <a:schemeClr val="tx1"/>
+                </a:solidFill>
+                <a:latin typeface="+mn-lt"/>
+                <a:ea typeface="+mn-ea"/>
+                <a:cs typeface="+mn-cs"/>
+              </a:defRPr>
+            </a:lvl2pPr>
+            <a:lvl3pPr marL="1143000" indent="-228600" algn="l" defTabSz="914400" rtl="0" eaLnBrk="1" latinLnBrk="0" hangingPunct="1">
+              <a:lnSpc>
+                <a:spcPct val="90000"/>
+              </a:lnSpc>
+              <a:spcBef>
+                <a:spcPts val="500"/>
+              </a:spcBef>
+              <a:buFont typeface="Arial" panose="020B0604020202020204" pitchFamily="34" charset="0"/>
+              <a:buChar char="•"/>
+              <a:defRPr sz="2000" kern="1200">
+                <a:solidFill>
+                  <a:schemeClr val="tx1"/>
+                </a:solidFill>
+                <a:latin typeface="+mn-lt"/>
+                <a:ea typeface="+mn-ea"/>
+                <a:cs typeface="+mn-cs"/>
+              </a:defRPr>
+            </a:lvl3pPr>
+            <a:lvl4pPr marL="1600200" indent="-228600" algn="l" defTabSz="914400" rtl="0" eaLnBrk="1" latinLnBrk="0" hangingPunct="1">
+              <a:lnSpc>
+                <a:spcPct val="90000"/>
+              </a:lnSpc>
+              <a:spcBef>
+                <a:spcPts val="500"/>
+              </a:spcBef>
+              <a:buFont typeface="Arial" panose="020B0604020202020204" pitchFamily="34" charset="0"/>
+              <a:buChar char="•"/>
+              <a:defRPr sz="1800" kern="1200">
+                <a:solidFill>
+                  <a:schemeClr val="tx1"/>
+                </a:solidFill>
+                <a:latin typeface="+mn-lt"/>
+                <a:ea typeface="+mn-ea"/>
+                <a:cs typeface="+mn-cs"/>
+              </a:defRPr>
+            </a:lvl4pPr>
+            <a:lvl5pPr marL="2057400" indent="-228600" algn="l" defTabSz="914400" rtl="0" eaLnBrk="1" latinLnBrk="0" hangingPunct="1">
+              <a:lnSpc>
+                <a:spcPct val="90000"/>
+              </a:lnSpc>
+              <a:spcBef>
+                <a:spcPts val="500"/>
+              </a:spcBef>
+              <a:buFont typeface="Arial" panose="020B0604020202020204" pitchFamily="34" charset="0"/>
+              <a:buChar char="•"/>
+              <a:defRPr sz="1800" kern="1200">
+                <a:solidFill>
+                  <a:schemeClr val="tx1"/>
+                </a:solidFill>
+                <a:latin typeface="+mn-lt"/>
+                <a:ea typeface="+mn-ea"/>
+                <a:cs typeface="+mn-cs"/>
+              </a:defRPr>
+            </a:lvl5pPr>
+            <a:lvl6pPr marL="2514600" indent="-228600" algn="l" defTabSz="914400" rtl="0" eaLnBrk="1" latinLnBrk="0" hangingPunct="1">
+              <a:lnSpc>
+                <a:spcPct val="90000"/>
+              </a:lnSpc>
+              <a:spcBef>
+                <a:spcPts val="500"/>
+              </a:spcBef>
+              <a:buFont typeface="Arial" panose="020B0604020202020204" pitchFamily="34" charset="0"/>
+              <a:buChar char="•"/>
+              <a:defRPr sz="1800" kern="1200">
+                <a:solidFill>
+                  <a:schemeClr val="tx1"/>
+                </a:solidFill>
+                <a:latin typeface="+mn-lt"/>
+                <a:ea typeface="+mn-ea"/>
+                <a:cs typeface="+mn-cs"/>
+              </a:defRPr>
+            </a:lvl6pPr>
+            <a:lvl7pPr marL="2971800" indent="-228600" algn="l" defTabSz="914400" rtl="0" eaLnBrk="1" latinLnBrk="0" hangingPunct="1">
+              <a:lnSpc>
+                <a:spcPct val="90000"/>
+              </a:lnSpc>
+              <a:spcBef>
+                <a:spcPts val="500"/>
+              </a:spcBef>
+              <a:buFont typeface="Arial" panose="020B0604020202020204" pitchFamily="34" charset="0"/>
+              <a:buChar char="•"/>
+              <a:defRPr sz="1800" kern="1200">
+                <a:solidFill>
+                  <a:schemeClr val="tx1"/>
+                </a:solidFill>
+                <a:latin typeface="+mn-lt"/>
+                <a:ea typeface="+mn-ea"/>
+                <a:cs typeface="+mn-cs"/>
+              </a:defRPr>
+            </a:lvl7pPr>
+            <a:lvl8pPr marL="3429000" indent="-228600" algn="l" defTabSz="914400" rtl="0" eaLnBrk="1" latinLnBrk="0" hangingPunct="1">
+              <a:lnSpc>
+                <a:spcPct val="90000"/>
+              </a:lnSpc>
+              <a:spcBef>
+                <a:spcPts val="500"/>
+              </a:spcBef>
+              <a:buFont typeface="Arial" panose="020B0604020202020204" pitchFamily="34" charset="0"/>
+              <a:buChar char="•"/>
+              <a:defRPr sz="1800" kern="1200">
+                <a:solidFill>
+                  <a:schemeClr val="tx1"/>
+                </a:solidFill>
+                <a:latin typeface="+mn-lt"/>
+                <a:ea typeface="+mn-ea"/>
+                <a:cs typeface="+mn-cs"/>
+              </a:defRPr>
+            </a:lvl8pPr>
+            <a:lvl9pPr marL="3886200" indent="-228600" algn="l" defTabSz="914400" rtl="0" eaLnBrk="1" latinLnBrk="0" hangingPunct="1">
+              <a:lnSpc>
+                <a:spcPct val="90000"/>
+              </a:lnSpc>
+              <a:spcBef>
+                <a:spcPts val="500"/>
+              </a:spcBef>
+              <a:buFont typeface="Arial" panose="020B0604020202020204" pitchFamily="34" charset="0"/>
+              <a:buChar char="•"/>
+              <a:defRPr sz="1800" kern="1200">
+                <a:solidFill>
+                  <a:schemeClr val="tx1"/>
+                </a:solidFill>
+                <a:latin typeface="+mn-lt"/>
+                <a:ea typeface="+mn-ea"/>
+                <a:cs typeface="+mn-cs"/>
+              </a:defRPr>
+            </a:lvl9pPr>
+          </a:lstStyle>
+          <a:p>
+            <a:pPr marL="0" indent="0" algn="r" rtl="1">
+              <a:buNone/>
+            </a:pPr>
+            <a:r>
+              <a:rPr lang="he-IL" b="1" dirty="0" smtClean="0"/>
+              <a:t>אין</a:t>
+            </a:r>
+            <a:r>
+              <a:rPr lang="he-IL" dirty="0" smtClean="0"/>
+              <a:t> </a:t>
+            </a:r>
+            <a:r>
+              <a:rPr lang="he-IL" dirty="0" smtClean="0"/>
+              <a:t>להן איזור </a:t>
+            </a:r>
+            <a:r>
+              <a:rPr lang="he-IL" dirty="0" smtClean="0"/>
+              <a:t>מסחר גואגרפי תחום</a:t>
             </a:r>
             <a:endParaRPr lang="en-US" dirty="0"/>
           </a:p>
@@ -4036,6 +5138,176 @@
   <p:clrMapOvr>
     <a:masterClrMapping/>
   </p:clrMapOvr>
+  <p:timing>
+    <p:tnLst>
+      <p:par>
+        <p:cTn id="1" dur="indefinite" restart="never" nodeType="tmRoot">
+          <p:childTnLst>
+            <p:seq concurrent="1" nextAc="seek">
+              <p:cTn id="2" dur="indefinite" nodeType="mainSeq">
+                <p:childTnLst>
+                  <p:par>
+                    <p:cTn id="3" fill="hold">
+                      <p:stCondLst>
+                        <p:cond delay="indefinite"/>
+                      </p:stCondLst>
+                      <p:childTnLst>
+                        <p:par>
+                          <p:cTn id="4" fill="hold">
+                            <p:stCondLst>
+                              <p:cond delay="0"/>
+                            </p:stCondLst>
+                            <p:childTnLst>
+                              <p:par>
+                                <p:cTn id="5" presetID="1" presetClass="entr" presetSubtype="0" fill="hold" grpId="0" nodeType="clickEffect">
+                                  <p:stCondLst>
+                                    <p:cond delay="0"/>
+                                  </p:stCondLst>
+                                  <p:childTnLst>
+                                    <p:set>
+                                      <p:cBhvr>
+                                        <p:cTn id="6" dur="1" fill="hold">
+                                          <p:stCondLst>
+                                            <p:cond delay="0"/>
+                                          </p:stCondLst>
+                                        </p:cTn>
+                                        <p:tgtEl>
+                                          <p:spTgt spid="5"/>
+                                        </p:tgtEl>
+                                        <p:attrNameLst>
+                                          <p:attrName>style.visibility</p:attrName>
+                                        </p:attrNameLst>
+                                      </p:cBhvr>
+                                      <p:to>
+                                        <p:strVal val="visible"/>
+                                      </p:to>
+                                    </p:set>
+                                  </p:childTnLst>
+                                </p:cTn>
+                              </p:par>
+                            </p:childTnLst>
+                          </p:cTn>
+                        </p:par>
+                      </p:childTnLst>
+                    </p:cTn>
+                  </p:par>
+                  <p:par>
+                    <p:cTn id="7" fill="hold">
+                      <p:stCondLst>
+                        <p:cond delay="indefinite"/>
+                      </p:stCondLst>
+                      <p:childTnLst>
+                        <p:par>
+                          <p:cTn id="8" fill="hold">
+                            <p:stCondLst>
+                              <p:cond delay="0"/>
+                            </p:stCondLst>
+                            <p:childTnLst>
+                              <p:par>
+                                <p:cTn id="9" presetID="1" presetClass="entr" presetSubtype="0" fill="hold" grpId="0" nodeType="clickEffect">
+                                  <p:stCondLst>
+                                    <p:cond delay="0"/>
+                                  </p:stCondLst>
+                                  <p:childTnLst>
+                                    <p:set>
+                                      <p:cBhvr>
+                                        <p:cTn id="10" dur="1" fill="hold">
+                                          <p:stCondLst>
+                                            <p:cond delay="0"/>
+                                          </p:stCondLst>
+                                        </p:cTn>
+                                        <p:tgtEl>
+                                          <p:spTgt spid="6"/>
+                                        </p:tgtEl>
+                                        <p:attrNameLst>
+                                          <p:attrName>style.visibility</p:attrName>
+                                        </p:attrNameLst>
+                                      </p:cBhvr>
+                                      <p:to>
+                                        <p:strVal val="visible"/>
+                                      </p:to>
+                                    </p:set>
+                                  </p:childTnLst>
+                                </p:cTn>
+                              </p:par>
+                            </p:childTnLst>
+                          </p:cTn>
+                        </p:par>
+                      </p:childTnLst>
+                    </p:cTn>
+                  </p:par>
+                  <p:par>
+                    <p:cTn id="11" fill="hold">
+                      <p:stCondLst>
+                        <p:cond delay="indefinite"/>
+                      </p:stCondLst>
+                      <p:childTnLst>
+                        <p:par>
+                          <p:cTn id="12" fill="hold">
+                            <p:stCondLst>
+                              <p:cond delay="0"/>
+                            </p:stCondLst>
+                            <p:childTnLst>
+                              <p:par>
+                                <p:cTn id="13" presetID="1" presetClass="entr" presetSubtype="0" fill="hold" grpId="0" nodeType="clickEffect">
+                                  <p:stCondLst>
+                                    <p:cond delay="0"/>
+                                  </p:stCondLst>
+                                  <p:childTnLst>
+                                    <p:set>
+                                      <p:cBhvr>
+                                        <p:cTn id="14" dur="1" fill="hold">
+                                          <p:stCondLst>
+                                            <p:cond delay="0"/>
+                                          </p:stCondLst>
+                                        </p:cTn>
+                                        <p:tgtEl>
+                                          <p:spTgt spid="4"/>
+                                        </p:tgtEl>
+                                        <p:attrNameLst>
+                                          <p:attrName>style.visibility</p:attrName>
+                                        </p:attrNameLst>
+                                      </p:cBhvr>
+                                      <p:to>
+                                        <p:strVal val="visible"/>
+                                      </p:to>
+                                    </p:set>
+                                  </p:childTnLst>
+                                </p:cTn>
+                              </p:par>
+                            </p:childTnLst>
+                          </p:cTn>
+                        </p:par>
+                      </p:childTnLst>
+                    </p:cTn>
+                  </p:par>
+                </p:childTnLst>
+              </p:cTn>
+              <p:prevCondLst>
+                <p:cond evt="onPrev" delay="0">
+                  <p:tgtEl>
+                    <p:sldTgt/>
+                  </p:tgtEl>
+                </p:cond>
+              </p:prevCondLst>
+              <p:nextCondLst>
+                <p:cond evt="onNext" delay="0">
+                  <p:tgtEl>
+                    <p:sldTgt/>
+                  </p:tgtEl>
+                </p:cond>
+              </p:nextCondLst>
+            </p:seq>
+          </p:childTnLst>
+        </p:cTn>
+      </p:par>
+    </p:tnLst>
+    <p:bldLst>
+      <p:bldP spid="4" grpId="0"/>
+      <p:bldP spid="5" grpId="0"/>
+      <p:bldP spid="6" grpId="0"/>
+    </p:bldLst>
+  </p:timing>
 </p:sld>
 </file>
 
@@ -4066,7 +5338,12 @@
             <p:ph type="title"/>
           </p:nvPr>
         </p:nvSpPr>
-        <p:spPr/>
+        <p:spPr>
+          <a:xfrm>
+            <a:off x="2978331" y="365125"/>
+            <a:ext cx="5867400" cy="1325563"/>
+          </a:xfrm>
+        </p:spPr>
         <p:txBody>
           <a:bodyPr>
             <a:normAutofit/>
@@ -4096,34 +5373,53 @@
             <p:ph idx="1"/>
           </p:nvPr>
         </p:nvSpPr>
-        <p:spPr/>
-        <p:txBody>
-          <a:bodyPr/>
+        <p:spPr>
+          <a:xfrm>
+            <a:off x="3370218" y="2831465"/>
+            <a:ext cx="5423262" cy="2550432"/>
+          </a:xfrm>
+        </p:spPr>
+        <p:txBody>
+          <a:bodyPr>
+            <a:normAutofit/>
+          </a:bodyPr>
           <a:lstStyle/>
           <a:p>
-            <a:pPr algn="r" rtl="1"/>
-            <a:r>
-              <a:rPr lang="he-IL" dirty="0" smtClean="0"/>
+            <a:pPr algn="r" rtl="1">
+              <a:buFont typeface="Wingdings" pitchFamily="2" charset="2"/>
+              <a:buChar char="Ø"/>
+            </a:pPr>
+            <a:r>
+              <a:rPr lang="he-IL" sz="4400" dirty="0" smtClean="0"/>
               <a:t>סטטיסטיקת בעיות</a:t>
             </a:r>
           </a:p>
           <a:p>
-            <a:pPr algn="r" rtl="1"/>
-            <a:r>
-              <a:rPr lang="he-IL" dirty="0" smtClean="0"/>
+            <a:pPr algn="r" rtl="1">
+              <a:buFont typeface="Wingdings" pitchFamily="2" charset="2"/>
+              <a:buChar char="Ø"/>
+            </a:pPr>
+            <a:r>
+              <a:rPr lang="he-IL" sz="4400" dirty="0" smtClean="0"/>
               <a:t>היכרות אנשים</a:t>
             </a:r>
           </a:p>
           <a:p>
-            <a:pPr algn="r" rtl="1"/>
-            <a:r>
-              <a:rPr lang="he-IL" dirty="0" smtClean="0"/>
+            <a:pPr algn="r" rtl="1">
+              <a:buFont typeface="Wingdings" pitchFamily="2" charset="2"/>
+              <a:buChar char="Ø"/>
+            </a:pPr>
+            <a:r>
+              <a:rPr lang="he-IL" sz="4400" dirty="0" smtClean="0"/>
               <a:t>עידוד הפצת ידע</a:t>
             </a:r>
           </a:p>
           <a:p>
-            <a:pPr algn="r" rtl="1"/>
-            <a:endParaRPr lang="en-US" dirty="0"/>
+            <a:pPr algn="r" rtl="1">
+              <a:buFont typeface="Wingdings" pitchFamily="2" charset="2"/>
+              <a:buChar char="Ø"/>
+            </a:pPr>
+            <a:endParaRPr lang="en-US" sz="4400" dirty="0"/>
           </a:p>
         </p:txBody>
       </p:sp>
@@ -4137,6 +5433,1870 @@
   <p:clrMapOvr>
     <a:masterClrMapping/>
   </p:clrMapOvr>
+  <p:timing>
+    <p:tnLst>
+      <p:par>
+        <p:cTn id="1" dur="indefinite" restart="never" nodeType="tmRoot">
+          <p:childTnLst>
+            <p:seq concurrent="1" nextAc="seek">
+              <p:cTn id="2" dur="indefinite" nodeType="mainSeq">
+                <p:childTnLst>
+                  <p:par>
+                    <p:cTn id="3" fill="hold">
+                      <p:stCondLst>
+                        <p:cond delay="indefinite"/>
+                      </p:stCondLst>
+                      <p:childTnLst>
+                        <p:par>
+                          <p:cTn id="4" fill="hold">
+                            <p:stCondLst>
+                              <p:cond delay="0"/>
+                            </p:stCondLst>
+                            <p:childTnLst>
+                              <p:par>
+                                <p:cTn id="5" presetID="2" presetClass="entr" presetSubtype="4" fill="hold" grpId="0" nodeType="clickEffect">
+                                  <p:stCondLst>
+                                    <p:cond delay="0"/>
+                                  </p:stCondLst>
+                                  <p:childTnLst>
+                                    <p:set>
+                                      <p:cBhvr>
+                                        <p:cTn id="6" dur="1" fill="hold">
+                                          <p:stCondLst>
+                                            <p:cond delay="0"/>
+                                          </p:stCondLst>
+                                        </p:cTn>
+                                        <p:tgtEl>
+                                          <p:spTgt spid="3">
+                                            <p:txEl>
+                                              <p:pRg st="0" end="0"/>
+                                            </p:txEl>
+                                          </p:spTgt>
+                                        </p:tgtEl>
+                                        <p:attrNameLst>
+                                          <p:attrName>style.visibility</p:attrName>
+                                        </p:attrNameLst>
+                                      </p:cBhvr>
+                                      <p:to>
+                                        <p:strVal val="visible"/>
+                                      </p:to>
+                                    </p:set>
+                                    <p:anim calcmode="lin" valueType="num">
+                                      <p:cBhvr additive="base">
+                                        <p:cTn id="7" dur="500" fill="hold"/>
+                                        <p:tgtEl>
+                                          <p:spTgt spid="3">
+                                            <p:txEl>
+                                              <p:pRg st="0" end="0"/>
+                                            </p:txEl>
+                                          </p:spTgt>
+                                        </p:tgtEl>
+                                        <p:attrNameLst>
+                                          <p:attrName>ppt_x</p:attrName>
+                                        </p:attrNameLst>
+                                      </p:cBhvr>
+                                      <p:tavLst>
+                                        <p:tav tm="0">
+                                          <p:val>
+                                            <p:strVal val="#ppt_x"/>
+                                          </p:val>
+                                        </p:tav>
+                                        <p:tav tm="100000">
+                                          <p:val>
+                                            <p:strVal val="#ppt_x"/>
+                                          </p:val>
+                                        </p:tav>
+                                      </p:tavLst>
+                                    </p:anim>
+                                    <p:anim calcmode="lin" valueType="num">
+                                      <p:cBhvr additive="base">
+                                        <p:cTn id="8" dur="500" fill="hold"/>
+                                        <p:tgtEl>
+                                          <p:spTgt spid="3">
+                                            <p:txEl>
+                                              <p:pRg st="0" end="0"/>
+                                            </p:txEl>
+                                          </p:spTgt>
+                                        </p:tgtEl>
+                                        <p:attrNameLst>
+                                          <p:attrName>ppt_y</p:attrName>
+                                        </p:attrNameLst>
+                                      </p:cBhvr>
+                                      <p:tavLst>
+                                        <p:tav tm="0">
+                                          <p:val>
+                                            <p:strVal val="1+#ppt_h/2"/>
+                                          </p:val>
+                                        </p:tav>
+                                        <p:tav tm="100000">
+                                          <p:val>
+                                            <p:strVal val="#ppt_y"/>
+                                          </p:val>
+                                        </p:tav>
+                                      </p:tavLst>
+                                    </p:anim>
+                                  </p:childTnLst>
+                                </p:cTn>
+                              </p:par>
+                            </p:childTnLst>
+                          </p:cTn>
+                        </p:par>
+                      </p:childTnLst>
+                    </p:cTn>
+                  </p:par>
+                  <p:par>
+                    <p:cTn id="9" fill="hold">
+                      <p:stCondLst>
+                        <p:cond delay="indefinite"/>
+                      </p:stCondLst>
+                      <p:childTnLst>
+                        <p:par>
+                          <p:cTn id="10" fill="hold">
+                            <p:stCondLst>
+                              <p:cond delay="0"/>
+                            </p:stCondLst>
+                            <p:childTnLst>
+                              <p:par>
+                                <p:cTn id="11" presetID="2" presetClass="entr" presetSubtype="4" fill="hold" grpId="0" nodeType="clickEffect">
+                                  <p:stCondLst>
+                                    <p:cond delay="0"/>
+                                  </p:stCondLst>
+                                  <p:childTnLst>
+                                    <p:set>
+                                      <p:cBhvr>
+                                        <p:cTn id="12" dur="1" fill="hold">
+                                          <p:stCondLst>
+                                            <p:cond delay="0"/>
+                                          </p:stCondLst>
+                                        </p:cTn>
+                                        <p:tgtEl>
+                                          <p:spTgt spid="3">
+                                            <p:txEl>
+                                              <p:pRg st="1" end="1"/>
+                                            </p:txEl>
+                                          </p:spTgt>
+                                        </p:tgtEl>
+                                        <p:attrNameLst>
+                                          <p:attrName>style.visibility</p:attrName>
+                                        </p:attrNameLst>
+                                      </p:cBhvr>
+                                      <p:to>
+                                        <p:strVal val="visible"/>
+                                      </p:to>
+                                    </p:set>
+                                    <p:anim calcmode="lin" valueType="num">
+                                      <p:cBhvr additive="base">
+                                        <p:cTn id="13" dur="500" fill="hold"/>
+                                        <p:tgtEl>
+                                          <p:spTgt spid="3">
+                                            <p:txEl>
+                                              <p:pRg st="1" end="1"/>
+                                            </p:txEl>
+                                          </p:spTgt>
+                                        </p:tgtEl>
+                                        <p:attrNameLst>
+                                          <p:attrName>ppt_x</p:attrName>
+                                        </p:attrNameLst>
+                                      </p:cBhvr>
+                                      <p:tavLst>
+                                        <p:tav tm="0">
+                                          <p:val>
+                                            <p:strVal val="#ppt_x"/>
+                                          </p:val>
+                                        </p:tav>
+                                        <p:tav tm="100000">
+                                          <p:val>
+                                            <p:strVal val="#ppt_x"/>
+                                          </p:val>
+                                        </p:tav>
+                                      </p:tavLst>
+                                    </p:anim>
+                                    <p:anim calcmode="lin" valueType="num">
+                                      <p:cBhvr additive="base">
+                                        <p:cTn id="14" dur="500" fill="hold"/>
+                                        <p:tgtEl>
+                                          <p:spTgt spid="3">
+                                            <p:txEl>
+                                              <p:pRg st="1" end="1"/>
+                                            </p:txEl>
+                                          </p:spTgt>
+                                        </p:tgtEl>
+                                        <p:attrNameLst>
+                                          <p:attrName>ppt_y</p:attrName>
+                                        </p:attrNameLst>
+                                      </p:cBhvr>
+                                      <p:tavLst>
+                                        <p:tav tm="0">
+                                          <p:val>
+                                            <p:strVal val="1+#ppt_h/2"/>
+                                          </p:val>
+                                        </p:tav>
+                                        <p:tav tm="100000">
+                                          <p:val>
+                                            <p:strVal val="#ppt_y"/>
+                                          </p:val>
+                                        </p:tav>
+                                      </p:tavLst>
+                                    </p:anim>
+                                  </p:childTnLst>
+                                </p:cTn>
+                              </p:par>
+                            </p:childTnLst>
+                          </p:cTn>
+                        </p:par>
+                      </p:childTnLst>
+                    </p:cTn>
+                  </p:par>
+                  <p:par>
+                    <p:cTn id="15" fill="hold">
+                      <p:stCondLst>
+                        <p:cond delay="indefinite"/>
+                      </p:stCondLst>
+                      <p:childTnLst>
+                        <p:par>
+                          <p:cTn id="16" fill="hold">
+                            <p:stCondLst>
+                              <p:cond delay="0"/>
+                            </p:stCondLst>
+                            <p:childTnLst>
+                              <p:par>
+                                <p:cTn id="17" presetID="2" presetClass="entr" presetSubtype="4" fill="hold" grpId="0" nodeType="clickEffect">
+                                  <p:stCondLst>
+                                    <p:cond delay="0"/>
+                                  </p:stCondLst>
+                                  <p:childTnLst>
+                                    <p:set>
+                                      <p:cBhvr>
+                                        <p:cTn id="18" dur="1" fill="hold">
+                                          <p:stCondLst>
+                                            <p:cond delay="0"/>
+                                          </p:stCondLst>
+                                        </p:cTn>
+                                        <p:tgtEl>
+                                          <p:spTgt spid="3">
+                                            <p:txEl>
+                                              <p:pRg st="2" end="2"/>
+                                            </p:txEl>
+                                          </p:spTgt>
+                                        </p:tgtEl>
+                                        <p:attrNameLst>
+                                          <p:attrName>style.visibility</p:attrName>
+                                        </p:attrNameLst>
+                                      </p:cBhvr>
+                                      <p:to>
+                                        <p:strVal val="visible"/>
+                                      </p:to>
+                                    </p:set>
+                                    <p:anim calcmode="lin" valueType="num">
+                                      <p:cBhvr additive="base">
+                                        <p:cTn id="19" dur="500" fill="hold"/>
+                                        <p:tgtEl>
+                                          <p:spTgt spid="3">
+                                            <p:txEl>
+                                              <p:pRg st="2" end="2"/>
+                                            </p:txEl>
+                                          </p:spTgt>
+                                        </p:tgtEl>
+                                        <p:attrNameLst>
+                                          <p:attrName>ppt_x</p:attrName>
+                                        </p:attrNameLst>
+                                      </p:cBhvr>
+                                      <p:tavLst>
+                                        <p:tav tm="0">
+                                          <p:val>
+                                            <p:strVal val="#ppt_x"/>
+                                          </p:val>
+                                        </p:tav>
+                                        <p:tav tm="100000">
+                                          <p:val>
+                                            <p:strVal val="#ppt_x"/>
+                                          </p:val>
+                                        </p:tav>
+                                      </p:tavLst>
+                                    </p:anim>
+                                    <p:anim calcmode="lin" valueType="num">
+                                      <p:cBhvr additive="base">
+                                        <p:cTn id="20" dur="500" fill="hold"/>
+                                        <p:tgtEl>
+                                          <p:spTgt spid="3">
+                                            <p:txEl>
+                                              <p:pRg st="2" end="2"/>
+                                            </p:txEl>
+                                          </p:spTgt>
+                                        </p:tgtEl>
+                                        <p:attrNameLst>
+                                          <p:attrName>ppt_y</p:attrName>
+                                        </p:attrNameLst>
+                                      </p:cBhvr>
+                                      <p:tavLst>
+                                        <p:tav tm="0">
+                                          <p:val>
+                                            <p:strVal val="1+#ppt_h/2"/>
+                                          </p:val>
+                                        </p:tav>
+                                        <p:tav tm="100000">
+                                          <p:val>
+                                            <p:strVal val="#ppt_y"/>
+                                          </p:val>
+                                        </p:tav>
+                                      </p:tavLst>
+                                    </p:anim>
+                                  </p:childTnLst>
+                                </p:cTn>
+                              </p:par>
+                            </p:childTnLst>
+                          </p:cTn>
+                        </p:par>
+                      </p:childTnLst>
+                    </p:cTn>
+                  </p:par>
+                </p:childTnLst>
+              </p:cTn>
+              <p:prevCondLst>
+                <p:cond evt="onPrev" delay="0">
+                  <p:tgtEl>
+                    <p:sldTgt/>
+                  </p:tgtEl>
+                </p:cond>
+              </p:prevCondLst>
+              <p:nextCondLst>
+                <p:cond evt="onNext" delay="0">
+                  <p:tgtEl>
+                    <p:sldTgt/>
+                  </p:tgtEl>
+                </p:cond>
+              </p:nextCondLst>
+            </p:seq>
+          </p:childTnLst>
+        </p:cTn>
+      </p:par>
+    </p:tnLst>
+    <p:bldLst>
+      <p:bldP spid="3" grpId="0" uiExpand="1" build="p"/>
+    </p:bldLst>
+  </p:timing>
+</p:sld>
+</file>
+
+<file path=ppt/slides/slide7.xml><?xml version="1.0" encoding="utf-8"?>
+<p:sld xmlns:a="http://schemas.openxmlformats.org/drawingml/2006/main" xmlns:r="http://schemas.openxmlformats.org/officeDocument/2006/relationships" xmlns:p="http://schemas.openxmlformats.org/presentationml/2006/main">
+  <p:cSld>
+    <p:spTree>
+      <p:nvGrpSpPr>
+        <p:cNvPr id="1" name=""/>
+        <p:cNvGrpSpPr/>
+        <p:nvPr/>
+      </p:nvGrpSpPr>
+      <p:grpSpPr>
+        <a:xfrm>
+          <a:off x="0" y="0"/>
+          <a:ext cx="0" cy="0"/>
+          <a:chOff x="0" y="0"/>
+          <a:chExt cx="0" cy="0"/>
+        </a:xfrm>
+      </p:grpSpPr>
+      <p:sp>
+        <p:nvSpPr>
+          <p:cNvPr id="2" name="Title 1"/>
+          <p:cNvSpPr>
+            <a:spLocks noGrp="1"/>
+          </p:cNvSpPr>
+          <p:nvPr>
+            <p:ph type="title"/>
+          </p:nvPr>
+        </p:nvSpPr>
+        <p:spPr>
+          <a:xfrm>
+            <a:off x="4493623" y="311290"/>
+            <a:ext cx="3270695" cy="1325563"/>
+          </a:xfrm>
+        </p:spPr>
+        <p:txBody>
+          <a:bodyPr>
+            <a:normAutofit fontScale="90000"/>
+          </a:bodyPr>
+          <a:lstStyle/>
+          <a:p>
+            <a:pPr algn="r" rtl="1"/>
+            <a:r>
+              <a:rPr lang="he-IL" sz="6000" dirty="0" smtClean="0">
+                <a:cs typeface="+mn-cs"/>
+              </a:rPr>
+              <a:t>מה הלאה?</a:t>
+            </a:r>
+            <a:endParaRPr lang="en-US" sz="6000" dirty="0">
+              <a:cs typeface="+mn-cs"/>
+            </a:endParaRPr>
+          </a:p>
+        </p:txBody>
+      </p:sp>
+      <p:sp>
+        <p:nvSpPr>
+          <p:cNvPr id="3" name="Content Placeholder 2"/>
+          <p:cNvSpPr>
+            <a:spLocks noGrp="1"/>
+          </p:cNvSpPr>
+          <p:nvPr>
+            <p:ph idx="1"/>
+          </p:nvPr>
+        </p:nvSpPr>
+        <p:spPr>
+          <a:xfrm>
+            <a:off x="7119255" y="2670356"/>
+            <a:ext cx="3685903" cy="577941"/>
+          </a:xfrm>
+        </p:spPr>
+        <p:txBody>
+          <a:bodyPr>
+            <a:normAutofit/>
+          </a:bodyPr>
+          <a:lstStyle/>
+          <a:p>
+            <a:pPr marL="0" indent="0" algn="r" rtl="1">
+              <a:buNone/>
+            </a:pPr>
+            <a:r>
+              <a:rPr lang="he-IL" dirty="0" smtClean="0"/>
+              <a:t>שיפור מנגנון ה-</a:t>
+            </a:r>
+            <a:r>
+              <a:rPr lang="en-US" dirty="0" smtClean="0"/>
+              <a:t>match</a:t>
+            </a:r>
+            <a:endParaRPr lang="en-US" dirty="0"/>
+          </a:p>
+        </p:txBody>
+      </p:sp>
+      <p:sp>
+        <p:nvSpPr>
+          <p:cNvPr id="4" name="Content Placeholder 2"/>
+          <p:cNvSpPr txBox="1">
+            <a:spLocks/>
+          </p:cNvSpPr>
+          <p:nvPr/>
+        </p:nvSpPr>
+        <p:spPr>
+          <a:xfrm>
+            <a:off x="1528354" y="2670356"/>
+            <a:ext cx="3877491" cy="577941"/>
+          </a:xfrm>
+          <a:prstGeom prst="rect">
+            <a:avLst/>
+          </a:prstGeom>
+        </p:spPr>
+        <p:txBody>
+          <a:bodyPr vert="horz" lIns="91440" tIns="45720" rIns="91440" bIns="45720" rtlCol="0">
+            <a:normAutofit/>
+          </a:bodyPr>
+          <a:lstStyle>
+            <a:lvl1pPr marL="228600" indent="-228600" algn="l" defTabSz="914400" rtl="0" eaLnBrk="1" latinLnBrk="0" hangingPunct="1">
+              <a:lnSpc>
+                <a:spcPct val="90000"/>
+              </a:lnSpc>
+              <a:spcBef>
+                <a:spcPts val="1000"/>
+              </a:spcBef>
+              <a:buFont typeface="Arial" panose="020B0604020202020204" pitchFamily="34" charset="0"/>
+              <a:buChar char="•"/>
+              <a:defRPr sz="2800" kern="1200">
+                <a:solidFill>
+                  <a:schemeClr val="tx1"/>
+                </a:solidFill>
+                <a:latin typeface="+mn-lt"/>
+                <a:ea typeface="+mn-ea"/>
+                <a:cs typeface="+mn-cs"/>
+              </a:defRPr>
+            </a:lvl1pPr>
+            <a:lvl2pPr marL="685800" indent="-228600" algn="l" defTabSz="914400" rtl="0" eaLnBrk="1" latinLnBrk="0" hangingPunct="1">
+              <a:lnSpc>
+                <a:spcPct val="90000"/>
+              </a:lnSpc>
+              <a:spcBef>
+                <a:spcPts val="500"/>
+              </a:spcBef>
+              <a:buFont typeface="Arial" panose="020B0604020202020204" pitchFamily="34" charset="0"/>
+              <a:buChar char="•"/>
+              <a:defRPr sz="2400" kern="1200">
+                <a:solidFill>
+                  <a:schemeClr val="tx1"/>
+                </a:solidFill>
+                <a:latin typeface="+mn-lt"/>
+                <a:ea typeface="+mn-ea"/>
+                <a:cs typeface="+mn-cs"/>
+              </a:defRPr>
+            </a:lvl2pPr>
+            <a:lvl3pPr marL="1143000" indent="-228600" algn="l" defTabSz="914400" rtl="0" eaLnBrk="1" latinLnBrk="0" hangingPunct="1">
+              <a:lnSpc>
+                <a:spcPct val="90000"/>
+              </a:lnSpc>
+              <a:spcBef>
+                <a:spcPts val="500"/>
+              </a:spcBef>
+              <a:buFont typeface="Arial" panose="020B0604020202020204" pitchFamily="34" charset="0"/>
+              <a:buChar char="•"/>
+              <a:defRPr sz="2000" kern="1200">
+                <a:solidFill>
+                  <a:schemeClr val="tx1"/>
+                </a:solidFill>
+                <a:latin typeface="+mn-lt"/>
+                <a:ea typeface="+mn-ea"/>
+                <a:cs typeface="+mn-cs"/>
+              </a:defRPr>
+            </a:lvl3pPr>
+            <a:lvl4pPr marL="1600200" indent="-228600" algn="l" defTabSz="914400" rtl="0" eaLnBrk="1" latinLnBrk="0" hangingPunct="1">
+              <a:lnSpc>
+                <a:spcPct val="90000"/>
+              </a:lnSpc>
+              <a:spcBef>
+                <a:spcPts val="500"/>
+              </a:spcBef>
+              <a:buFont typeface="Arial" panose="020B0604020202020204" pitchFamily="34" charset="0"/>
+              <a:buChar char="•"/>
+              <a:defRPr sz="1800" kern="1200">
+                <a:solidFill>
+                  <a:schemeClr val="tx1"/>
+                </a:solidFill>
+                <a:latin typeface="+mn-lt"/>
+                <a:ea typeface="+mn-ea"/>
+                <a:cs typeface="+mn-cs"/>
+              </a:defRPr>
+            </a:lvl4pPr>
+            <a:lvl5pPr marL="2057400" indent="-228600" algn="l" defTabSz="914400" rtl="0" eaLnBrk="1" latinLnBrk="0" hangingPunct="1">
+              <a:lnSpc>
+                <a:spcPct val="90000"/>
+              </a:lnSpc>
+              <a:spcBef>
+                <a:spcPts val="500"/>
+              </a:spcBef>
+              <a:buFont typeface="Arial" panose="020B0604020202020204" pitchFamily="34" charset="0"/>
+              <a:buChar char="•"/>
+              <a:defRPr sz="1800" kern="1200">
+                <a:solidFill>
+                  <a:schemeClr val="tx1"/>
+                </a:solidFill>
+                <a:latin typeface="+mn-lt"/>
+                <a:ea typeface="+mn-ea"/>
+                <a:cs typeface="+mn-cs"/>
+              </a:defRPr>
+            </a:lvl5pPr>
+            <a:lvl6pPr marL="2514600" indent="-228600" algn="l" defTabSz="914400" rtl="0" eaLnBrk="1" latinLnBrk="0" hangingPunct="1">
+              <a:lnSpc>
+                <a:spcPct val="90000"/>
+              </a:lnSpc>
+              <a:spcBef>
+                <a:spcPts val="500"/>
+              </a:spcBef>
+              <a:buFont typeface="Arial" panose="020B0604020202020204" pitchFamily="34" charset="0"/>
+              <a:buChar char="•"/>
+              <a:defRPr sz="1800" kern="1200">
+                <a:solidFill>
+                  <a:schemeClr val="tx1"/>
+                </a:solidFill>
+                <a:latin typeface="+mn-lt"/>
+                <a:ea typeface="+mn-ea"/>
+                <a:cs typeface="+mn-cs"/>
+              </a:defRPr>
+            </a:lvl6pPr>
+            <a:lvl7pPr marL="2971800" indent="-228600" algn="l" defTabSz="914400" rtl="0" eaLnBrk="1" latinLnBrk="0" hangingPunct="1">
+              <a:lnSpc>
+                <a:spcPct val="90000"/>
+              </a:lnSpc>
+              <a:spcBef>
+                <a:spcPts val="500"/>
+              </a:spcBef>
+              <a:buFont typeface="Arial" panose="020B0604020202020204" pitchFamily="34" charset="0"/>
+              <a:buChar char="•"/>
+              <a:defRPr sz="1800" kern="1200">
+                <a:solidFill>
+                  <a:schemeClr val="tx1"/>
+                </a:solidFill>
+                <a:latin typeface="+mn-lt"/>
+                <a:ea typeface="+mn-ea"/>
+                <a:cs typeface="+mn-cs"/>
+              </a:defRPr>
+            </a:lvl7pPr>
+            <a:lvl8pPr marL="3429000" indent="-228600" algn="l" defTabSz="914400" rtl="0" eaLnBrk="1" latinLnBrk="0" hangingPunct="1">
+              <a:lnSpc>
+                <a:spcPct val="90000"/>
+              </a:lnSpc>
+              <a:spcBef>
+                <a:spcPts val="500"/>
+              </a:spcBef>
+              <a:buFont typeface="Arial" panose="020B0604020202020204" pitchFamily="34" charset="0"/>
+              <a:buChar char="•"/>
+              <a:defRPr sz="1800" kern="1200">
+                <a:solidFill>
+                  <a:schemeClr val="tx1"/>
+                </a:solidFill>
+                <a:latin typeface="+mn-lt"/>
+                <a:ea typeface="+mn-ea"/>
+                <a:cs typeface="+mn-cs"/>
+              </a:defRPr>
+            </a:lvl8pPr>
+            <a:lvl9pPr marL="3886200" indent="-228600" algn="l" defTabSz="914400" rtl="0" eaLnBrk="1" latinLnBrk="0" hangingPunct="1">
+              <a:lnSpc>
+                <a:spcPct val="90000"/>
+              </a:lnSpc>
+              <a:spcBef>
+                <a:spcPts val="500"/>
+              </a:spcBef>
+              <a:buFont typeface="Arial" panose="020B0604020202020204" pitchFamily="34" charset="0"/>
+              <a:buChar char="•"/>
+              <a:defRPr sz="1800" kern="1200">
+                <a:solidFill>
+                  <a:schemeClr val="tx1"/>
+                </a:solidFill>
+                <a:latin typeface="+mn-lt"/>
+                <a:ea typeface="+mn-ea"/>
+                <a:cs typeface="+mn-cs"/>
+              </a:defRPr>
+            </a:lvl9pPr>
+          </a:lstStyle>
+          <a:p>
+            <a:pPr marL="0" indent="0" algn="r" rtl="1">
+              <a:buFont typeface="Arial" panose="020B0604020202020204" pitchFamily="34" charset="0"/>
+              <a:buNone/>
+            </a:pPr>
+            <a:r>
+              <a:rPr lang="he-IL" dirty="0" smtClean="0"/>
+              <a:t>הרחבת מנגנון הדירוגים</a:t>
+            </a:r>
+            <a:endParaRPr lang="en-US" dirty="0"/>
+          </a:p>
+        </p:txBody>
+      </p:sp>
+      <p:sp>
+        <p:nvSpPr>
+          <p:cNvPr id="5" name="Content Placeholder 2"/>
+          <p:cNvSpPr txBox="1">
+            <a:spLocks/>
+          </p:cNvSpPr>
+          <p:nvPr/>
+        </p:nvSpPr>
+        <p:spPr>
+          <a:xfrm>
+            <a:off x="7654834" y="3593465"/>
+            <a:ext cx="3093717" cy="577941"/>
+          </a:xfrm>
+          <a:prstGeom prst="rect">
+            <a:avLst/>
+          </a:prstGeom>
+        </p:spPr>
+        <p:txBody>
+          <a:bodyPr vert="horz" lIns="91440" tIns="45720" rIns="91440" bIns="45720" rtlCol="0">
+            <a:normAutofit/>
+          </a:bodyPr>
+          <a:lstStyle>
+            <a:lvl1pPr marL="228600" indent="-228600" algn="l" defTabSz="914400" rtl="0" eaLnBrk="1" latinLnBrk="0" hangingPunct="1">
+              <a:lnSpc>
+                <a:spcPct val="90000"/>
+              </a:lnSpc>
+              <a:spcBef>
+                <a:spcPts val="1000"/>
+              </a:spcBef>
+              <a:buFont typeface="Arial" panose="020B0604020202020204" pitchFamily="34" charset="0"/>
+              <a:buChar char="•"/>
+              <a:defRPr sz="2800" kern="1200">
+                <a:solidFill>
+                  <a:schemeClr val="tx1"/>
+                </a:solidFill>
+                <a:latin typeface="+mn-lt"/>
+                <a:ea typeface="+mn-ea"/>
+                <a:cs typeface="+mn-cs"/>
+              </a:defRPr>
+            </a:lvl1pPr>
+            <a:lvl2pPr marL="685800" indent="-228600" algn="l" defTabSz="914400" rtl="0" eaLnBrk="1" latinLnBrk="0" hangingPunct="1">
+              <a:lnSpc>
+                <a:spcPct val="90000"/>
+              </a:lnSpc>
+              <a:spcBef>
+                <a:spcPts val="500"/>
+              </a:spcBef>
+              <a:buFont typeface="Arial" panose="020B0604020202020204" pitchFamily="34" charset="0"/>
+              <a:buChar char="•"/>
+              <a:defRPr sz="2400" kern="1200">
+                <a:solidFill>
+                  <a:schemeClr val="tx1"/>
+                </a:solidFill>
+                <a:latin typeface="+mn-lt"/>
+                <a:ea typeface="+mn-ea"/>
+                <a:cs typeface="+mn-cs"/>
+              </a:defRPr>
+            </a:lvl2pPr>
+            <a:lvl3pPr marL="1143000" indent="-228600" algn="l" defTabSz="914400" rtl="0" eaLnBrk="1" latinLnBrk="0" hangingPunct="1">
+              <a:lnSpc>
+                <a:spcPct val="90000"/>
+              </a:lnSpc>
+              <a:spcBef>
+                <a:spcPts val="500"/>
+              </a:spcBef>
+              <a:buFont typeface="Arial" panose="020B0604020202020204" pitchFamily="34" charset="0"/>
+              <a:buChar char="•"/>
+              <a:defRPr sz="2000" kern="1200">
+                <a:solidFill>
+                  <a:schemeClr val="tx1"/>
+                </a:solidFill>
+                <a:latin typeface="+mn-lt"/>
+                <a:ea typeface="+mn-ea"/>
+                <a:cs typeface="+mn-cs"/>
+              </a:defRPr>
+            </a:lvl3pPr>
+            <a:lvl4pPr marL="1600200" indent="-228600" algn="l" defTabSz="914400" rtl="0" eaLnBrk="1" latinLnBrk="0" hangingPunct="1">
+              <a:lnSpc>
+                <a:spcPct val="90000"/>
+              </a:lnSpc>
+              <a:spcBef>
+                <a:spcPts val="500"/>
+              </a:spcBef>
+              <a:buFont typeface="Arial" panose="020B0604020202020204" pitchFamily="34" charset="0"/>
+              <a:buChar char="•"/>
+              <a:defRPr sz="1800" kern="1200">
+                <a:solidFill>
+                  <a:schemeClr val="tx1"/>
+                </a:solidFill>
+                <a:latin typeface="+mn-lt"/>
+                <a:ea typeface="+mn-ea"/>
+                <a:cs typeface="+mn-cs"/>
+              </a:defRPr>
+            </a:lvl4pPr>
+            <a:lvl5pPr marL="2057400" indent="-228600" algn="l" defTabSz="914400" rtl="0" eaLnBrk="1" latinLnBrk="0" hangingPunct="1">
+              <a:lnSpc>
+                <a:spcPct val="90000"/>
+              </a:lnSpc>
+              <a:spcBef>
+                <a:spcPts val="500"/>
+              </a:spcBef>
+              <a:buFont typeface="Arial" panose="020B0604020202020204" pitchFamily="34" charset="0"/>
+              <a:buChar char="•"/>
+              <a:defRPr sz="1800" kern="1200">
+                <a:solidFill>
+                  <a:schemeClr val="tx1"/>
+                </a:solidFill>
+                <a:latin typeface="+mn-lt"/>
+                <a:ea typeface="+mn-ea"/>
+                <a:cs typeface="+mn-cs"/>
+              </a:defRPr>
+            </a:lvl5pPr>
+            <a:lvl6pPr marL="2514600" indent="-228600" algn="l" defTabSz="914400" rtl="0" eaLnBrk="1" latinLnBrk="0" hangingPunct="1">
+              <a:lnSpc>
+                <a:spcPct val="90000"/>
+              </a:lnSpc>
+              <a:spcBef>
+                <a:spcPts val="500"/>
+              </a:spcBef>
+              <a:buFont typeface="Arial" panose="020B0604020202020204" pitchFamily="34" charset="0"/>
+              <a:buChar char="•"/>
+              <a:defRPr sz="1800" kern="1200">
+                <a:solidFill>
+                  <a:schemeClr val="tx1"/>
+                </a:solidFill>
+                <a:latin typeface="+mn-lt"/>
+                <a:ea typeface="+mn-ea"/>
+                <a:cs typeface="+mn-cs"/>
+              </a:defRPr>
+            </a:lvl6pPr>
+            <a:lvl7pPr marL="2971800" indent="-228600" algn="l" defTabSz="914400" rtl="0" eaLnBrk="1" latinLnBrk="0" hangingPunct="1">
+              <a:lnSpc>
+                <a:spcPct val="90000"/>
+              </a:lnSpc>
+              <a:spcBef>
+                <a:spcPts val="500"/>
+              </a:spcBef>
+              <a:buFont typeface="Arial" panose="020B0604020202020204" pitchFamily="34" charset="0"/>
+              <a:buChar char="•"/>
+              <a:defRPr sz="1800" kern="1200">
+                <a:solidFill>
+                  <a:schemeClr val="tx1"/>
+                </a:solidFill>
+                <a:latin typeface="+mn-lt"/>
+                <a:ea typeface="+mn-ea"/>
+                <a:cs typeface="+mn-cs"/>
+              </a:defRPr>
+            </a:lvl7pPr>
+            <a:lvl8pPr marL="3429000" indent="-228600" algn="l" defTabSz="914400" rtl="0" eaLnBrk="1" latinLnBrk="0" hangingPunct="1">
+              <a:lnSpc>
+                <a:spcPct val="90000"/>
+              </a:lnSpc>
+              <a:spcBef>
+                <a:spcPts val="500"/>
+              </a:spcBef>
+              <a:buFont typeface="Arial" panose="020B0604020202020204" pitchFamily="34" charset="0"/>
+              <a:buChar char="•"/>
+              <a:defRPr sz="1800" kern="1200">
+                <a:solidFill>
+                  <a:schemeClr val="tx1"/>
+                </a:solidFill>
+                <a:latin typeface="+mn-lt"/>
+                <a:ea typeface="+mn-ea"/>
+                <a:cs typeface="+mn-cs"/>
+              </a:defRPr>
+            </a:lvl8pPr>
+            <a:lvl9pPr marL="3886200" indent="-228600" algn="l" defTabSz="914400" rtl="0" eaLnBrk="1" latinLnBrk="0" hangingPunct="1">
+              <a:lnSpc>
+                <a:spcPct val="90000"/>
+              </a:lnSpc>
+              <a:spcBef>
+                <a:spcPts val="500"/>
+              </a:spcBef>
+              <a:buFont typeface="Arial" panose="020B0604020202020204" pitchFamily="34" charset="0"/>
+              <a:buChar char="•"/>
+              <a:defRPr sz="1800" kern="1200">
+                <a:solidFill>
+                  <a:schemeClr val="tx1"/>
+                </a:solidFill>
+                <a:latin typeface="+mn-lt"/>
+                <a:ea typeface="+mn-ea"/>
+                <a:cs typeface="+mn-cs"/>
+              </a:defRPr>
+            </a:lvl9pPr>
+          </a:lstStyle>
+          <a:p>
+            <a:pPr marL="0" indent="0" algn="r" rtl="1">
+              <a:buFont typeface="Arial" panose="020B0604020202020204" pitchFamily="34" charset="0"/>
+              <a:buNone/>
+            </a:pPr>
+            <a:r>
+              <a:rPr lang="he-IL" dirty="0" smtClean="0"/>
+              <a:t>הוספת חיפושים</a:t>
+            </a:r>
+            <a:endParaRPr lang="en-US" dirty="0"/>
+          </a:p>
+        </p:txBody>
+      </p:sp>
+      <p:sp>
+        <p:nvSpPr>
+          <p:cNvPr id="6" name="Content Placeholder 2"/>
+          <p:cNvSpPr txBox="1">
+            <a:spLocks/>
+          </p:cNvSpPr>
+          <p:nvPr/>
+        </p:nvSpPr>
+        <p:spPr>
+          <a:xfrm>
+            <a:off x="2978334" y="3593465"/>
+            <a:ext cx="2427511" cy="577941"/>
+          </a:xfrm>
+          <a:prstGeom prst="rect">
+            <a:avLst/>
+          </a:prstGeom>
+        </p:spPr>
+        <p:txBody>
+          <a:bodyPr vert="horz" lIns="91440" tIns="45720" rIns="91440" bIns="45720" rtlCol="0">
+            <a:normAutofit lnSpcReduction="10000"/>
+          </a:bodyPr>
+          <a:lstStyle>
+            <a:lvl1pPr marL="228600" indent="-228600" algn="l" defTabSz="914400" rtl="0" eaLnBrk="1" latinLnBrk="0" hangingPunct="1">
+              <a:lnSpc>
+                <a:spcPct val="90000"/>
+              </a:lnSpc>
+              <a:spcBef>
+                <a:spcPts val="1000"/>
+              </a:spcBef>
+              <a:buFont typeface="Arial" panose="020B0604020202020204" pitchFamily="34" charset="0"/>
+              <a:buChar char="•"/>
+              <a:defRPr sz="2800" kern="1200">
+                <a:solidFill>
+                  <a:schemeClr val="tx1"/>
+                </a:solidFill>
+                <a:latin typeface="+mn-lt"/>
+                <a:ea typeface="+mn-ea"/>
+                <a:cs typeface="+mn-cs"/>
+              </a:defRPr>
+            </a:lvl1pPr>
+            <a:lvl2pPr marL="685800" indent="-228600" algn="l" defTabSz="914400" rtl="0" eaLnBrk="1" latinLnBrk="0" hangingPunct="1">
+              <a:lnSpc>
+                <a:spcPct val="90000"/>
+              </a:lnSpc>
+              <a:spcBef>
+                <a:spcPts val="500"/>
+              </a:spcBef>
+              <a:buFont typeface="Arial" panose="020B0604020202020204" pitchFamily="34" charset="0"/>
+              <a:buChar char="•"/>
+              <a:defRPr sz="2400" kern="1200">
+                <a:solidFill>
+                  <a:schemeClr val="tx1"/>
+                </a:solidFill>
+                <a:latin typeface="+mn-lt"/>
+                <a:ea typeface="+mn-ea"/>
+                <a:cs typeface="+mn-cs"/>
+              </a:defRPr>
+            </a:lvl2pPr>
+            <a:lvl3pPr marL="1143000" indent="-228600" algn="l" defTabSz="914400" rtl="0" eaLnBrk="1" latinLnBrk="0" hangingPunct="1">
+              <a:lnSpc>
+                <a:spcPct val="90000"/>
+              </a:lnSpc>
+              <a:spcBef>
+                <a:spcPts val="500"/>
+              </a:spcBef>
+              <a:buFont typeface="Arial" panose="020B0604020202020204" pitchFamily="34" charset="0"/>
+              <a:buChar char="•"/>
+              <a:defRPr sz="2000" kern="1200">
+                <a:solidFill>
+                  <a:schemeClr val="tx1"/>
+                </a:solidFill>
+                <a:latin typeface="+mn-lt"/>
+                <a:ea typeface="+mn-ea"/>
+                <a:cs typeface="+mn-cs"/>
+              </a:defRPr>
+            </a:lvl3pPr>
+            <a:lvl4pPr marL="1600200" indent="-228600" algn="l" defTabSz="914400" rtl="0" eaLnBrk="1" latinLnBrk="0" hangingPunct="1">
+              <a:lnSpc>
+                <a:spcPct val="90000"/>
+              </a:lnSpc>
+              <a:spcBef>
+                <a:spcPts val="500"/>
+              </a:spcBef>
+              <a:buFont typeface="Arial" panose="020B0604020202020204" pitchFamily="34" charset="0"/>
+              <a:buChar char="•"/>
+              <a:defRPr sz="1800" kern="1200">
+                <a:solidFill>
+                  <a:schemeClr val="tx1"/>
+                </a:solidFill>
+                <a:latin typeface="+mn-lt"/>
+                <a:ea typeface="+mn-ea"/>
+                <a:cs typeface="+mn-cs"/>
+              </a:defRPr>
+            </a:lvl4pPr>
+            <a:lvl5pPr marL="2057400" indent="-228600" algn="l" defTabSz="914400" rtl="0" eaLnBrk="1" latinLnBrk="0" hangingPunct="1">
+              <a:lnSpc>
+                <a:spcPct val="90000"/>
+              </a:lnSpc>
+              <a:spcBef>
+                <a:spcPts val="500"/>
+              </a:spcBef>
+              <a:buFont typeface="Arial" panose="020B0604020202020204" pitchFamily="34" charset="0"/>
+              <a:buChar char="•"/>
+              <a:defRPr sz="1800" kern="1200">
+                <a:solidFill>
+                  <a:schemeClr val="tx1"/>
+                </a:solidFill>
+                <a:latin typeface="+mn-lt"/>
+                <a:ea typeface="+mn-ea"/>
+                <a:cs typeface="+mn-cs"/>
+              </a:defRPr>
+            </a:lvl5pPr>
+            <a:lvl6pPr marL="2514600" indent="-228600" algn="l" defTabSz="914400" rtl="0" eaLnBrk="1" latinLnBrk="0" hangingPunct="1">
+              <a:lnSpc>
+                <a:spcPct val="90000"/>
+              </a:lnSpc>
+              <a:spcBef>
+                <a:spcPts val="500"/>
+              </a:spcBef>
+              <a:buFont typeface="Arial" panose="020B0604020202020204" pitchFamily="34" charset="0"/>
+              <a:buChar char="•"/>
+              <a:defRPr sz="1800" kern="1200">
+                <a:solidFill>
+                  <a:schemeClr val="tx1"/>
+                </a:solidFill>
+                <a:latin typeface="+mn-lt"/>
+                <a:ea typeface="+mn-ea"/>
+                <a:cs typeface="+mn-cs"/>
+              </a:defRPr>
+            </a:lvl6pPr>
+            <a:lvl7pPr marL="2971800" indent="-228600" algn="l" defTabSz="914400" rtl="0" eaLnBrk="1" latinLnBrk="0" hangingPunct="1">
+              <a:lnSpc>
+                <a:spcPct val="90000"/>
+              </a:lnSpc>
+              <a:spcBef>
+                <a:spcPts val="500"/>
+              </a:spcBef>
+              <a:buFont typeface="Arial" panose="020B0604020202020204" pitchFamily="34" charset="0"/>
+              <a:buChar char="•"/>
+              <a:defRPr sz="1800" kern="1200">
+                <a:solidFill>
+                  <a:schemeClr val="tx1"/>
+                </a:solidFill>
+                <a:latin typeface="+mn-lt"/>
+                <a:ea typeface="+mn-ea"/>
+                <a:cs typeface="+mn-cs"/>
+              </a:defRPr>
+            </a:lvl7pPr>
+            <a:lvl8pPr marL="3429000" indent="-228600" algn="l" defTabSz="914400" rtl="0" eaLnBrk="1" latinLnBrk="0" hangingPunct="1">
+              <a:lnSpc>
+                <a:spcPct val="90000"/>
+              </a:lnSpc>
+              <a:spcBef>
+                <a:spcPts val="500"/>
+              </a:spcBef>
+              <a:buFont typeface="Arial" panose="020B0604020202020204" pitchFamily="34" charset="0"/>
+              <a:buChar char="•"/>
+              <a:defRPr sz="1800" kern="1200">
+                <a:solidFill>
+                  <a:schemeClr val="tx1"/>
+                </a:solidFill>
+                <a:latin typeface="+mn-lt"/>
+                <a:ea typeface="+mn-ea"/>
+                <a:cs typeface="+mn-cs"/>
+              </a:defRPr>
+            </a:lvl8pPr>
+            <a:lvl9pPr marL="3886200" indent="-228600" algn="l" defTabSz="914400" rtl="0" eaLnBrk="1" latinLnBrk="0" hangingPunct="1">
+              <a:lnSpc>
+                <a:spcPct val="90000"/>
+              </a:lnSpc>
+              <a:spcBef>
+                <a:spcPts val="500"/>
+              </a:spcBef>
+              <a:buFont typeface="Arial" panose="020B0604020202020204" pitchFamily="34" charset="0"/>
+              <a:buChar char="•"/>
+              <a:defRPr sz="1800" kern="1200">
+                <a:solidFill>
+                  <a:schemeClr val="tx1"/>
+                </a:solidFill>
+                <a:latin typeface="+mn-lt"/>
+                <a:ea typeface="+mn-ea"/>
+                <a:cs typeface="+mn-cs"/>
+              </a:defRPr>
+            </a:lvl9pPr>
+          </a:lstStyle>
+          <a:p>
+            <a:pPr marL="0" indent="0" algn="r" rtl="1">
+              <a:buFont typeface="Arial" panose="020B0604020202020204" pitchFamily="34" charset="0"/>
+              <a:buNone/>
+            </a:pPr>
+            <a:r>
+              <a:rPr lang="he-IL" sz="3600" dirty="0" smtClean="0"/>
+              <a:t>נוטיפיקציות</a:t>
+            </a:r>
+            <a:endParaRPr lang="en-US" sz="3600" dirty="0"/>
+          </a:p>
+        </p:txBody>
+      </p:sp>
+      <p:sp>
+        <p:nvSpPr>
+          <p:cNvPr id="7" name="Content Placeholder 2"/>
+          <p:cNvSpPr txBox="1">
+            <a:spLocks/>
+          </p:cNvSpPr>
+          <p:nvPr/>
+        </p:nvSpPr>
+        <p:spPr>
+          <a:xfrm>
+            <a:off x="8321040" y="4568825"/>
+            <a:ext cx="2427511" cy="577941"/>
+          </a:xfrm>
+          <a:prstGeom prst="rect">
+            <a:avLst/>
+          </a:prstGeom>
+        </p:spPr>
+        <p:txBody>
+          <a:bodyPr vert="horz" lIns="91440" tIns="45720" rIns="91440" bIns="45720" rtlCol="0">
+            <a:noAutofit/>
+          </a:bodyPr>
+          <a:lstStyle>
+            <a:lvl1pPr marL="228600" indent="-228600" algn="l" defTabSz="914400" rtl="0" eaLnBrk="1" latinLnBrk="0" hangingPunct="1">
+              <a:lnSpc>
+                <a:spcPct val="90000"/>
+              </a:lnSpc>
+              <a:spcBef>
+                <a:spcPts val="1000"/>
+              </a:spcBef>
+              <a:buFont typeface="Arial" panose="020B0604020202020204" pitchFamily="34" charset="0"/>
+              <a:buChar char="•"/>
+              <a:defRPr sz="2800" kern="1200">
+                <a:solidFill>
+                  <a:schemeClr val="tx1"/>
+                </a:solidFill>
+                <a:latin typeface="+mn-lt"/>
+                <a:ea typeface="+mn-ea"/>
+                <a:cs typeface="+mn-cs"/>
+              </a:defRPr>
+            </a:lvl1pPr>
+            <a:lvl2pPr marL="685800" indent="-228600" algn="l" defTabSz="914400" rtl="0" eaLnBrk="1" latinLnBrk="0" hangingPunct="1">
+              <a:lnSpc>
+                <a:spcPct val="90000"/>
+              </a:lnSpc>
+              <a:spcBef>
+                <a:spcPts val="500"/>
+              </a:spcBef>
+              <a:buFont typeface="Arial" panose="020B0604020202020204" pitchFamily="34" charset="0"/>
+              <a:buChar char="•"/>
+              <a:defRPr sz="2400" kern="1200">
+                <a:solidFill>
+                  <a:schemeClr val="tx1"/>
+                </a:solidFill>
+                <a:latin typeface="+mn-lt"/>
+                <a:ea typeface="+mn-ea"/>
+                <a:cs typeface="+mn-cs"/>
+              </a:defRPr>
+            </a:lvl2pPr>
+            <a:lvl3pPr marL="1143000" indent="-228600" algn="l" defTabSz="914400" rtl="0" eaLnBrk="1" latinLnBrk="0" hangingPunct="1">
+              <a:lnSpc>
+                <a:spcPct val="90000"/>
+              </a:lnSpc>
+              <a:spcBef>
+                <a:spcPts val="500"/>
+              </a:spcBef>
+              <a:buFont typeface="Arial" panose="020B0604020202020204" pitchFamily="34" charset="0"/>
+              <a:buChar char="•"/>
+              <a:defRPr sz="2000" kern="1200">
+                <a:solidFill>
+                  <a:schemeClr val="tx1"/>
+                </a:solidFill>
+                <a:latin typeface="+mn-lt"/>
+                <a:ea typeface="+mn-ea"/>
+                <a:cs typeface="+mn-cs"/>
+              </a:defRPr>
+            </a:lvl3pPr>
+            <a:lvl4pPr marL="1600200" indent="-228600" algn="l" defTabSz="914400" rtl="0" eaLnBrk="1" latinLnBrk="0" hangingPunct="1">
+              <a:lnSpc>
+                <a:spcPct val="90000"/>
+              </a:lnSpc>
+              <a:spcBef>
+                <a:spcPts val="500"/>
+              </a:spcBef>
+              <a:buFont typeface="Arial" panose="020B0604020202020204" pitchFamily="34" charset="0"/>
+              <a:buChar char="•"/>
+              <a:defRPr sz="1800" kern="1200">
+                <a:solidFill>
+                  <a:schemeClr val="tx1"/>
+                </a:solidFill>
+                <a:latin typeface="+mn-lt"/>
+                <a:ea typeface="+mn-ea"/>
+                <a:cs typeface="+mn-cs"/>
+              </a:defRPr>
+            </a:lvl4pPr>
+            <a:lvl5pPr marL="2057400" indent="-228600" algn="l" defTabSz="914400" rtl="0" eaLnBrk="1" latinLnBrk="0" hangingPunct="1">
+              <a:lnSpc>
+                <a:spcPct val="90000"/>
+              </a:lnSpc>
+              <a:spcBef>
+                <a:spcPts val="500"/>
+              </a:spcBef>
+              <a:buFont typeface="Arial" panose="020B0604020202020204" pitchFamily="34" charset="0"/>
+              <a:buChar char="•"/>
+              <a:defRPr sz="1800" kern="1200">
+                <a:solidFill>
+                  <a:schemeClr val="tx1"/>
+                </a:solidFill>
+                <a:latin typeface="+mn-lt"/>
+                <a:ea typeface="+mn-ea"/>
+                <a:cs typeface="+mn-cs"/>
+              </a:defRPr>
+            </a:lvl5pPr>
+            <a:lvl6pPr marL="2514600" indent="-228600" algn="l" defTabSz="914400" rtl="0" eaLnBrk="1" latinLnBrk="0" hangingPunct="1">
+              <a:lnSpc>
+                <a:spcPct val="90000"/>
+              </a:lnSpc>
+              <a:spcBef>
+                <a:spcPts val="500"/>
+              </a:spcBef>
+              <a:buFont typeface="Arial" panose="020B0604020202020204" pitchFamily="34" charset="0"/>
+              <a:buChar char="•"/>
+              <a:defRPr sz="1800" kern="1200">
+                <a:solidFill>
+                  <a:schemeClr val="tx1"/>
+                </a:solidFill>
+                <a:latin typeface="+mn-lt"/>
+                <a:ea typeface="+mn-ea"/>
+                <a:cs typeface="+mn-cs"/>
+              </a:defRPr>
+            </a:lvl6pPr>
+            <a:lvl7pPr marL="2971800" indent="-228600" algn="l" defTabSz="914400" rtl="0" eaLnBrk="1" latinLnBrk="0" hangingPunct="1">
+              <a:lnSpc>
+                <a:spcPct val="90000"/>
+              </a:lnSpc>
+              <a:spcBef>
+                <a:spcPts val="500"/>
+              </a:spcBef>
+              <a:buFont typeface="Arial" panose="020B0604020202020204" pitchFamily="34" charset="0"/>
+              <a:buChar char="•"/>
+              <a:defRPr sz="1800" kern="1200">
+                <a:solidFill>
+                  <a:schemeClr val="tx1"/>
+                </a:solidFill>
+                <a:latin typeface="+mn-lt"/>
+                <a:ea typeface="+mn-ea"/>
+                <a:cs typeface="+mn-cs"/>
+              </a:defRPr>
+            </a:lvl7pPr>
+            <a:lvl8pPr marL="3429000" indent="-228600" algn="l" defTabSz="914400" rtl="0" eaLnBrk="1" latinLnBrk="0" hangingPunct="1">
+              <a:lnSpc>
+                <a:spcPct val="90000"/>
+              </a:lnSpc>
+              <a:spcBef>
+                <a:spcPts val="500"/>
+              </a:spcBef>
+              <a:buFont typeface="Arial" panose="020B0604020202020204" pitchFamily="34" charset="0"/>
+              <a:buChar char="•"/>
+              <a:defRPr sz="1800" kern="1200">
+                <a:solidFill>
+                  <a:schemeClr val="tx1"/>
+                </a:solidFill>
+                <a:latin typeface="+mn-lt"/>
+                <a:ea typeface="+mn-ea"/>
+                <a:cs typeface="+mn-cs"/>
+              </a:defRPr>
+            </a:lvl8pPr>
+            <a:lvl9pPr marL="3886200" indent="-228600" algn="l" defTabSz="914400" rtl="0" eaLnBrk="1" latinLnBrk="0" hangingPunct="1">
+              <a:lnSpc>
+                <a:spcPct val="90000"/>
+              </a:lnSpc>
+              <a:spcBef>
+                <a:spcPts val="500"/>
+              </a:spcBef>
+              <a:buFont typeface="Arial" panose="020B0604020202020204" pitchFamily="34" charset="0"/>
+              <a:buChar char="•"/>
+              <a:defRPr sz="1800" kern="1200">
+                <a:solidFill>
+                  <a:schemeClr val="tx1"/>
+                </a:solidFill>
+                <a:latin typeface="+mn-lt"/>
+                <a:ea typeface="+mn-ea"/>
+                <a:cs typeface="+mn-cs"/>
+              </a:defRPr>
+            </a:lvl9pPr>
+          </a:lstStyle>
+          <a:p>
+            <a:pPr marL="0" indent="0" algn="r" rtl="1">
+              <a:buFont typeface="Arial" panose="020B0604020202020204" pitchFamily="34" charset="0"/>
+              <a:buNone/>
+            </a:pPr>
+            <a:r>
+              <a:rPr lang="he-IL" sz="3600" dirty="0" smtClean="0"/>
+              <a:t>צ'אט</a:t>
+            </a:r>
+            <a:endParaRPr lang="en-US" sz="3600" dirty="0"/>
+          </a:p>
+        </p:txBody>
+      </p:sp>
+    </p:spTree>
+    <p:extLst>
+      <p:ext uri="{BB962C8B-B14F-4D97-AF65-F5344CB8AC3E}">
+        <p14:creationId xmlns:p14="http://schemas.microsoft.com/office/powerpoint/2010/main" val="243722352"/>
+      </p:ext>
+    </p:extLst>
+  </p:cSld>
+  <p:clrMapOvr>
+    <a:masterClrMapping/>
+  </p:clrMapOvr>
+  <p:timing>
+    <p:tnLst>
+      <p:par>
+        <p:cTn id="1" dur="indefinite" restart="never" nodeType="tmRoot">
+          <p:childTnLst>
+            <p:seq concurrent="1" nextAc="seek">
+              <p:cTn id="2" dur="indefinite" nodeType="mainSeq">
+                <p:childTnLst>
+                  <p:par>
+                    <p:cTn id="3" fill="hold">
+                      <p:stCondLst>
+                        <p:cond delay="indefinite"/>
+                      </p:stCondLst>
+                      <p:childTnLst>
+                        <p:par>
+                          <p:cTn id="4" fill="hold">
+                            <p:stCondLst>
+                              <p:cond delay="0"/>
+                            </p:stCondLst>
+                            <p:childTnLst>
+                              <p:par>
+                                <p:cTn id="5" presetID="1" presetClass="entr" presetSubtype="0" fill="hold" grpId="0" nodeType="clickEffect">
+                                  <p:stCondLst>
+                                    <p:cond delay="0"/>
+                                  </p:stCondLst>
+                                  <p:childTnLst>
+                                    <p:set>
+                                      <p:cBhvr>
+                                        <p:cTn id="6" dur="1" fill="hold">
+                                          <p:stCondLst>
+                                            <p:cond delay="0"/>
+                                          </p:stCondLst>
+                                        </p:cTn>
+                                        <p:tgtEl>
+                                          <p:spTgt spid="3">
+                                            <p:txEl>
+                                              <p:pRg st="0" end="0"/>
+                                            </p:txEl>
+                                          </p:spTgt>
+                                        </p:tgtEl>
+                                        <p:attrNameLst>
+                                          <p:attrName>style.visibility</p:attrName>
+                                        </p:attrNameLst>
+                                      </p:cBhvr>
+                                      <p:to>
+                                        <p:strVal val="visible"/>
+                                      </p:to>
+                                    </p:set>
+                                  </p:childTnLst>
+                                </p:cTn>
+                              </p:par>
+                            </p:childTnLst>
+                          </p:cTn>
+                        </p:par>
+                      </p:childTnLst>
+                    </p:cTn>
+                  </p:par>
+                  <p:par>
+                    <p:cTn id="7" fill="hold">
+                      <p:stCondLst>
+                        <p:cond delay="indefinite"/>
+                      </p:stCondLst>
+                      <p:childTnLst>
+                        <p:par>
+                          <p:cTn id="8" fill="hold">
+                            <p:stCondLst>
+                              <p:cond delay="0"/>
+                            </p:stCondLst>
+                            <p:childTnLst>
+                              <p:par>
+                                <p:cTn id="9" presetID="1" presetClass="entr" presetSubtype="0" fill="hold" grpId="0" nodeType="clickEffect">
+                                  <p:stCondLst>
+                                    <p:cond delay="0"/>
+                                  </p:stCondLst>
+                                  <p:childTnLst>
+                                    <p:set>
+                                      <p:cBhvr>
+                                        <p:cTn id="10" dur="1" fill="hold">
+                                          <p:stCondLst>
+                                            <p:cond delay="0"/>
+                                          </p:stCondLst>
+                                        </p:cTn>
+                                        <p:tgtEl>
+                                          <p:spTgt spid="4"/>
+                                        </p:tgtEl>
+                                        <p:attrNameLst>
+                                          <p:attrName>style.visibility</p:attrName>
+                                        </p:attrNameLst>
+                                      </p:cBhvr>
+                                      <p:to>
+                                        <p:strVal val="visible"/>
+                                      </p:to>
+                                    </p:set>
+                                  </p:childTnLst>
+                                </p:cTn>
+                              </p:par>
+                            </p:childTnLst>
+                          </p:cTn>
+                        </p:par>
+                      </p:childTnLst>
+                    </p:cTn>
+                  </p:par>
+                  <p:par>
+                    <p:cTn id="11" fill="hold">
+                      <p:stCondLst>
+                        <p:cond delay="indefinite"/>
+                      </p:stCondLst>
+                      <p:childTnLst>
+                        <p:par>
+                          <p:cTn id="12" fill="hold">
+                            <p:stCondLst>
+                              <p:cond delay="0"/>
+                            </p:stCondLst>
+                            <p:childTnLst>
+                              <p:par>
+                                <p:cTn id="13" presetID="1" presetClass="entr" presetSubtype="0" fill="hold" grpId="0" nodeType="clickEffect">
+                                  <p:stCondLst>
+                                    <p:cond delay="0"/>
+                                  </p:stCondLst>
+                                  <p:childTnLst>
+                                    <p:set>
+                                      <p:cBhvr>
+                                        <p:cTn id="14" dur="1" fill="hold">
+                                          <p:stCondLst>
+                                            <p:cond delay="0"/>
+                                          </p:stCondLst>
+                                        </p:cTn>
+                                        <p:tgtEl>
+                                          <p:spTgt spid="5"/>
+                                        </p:tgtEl>
+                                        <p:attrNameLst>
+                                          <p:attrName>style.visibility</p:attrName>
+                                        </p:attrNameLst>
+                                      </p:cBhvr>
+                                      <p:to>
+                                        <p:strVal val="visible"/>
+                                      </p:to>
+                                    </p:set>
+                                  </p:childTnLst>
+                                </p:cTn>
+                              </p:par>
+                            </p:childTnLst>
+                          </p:cTn>
+                        </p:par>
+                      </p:childTnLst>
+                    </p:cTn>
+                  </p:par>
+                  <p:par>
+                    <p:cTn id="15" fill="hold">
+                      <p:stCondLst>
+                        <p:cond delay="indefinite"/>
+                      </p:stCondLst>
+                      <p:childTnLst>
+                        <p:par>
+                          <p:cTn id="16" fill="hold">
+                            <p:stCondLst>
+                              <p:cond delay="0"/>
+                            </p:stCondLst>
+                            <p:childTnLst>
+                              <p:par>
+                                <p:cTn id="17" presetID="1" presetClass="entr" presetSubtype="0" fill="hold" grpId="0" nodeType="clickEffect">
+                                  <p:stCondLst>
+                                    <p:cond delay="0"/>
+                                  </p:stCondLst>
+                                  <p:childTnLst>
+                                    <p:set>
+                                      <p:cBhvr>
+                                        <p:cTn id="18" dur="1" fill="hold">
+                                          <p:stCondLst>
+                                            <p:cond delay="0"/>
+                                          </p:stCondLst>
+                                        </p:cTn>
+                                        <p:tgtEl>
+                                          <p:spTgt spid="6"/>
+                                        </p:tgtEl>
+                                        <p:attrNameLst>
+                                          <p:attrName>style.visibility</p:attrName>
+                                        </p:attrNameLst>
+                                      </p:cBhvr>
+                                      <p:to>
+                                        <p:strVal val="visible"/>
+                                      </p:to>
+                                    </p:set>
+                                  </p:childTnLst>
+                                </p:cTn>
+                              </p:par>
+                            </p:childTnLst>
+                          </p:cTn>
+                        </p:par>
+                      </p:childTnLst>
+                    </p:cTn>
+                  </p:par>
+                  <p:par>
+                    <p:cTn id="19" fill="hold">
+                      <p:stCondLst>
+                        <p:cond delay="indefinite"/>
+                      </p:stCondLst>
+                      <p:childTnLst>
+                        <p:par>
+                          <p:cTn id="20" fill="hold">
+                            <p:stCondLst>
+                              <p:cond delay="0"/>
+                            </p:stCondLst>
+                            <p:childTnLst>
+                              <p:par>
+                                <p:cTn id="21" presetID="1" presetClass="entr" presetSubtype="0" fill="hold" grpId="0" nodeType="clickEffect">
+                                  <p:stCondLst>
+                                    <p:cond delay="0"/>
+                                  </p:stCondLst>
+                                  <p:childTnLst>
+                                    <p:set>
+                                      <p:cBhvr>
+                                        <p:cTn id="22" dur="1" fill="hold">
+                                          <p:stCondLst>
+                                            <p:cond delay="0"/>
+                                          </p:stCondLst>
+                                        </p:cTn>
+                                        <p:tgtEl>
+                                          <p:spTgt spid="7"/>
+                                        </p:tgtEl>
+                                        <p:attrNameLst>
+                                          <p:attrName>style.visibility</p:attrName>
+                                        </p:attrNameLst>
+                                      </p:cBhvr>
+                                      <p:to>
+                                        <p:strVal val="visible"/>
+                                      </p:to>
+                                    </p:set>
+                                  </p:childTnLst>
+                                </p:cTn>
+                              </p:par>
+                            </p:childTnLst>
+                          </p:cTn>
+                        </p:par>
+                      </p:childTnLst>
+                    </p:cTn>
+                  </p:par>
+                </p:childTnLst>
+              </p:cTn>
+              <p:prevCondLst>
+                <p:cond evt="onPrev" delay="0">
+                  <p:tgtEl>
+                    <p:sldTgt/>
+                  </p:tgtEl>
+                </p:cond>
+              </p:prevCondLst>
+              <p:nextCondLst>
+                <p:cond evt="onNext" delay="0">
+                  <p:tgtEl>
+                    <p:sldTgt/>
+                  </p:tgtEl>
+                </p:cond>
+              </p:nextCondLst>
+            </p:seq>
+          </p:childTnLst>
+        </p:cTn>
+      </p:par>
+    </p:tnLst>
+    <p:bldLst>
+      <p:bldP spid="3" grpId="0" build="p"/>
+      <p:bldP spid="4" grpId="0"/>
+      <p:bldP spid="5" grpId="0"/>
+      <p:bldP spid="6" grpId="0"/>
+      <p:bldP spid="7" grpId="0"/>
+    </p:bldLst>
+  </p:timing>
+</p:sld>
+</file>
+
+<file path=ppt/slides/slide8.xml><?xml version="1.0" encoding="utf-8"?>
+<p:sld xmlns:a="http://schemas.openxmlformats.org/drawingml/2006/main" xmlns:r="http://schemas.openxmlformats.org/officeDocument/2006/relationships" xmlns:p="http://schemas.openxmlformats.org/presentationml/2006/main">
+  <p:cSld>
+    <p:spTree>
+      <p:nvGrpSpPr>
+        <p:cNvPr id="1" name=""/>
+        <p:cNvGrpSpPr/>
+        <p:nvPr/>
+      </p:nvGrpSpPr>
+      <p:grpSpPr>
+        <a:xfrm>
+          <a:off x="0" y="0"/>
+          <a:ext cx="0" cy="0"/>
+          <a:chOff x="0" y="0"/>
+          <a:chExt cx="0" cy="0"/>
+        </a:xfrm>
+      </p:grpSpPr>
+      <p:pic>
+        <p:nvPicPr>
+          <p:cNvPr id="2052" name="Picture 4" descr="תוצאת תמונה עבור ‪aladin‬‏"/>
+          <p:cNvPicPr>
+            <a:picLocks noChangeAspect="1" noChangeArrowheads="1"/>
+          </p:cNvPicPr>
+          <p:nvPr/>
+        </p:nvPicPr>
+        <p:blipFill>
+          <a:blip r:embed="rId3" cstate="print">
+            <a:extLst>
+              <a:ext uri="{28A0092B-C50C-407E-A947-70E740481C1C}">
+                <a14:useLocalDpi xmlns:a14="http://schemas.microsoft.com/office/drawing/2010/main" val="0"/>
+              </a:ext>
+            </a:extLst>
+          </a:blip>
+          <a:srcRect/>
+          <a:stretch>
+            <a:fillRect/>
+          </a:stretch>
+        </p:blipFill>
+        <p:spPr bwMode="auto">
+          <a:xfrm>
+            <a:off x="5720356" y="3119650"/>
+            <a:ext cx="2523386" cy="3738350"/>
+          </a:xfrm>
+          <a:prstGeom prst="rect">
+            <a:avLst/>
+          </a:prstGeom>
+          <a:noFill/>
+          <a:extLst>
+            <a:ext uri="{909E8E84-426E-40DD-AFC4-6F175D3DCCD1}">
+              <a14:hiddenFill xmlns:a14="http://schemas.microsoft.com/office/drawing/2010/main">
+                <a:solidFill>
+                  <a:srgbClr val="FFFFFF"/>
+                </a:solidFill>
+              </a14:hiddenFill>
+            </a:ext>
+          </a:extLst>
+        </p:spPr>
+      </p:pic>
+      <p:pic>
+        <p:nvPicPr>
+          <p:cNvPr id="2056" name="Picture 8" descr="תוצאת תמונה עבור ‪the dictator‬‏"/>
+          <p:cNvPicPr>
+            <a:picLocks noChangeAspect="1" noChangeArrowheads="1"/>
+          </p:cNvPicPr>
+          <p:nvPr/>
+        </p:nvPicPr>
+        <p:blipFill>
+          <a:blip r:embed="rId4">
+            <a:extLst>
+              <a:ext uri="{28A0092B-C50C-407E-A947-70E740481C1C}">
+                <a14:useLocalDpi xmlns:a14="http://schemas.microsoft.com/office/drawing/2010/main" val="0"/>
+              </a:ext>
+            </a:extLst>
+          </a:blip>
+          <a:srcRect/>
+          <a:stretch>
+            <a:fillRect/>
+          </a:stretch>
+        </p:blipFill>
+        <p:spPr bwMode="auto">
+          <a:xfrm>
+            <a:off x="1894115" y="264819"/>
+            <a:ext cx="3331029" cy="4724006"/>
+          </a:xfrm>
+          <a:prstGeom prst="ellipse">
+            <a:avLst/>
+          </a:prstGeom>
+          <a:ln>
+            <a:noFill/>
+          </a:ln>
+          <a:effectLst>
+            <a:softEdge rad="112500"/>
+          </a:effectLst>
+          <a:extLst>
+            <a:ext uri="{909E8E84-426E-40DD-AFC4-6F175D3DCCD1}">
+              <a14:hiddenFill xmlns:a14="http://schemas.microsoft.com/office/drawing/2010/main">
+                <a:solidFill>
+                  <a:srgbClr val="FFFFFF"/>
+                </a:solidFill>
+              </a14:hiddenFill>
+            </a:ext>
+          </a:extLst>
+        </p:spPr>
+      </p:pic>
+      <p:sp>
+        <p:nvSpPr>
+          <p:cNvPr id="10" name="Title 1"/>
+          <p:cNvSpPr>
+            <a:spLocks noGrp="1"/>
+          </p:cNvSpPr>
+          <p:nvPr>
+            <p:ph type="title"/>
+          </p:nvPr>
+        </p:nvSpPr>
+        <p:spPr>
+          <a:xfrm>
+            <a:off x="5225144" y="523068"/>
+            <a:ext cx="5558293" cy="2103754"/>
+          </a:xfrm>
+        </p:spPr>
+        <p:txBody>
+          <a:bodyPr>
+            <a:normAutofit/>
+          </a:bodyPr>
+          <a:lstStyle/>
+          <a:p>
+            <a:pPr algn="l"/>
+            <a:r>
+              <a:rPr lang="en-US" sz="8000" b="1" dirty="0" smtClean="0">
+                <a:cs typeface="+mn-cs"/>
+              </a:rPr>
+              <a:t>MATCH &lt;3</a:t>
+            </a:r>
+            <a:endParaRPr lang="en-US" sz="8000" b="1" dirty="0">
+              <a:cs typeface="+mn-cs"/>
+            </a:endParaRPr>
+          </a:p>
+        </p:txBody>
+      </p:sp>
+    </p:spTree>
+    <p:extLst>
+      <p:ext uri="{BB962C8B-B14F-4D97-AF65-F5344CB8AC3E}">
+        <p14:creationId xmlns:p14="http://schemas.microsoft.com/office/powerpoint/2010/main" val="832763962"/>
+      </p:ext>
+    </p:extLst>
+  </p:cSld>
+  <p:clrMapOvr>
+    <a:masterClrMapping/>
+  </p:clrMapOvr>
+  <p:timing>
+    <p:tnLst>
+      <p:par>
+        <p:cTn id="1" dur="indefinite" restart="never" nodeType="tmRoot">
+          <p:childTnLst>
+            <p:seq concurrent="1" nextAc="seek">
+              <p:cTn id="2" dur="indefinite" nodeType="mainSeq">
+                <p:childTnLst>
+                  <p:par>
+                    <p:cTn id="3" fill="hold">
+                      <p:stCondLst>
+                        <p:cond delay="indefinite"/>
+                        <p:cond evt="onBegin" delay="0">
+                          <p:tn val="2"/>
+                        </p:cond>
+                      </p:stCondLst>
+                      <p:childTnLst>
+                        <p:par>
+                          <p:cTn id="4" fill="hold">
+                            <p:stCondLst>
+                              <p:cond delay="0"/>
+                            </p:stCondLst>
+                            <p:childTnLst>
+                              <p:par>
+                                <p:cTn id="5" presetID="2" presetClass="entr" presetSubtype="8" fill="hold" grpId="0" nodeType="afterEffect">
+                                  <p:stCondLst>
+                                    <p:cond delay="500"/>
+                                  </p:stCondLst>
+                                  <p:childTnLst>
+                                    <p:set>
+                                      <p:cBhvr>
+                                        <p:cTn id="6" dur="1" fill="hold">
+                                          <p:stCondLst>
+                                            <p:cond delay="0"/>
+                                          </p:stCondLst>
+                                        </p:cTn>
+                                        <p:tgtEl>
+                                          <p:spTgt spid="10"/>
+                                        </p:tgtEl>
+                                        <p:attrNameLst>
+                                          <p:attrName>style.visibility</p:attrName>
+                                        </p:attrNameLst>
+                                      </p:cBhvr>
+                                      <p:to>
+                                        <p:strVal val="visible"/>
+                                      </p:to>
+                                    </p:set>
+                                    <p:anim calcmode="lin" valueType="num">
+                                      <p:cBhvr additive="base">
+                                        <p:cTn id="7" dur="2000" fill="hold"/>
+                                        <p:tgtEl>
+                                          <p:spTgt spid="10"/>
+                                        </p:tgtEl>
+                                        <p:attrNameLst>
+                                          <p:attrName>ppt_x</p:attrName>
+                                        </p:attrNameLst>
+                                      </p:cBhvr>
+                                      <p:tavLst>
+                                        <p:tav tm="0">
+                                          <p:val>
+                                            <p:strVal val="0-#ppt_w/2"/>
+                                          </p:val>
+                                        </p:tav>
+                                        <p:tav tm="100000">
+                                          <p:val>
+                                            <p:strVal val="#ppt_x"/>
+                                          </p:val>
+                                        </p:tav>
+                                      </p:tavLst>
+                                    </p:anim>
+                                    <p:anim calcmode="lin" valueType="num">
+                                      <p:cBhvr additive="base">
+                                        <p:cTn id="8" dur="2000" fill="hold"/>
+                                        <p:tgtEl>
+                                          <p:spTgt spid="10"/>
+                                        </p:tgtEl>
+                                        <p:attrNameLst>
+                                          <p:attrName>ppt_y</p:attrName>
+                                        </p:attrNameLst>
+                                      </p:cBhvr>
+                                      <p:tavLst>
+                                        <p:tav tm="0">
+                                          <p:val>
+                                            <p:strVal val="#ppt_y"/>
+                                          </p:val>
+                                        </p:tav>
+                                        <p:tav tm="100000">
+                                          <p:val>
+                                            <p:strVal val="#ppt_y"/>
+                                          </p:val>
+                                        </p:tav>
+                                      </p:tavLst>
+                                    </p:anim>
+                                  </p:childTnLst>
+                                </p:cTn>
+                              </p:par>
+                            </p:childTnLst>
+                          </p:cTn>
+                        </p:par>
+                        <p:par>
+                          <p:cTn id="9" fill="hold">
+                            <p:stCondLst>
+                              <p:cond delay="2500"/>
+                            </p:stCondLst>
+                            <p:childTnLst>
+                              <p:par>
+                                <p:cTn id="10" presetID="2" presetClass="exit" presetSubtype="2" fill="hold" grpId="1" nodeType="afterEffect">
+                                  <p:stCondLst>
+                                    <p:cond delay="0"/>
+                                  </p:stCondLst>
+                                  <p:childTnLst>
+                                    <p:anim calcmode="lin" valueType="num">
+                                      <p:cBhvr additive="base">
+                                        <p:cTn id="11" dur="2000"/>
+                                        <p:tgtEl>
+                                          <p:spTgt spid="10"/>
+                                        </p:tgtEl>
+                                        <p:attrNameLst>
+                                          <p:attrName>ppt_x</p:attrName>
+                                        </p:attrNameLst>
+                                      </p:cBhvr>
+                                      <p:tavLst>
+                                        <p:tav tm="0">
+                                          <p:val>
+                                            <p:strVal val="ppt_x"/>
+                                          </p:val>
+                                        </p:tav>
+                                        <p:tav tm="100000">
+                                          <p:val>
+                                            <p:strVal val="1+ppt_w/2"/>
+                                          </p:val>
+                                        </p:tav>
+                                      </p:tavLst>
+                                    </p:anim>
+                                    <p:anim calcmode="lin" valueType="num">
+                                      <p:cBhvr additive="base">
+                                        <p:cTn id="12" dur="2000"/>
+                                        <p:tgtEl>
+                                          <p:spTgt spid="10"/>
+                                        </p:tgtEl>
+                                        <p:attrNameLst>
+                                          <p:attrName>ppt_y</p:attrName>
+                                        </p:attrNameLst>
+                                      </p:cBhvr>
+                                      <p:tavLst>
+                                        <p:tav tm="0">
+                                          <p:val>
+                                            <p:strVal val="ppt_y"/>
+                                          </p:val>
+                                        </p:tav>
+                                        <p:tav tm="100000">
+                                          <p:val>
+                                            <p:strVal val="ppt_y"/>
+                                          </p:val>
+                                        </p:tav>
+                                      </p:tavLst>
+                                    </p:anim>
+                                    <p:set>
+                                      <p:cBhvr>
+                                        <p:cTn id="13" dur="1" fill="hold">
+                                          <p:stCondLst>
+                                            <p:cond delay="1999"/>
+                                          </p:stCondLst>
+                                        </p:cTn>
+                                        <p:tgtEl>
+                                          <p:spTgt spid="10"/>
+                                        </p:tgtEl>
+                                        <p:attrNameLst>
+                                          <p:attrName>style.visibility</p:attrName>
+                                        </p:attrNameLst>
+                                      </p:cBhvr>
+                                      <p:to>
+                                        <p:strVal val="hidden"/>
+                                      </p:to>
+                                    </p:set>
+                                  </p:childTnLst>
+                                </p:cTn>
+                              </p:par>
+                            </p:childTnLst>
+                          </p:cTn>
+                        </p:par>
+                      </p:childTnLst>
+                    </p:cTn>
+                  </p:par>
+                </p:childTnLst>
+              </p:cTn>
+              <p:prevCondLst>
+                <p:cond evt="onPrev" delay="0">
+                  <p:tgtEl>
+                    <p:sldTgt/>
+                  </p:tgtEl>
+                </p:cond>
+              </p:prevCondLst>
+              <p:nextCondLst>
+                <p:cond evt="onNext" delay="0">
+                  <p:tgtEl>
+                    <p:sldTgt/>
+                  </p:tgtEl>
+                </p:cond>
+              </p:nextCondLst>
+            </p:seq>
+          </p:childTnLst>
+        </p:cTn>
+      </p:par>
+    </p:tnLst>
+    <p:bldLst>
+      <p:bldP spid="10" grpId="0"/>
+      <p:bldP spid="10" grpId="1"/>
+    </p:bldLst>
+  </p:timing>
 </p:sld>
 </file>
 
@@ -4181,53 +7341,18 @@
         <a:srgbClr val="954F72"/>
       </a:folHlink>
     </a:clrScheme>
-    <a:fontScheme name="Office">
+    <a:fontScheme name="Austin">
       <a:majorFont>
-        <a:latin typeface="Calibri Light" panose="020F0302020204030204"/>
+        <a:latin typeface="Century Gothic"/>
         <a:ea typeface=""/>
         <a:cs typeface=""/>
-        <a:font script="Jpan" typeface="游ゴシック Light"/>
-        <a:font script="Hang" typeface="맑은 고딕"/>
-        <a:font script="Hans" typeface="等线 Light"/>
-        <a:font script="Hant" typeface="新細明體"/>
-        <a:font script="Arab" typeface="Times New Roman"/>
-        <a:font script="Hebr" typeface="Times New Roman"/>
-        <a:font script="Thai" typeface="Angsana New"/>
-        <a:font script="Ethi" typeface="Nyala"/>
-        <a:font script="Beng" typeface="Vrinda"/>
-        <a:font script="Gujr" typeface="Shruti"/>
-        <a:font script="Khmr" typeface="MoolBoran"/>
-        <a:font script="Knda" typeface="Tunga"/>
-        <a:font script="Guru" typeface="Raavi"/>
-        <a:font script="Cans" typeface="Euphemia"/>
-        <a:font script="Cher" typeface="Plantagenet Cherokee"/>
-        <a:font script="Yiii" typeface="Microsoft Yi Baiti"/>
-        <a:font script="Tibt" typeface="Microsoft Himalaya"/>
-        <a:font script="Thaa" typeface="MV Boli"/>
-        <a:font script="Deva" typeface="Mangal"/>
-        <a:font script="Telu" typeface="Gautami"/>
-        <a:font script="Taml" typeface="Latha"/>
-        <a:font script="Syrc" typeface="Estrangelo Edessa"/>
-        <a:font script="Orya" typeface="Kalinga"/>
-        <a:font script="Mlym" typeface="Kartika"/>
-        <a:font script="Laoo" typeface="DokChampa"/>
-        <a:font script="Sinh" typeface="Iskoola Pota"/>
-        <a:font script="Mong" typeface="Mongolian Baiti"/>
-        <a:font script="Viet" typeface="Times New Roman"/>
-        <a:font script="Uigh" typeface="Microsoft Uighur"/>
-        <a:font script="Geor" typeface="Sylfaen"/>
-      </a:majorFont>
-      <a:minorFont>
-        <a:latin typeface="Calibri" panose="020F0502020204030204"/>
-        <a:ea typeface=""/>
-        <a:cs typeface=""/>
-        <a:font script="Jpan" typeface="游ゴシック"/>
-        <a:font script="Hang" typeface="맑은 고딕"/>
-        <a:font script="Hans" typeface="等线"/>
-        <a:font script="Hant" typeface="新細明體"/>
-        <a:font script="Arab" typeface="Arial"/>
-        <a:font script="Hebr" typeface="Arial"/>
-        <a:font script="Thai" typeface="Cordia New"/>
+        <a:font script="Jpan" typeface="ＭＳ ゴシック"/>
+        <a:font script="Hang" typeface="HY중고딕"/>
+        <a:font script="Hans" typeface="幼圆"/>
+        <a:font script="Hant" typeface="微軟正黑體"/>
+        <a:font script="Arab" typeface="Tahoma"/>
+        <a:font script="Hebr" typeface="Gisha"/>
+        <a:font script="Thai" typeface="DilleniaUPC"/>
         <a:font script="Ethi" typeface="Nyala"/>
         <a:font script="Beng" typeface="Vrinda"/>
         <a:font script="Gujr" typeface="Shruti"/>
@@ -4248,7 +7373,42 @@
         <a:font script="Laoo" typeface="DokChampa"/>
         <a:font script="Sinh" typeface="Iskoola Pota"/>
         <a:font script="Mong" typeface="Mongolian Baiti"/>
-        <a:font script="Viet" typeface="Arial"/>
+        <a:font script="Viet" typeface="Tahoma"/>
+        <a:font script="Uigh" typeface="Microsoft Uighur"/>
+        <a:font script="Geor" typeface="Sylfaen"/>
+      </a:majorFont>
+      <a:minorFont>
+        <a:latin typeface="Century Gothic"/>
+        <a:ea typeface=""/>
+        <a:cs typeface=""/>
+        <a:font script="Jpan" typeface="ＭＳ ゴシック"/>
+        <a:font script="Hang" typeface="HY중고딕"/>
+        <a:font script="Hans" typeface="幼圆"/>
+        <a:font script="Hant" typeface="微軟正黑體"/>
+        <a:font script="Arab" typeface="Tahoma"/>
+        <a:font script="Hebr" typeface="Gisha"/>
+        <a:font script="Thai" typeface="DilleniaUPC"/>
+        <a:font script="Ethi" typeface="Nyala"/>
+        <a:font script="Beng" typeface="Vrinda"/>
+        <a:font script="Gujr" typeface="Shruti"/>
+        <a:font script="Khmr" typeface="DaunPenh"/>
+        <a:font script="Knda" typeface="Tunga"/>
+        <a:font script="Guru" typeface="Raavi"/>
+        <a:font script="Cans" typeface="Euphemia"/>
+        <a:font script="Cher" typeface="Plantagenet Cherokee"/>
+        <a:font script="Yiii" typeface="Microsoft Yi Baiti"/>
+        <a:font script="Tibt" typeface="Microsoft Himalaya"/>
+        <a:font script="Thaa" typeface="MV Boli"/>
+        <a:font script="Deva" typeface="Mangal"/>
+        <a:font script="Telu" typeface="Gautami"/>
+        <a:font script="Taml" typeface="Latha"/>
+        <a:font script="Syrc" typeface="Estrangelo Edessa"/>
+        <a:font script="Orya" typeface="Kalinga"/>
+        <a:font script="Mlym" typeface="Kartika"/>
+        <a:font script="Laoo" typeface="DokChampa"/>
+        <a:font script="Sinh" typeface="Iskoola Pota"/>
+        <a:font script="Mong" typeface="Mongolian Baiti"/>
+        <a:font script="Viet" typeface="Verdana"/>
         <a:font script="Uigh" typeface="Microsoft Uighur"/>
         <a:font script="Geor" typeface="Sylfaen"/>
       </a:minorFont>
@@ -4395,8 +7555,293 @@
   <a:extraClrSchemeLst/>
   <a:extLst>
     <a:ext uri="{05A4C25C-085E-4340-85A3-A5531E510DB2}">
-      <thm15:themeFamily xmlns:thm15="http://schemas.microsoft.com/office/thememl/2012/main" name="Office Theme" id="{62F939B6-93AF-4DB8-9C6B-D6C7DFDC589F}" vid="{4A3C46E8-61CC-4603-A589-7422A47A8E4A}"/>
+      <thm15:themeFamily xmlns:thm15="http://schemas.microsoft.com/office/thememl/2012/main" xmlns="" name="Office Theme" id="{62F939B6-93AF-4DB8-9C6B-D6C7DFDC589F}" vid="{4A3C46E8-61CC-4603-A589-7422A47A8E4A}"/>
     </a:ext>
   </a:extLst>
 </a:theme>
+</file>
+
+<file path=ppt/theme/theme2.xml><?xml version="1.0" encoding="utf-8"?>
+<a:theme xmlns:a="http://schemas.openxmlformats.org/drawingml/2006/main" name="Office Theme">
+  <a:themeElements>
+    <a:clrScheme name="Office">
+      <a:dk1>
+        <a:sysClr val="windowText" lastClr="000000"/>
+      </a:dk1>
+      <a:lt1>
+        <a:sysClr val="window" lastClr="FFFFFF"/>
+      </a:lt1>
+      <a:dk2>
+        <a:srgbClr val="1F497D"/>
+      </a:dk2>
+      <a:lt2>
+        <a:srgbClr val="EEECE1"/>
+      </a:lt2>
+      <a:accent1>
+        <a:srgbClr val="4F81BD"/>
+      </a:accent1>
+      <a:accent2>
+        <a:srgbClr val="C0504D"/>
+      </a:accent2>
+      <a:accent3>
+        <a:srgbClr val="9BBB59"/>
+      </a:accent3>
+      <a:accent4>
+        <a:srgbClr val="8064A2"/>
+      </a:accent4>
+      <a:accent5>
+        <a:srgbClr val="4BACC6"/>
+      </a:accent5>
+      <a:accent6>
+        <a:srgbClr val="F79646"/>
+      </a:accent6>
+      <a:hlink>
+        <a:srgbClr val="0000FF"/>
+      </a:hlink>
+      <a:folHlink>
+        <a:srgbClr val="800080"/>
+      </a:folHlink>
+    </a:clrScheme>
+    <a:fontScheme name="Office">
+      <a:majorFont>
+        <a:latin typeface="Calibri"/>
+        <a:ea typeface=""/>
+        <a:cs typeface=""/>
+        <a:font script="Jpan" typeface="ＭＳ Ｐゴシック"/>
+        <a:font script="Hang" typeface="맑은 고딕"/>
+        <a:font script="Hans" typeface="宋体"/>
+        <a:font script="Hant" typeface="新細明體"/>
+        <a:font script="Arab" typeface="Times New Roman"/>
+        <a:font script="Hebr" typeface="Times New Roman"/>
+        <a:font script="Thai" typeface="Angsana New"/>
+        <a:font script="Ethi" typeface="Nyala"/>
+        <a:font script="Beng" typeface="Vrinda"/>
+        <a:font script="Gujr" typeface="Shruti"/>
+        <a:font script="Khmr" typeface="MoolBoran"/>
+        <a:font script="Knda" typeface="Tunga"/>
+        <a:font script="Guru" typeface="Raavi"/>
+        <a:font script="Cans" typeface="Euphemia"/>
+        <a:font script="Cher" typeface="Plantagenet Cherokee"/>
+        <a:font script="Yiii" typeface="Microsoft Yi Baiti"/>
+        <a:font script="Tibt" typeface="Microsoft Himalaya"/>
+        <a:font script="Thaa" typeface="MV Boli"/>
+        <a:font script="Deva" typeface="Mangal"/>
+        <a:font script="Telu" typeface="Gautami"/>
+        <a:font script="Taml" typeface="Latha"/>
+        <a:font script="Syrc" typeface="Estrangelo Edessa"/>
+        <a:font script="Orya" typeface="Kalinga"/>
+        <a:font script="Mlym" typeface="Kartika"/>
+        <a:font script="Laoo" typeface="DokChampa"/>
+        <a:font script="Sinh" typeface="Iskoola Pota"/>
+        <a:font script="Mong" typeface="Mongolian Baiti"/>
+        <a:font script="Viet" typeface="Times New Roman"/>
+        <a:font script="Uigh" typeface="Microsoft Uighur"/>
+        <a:font script="Geor" typeface="Sylfaen"/>
+      </a:majorFont>
+      <a:minorFont>
+        <a:latin typeface="Calibri"/>
+        <a:ea typeface=""/>
+        <a:cs typeface=""/>
+        <a:font script="Jpan" typeface="ＭＳ Ｐゴシック"/>
+        <a:font script="Hang" typeface="맑은 고딕"/>
+        <a:font script="Hans" typeface="宋体"/>
+        <a:font script="Hant" typeface="新細明體"/>
+        <a:font script="Arab" typeface="Arial"/>
+        <a:font script="Hebr" typeface="Arial"/>
+        <a:font script="Thai" typeface="Cordia New"/>
+        <a:font script="Ethi" typeface="Nyala"/>
+        <a:font script="Beng" typeface="Vrinda"/>
+        <a:font script="Gujr" typeface="Shruti"/>
+        <a:font script="Khmr" typeface="DaunPenh"/>
+        <a:font script="Knda" typeface="Tunga"/>
+        <a:font script="Guru" typeface="Raavi"/>
+        <a:font script="Cans" typeface="Euphemia"/>
+        <a:font script="Cher" typeface="Plantagenet Cherokee"/>
+        <a:font script="Yiii" typeface="Microsoft Yi Baiti"/>
+        <a:font script="Tibt" typeface="Microsoft Himalaya"/>
+        <a:font script="Thaa" typeface="MV Boli"/>
+        <a:font script="Deva" typeface="Mangal"/>
+        <a:font script="Telu" typeface="Gautami"/>
+        <a:font script="Taml" typeface="Latha"/>
+        <a:font script="Syrc" typeface="Estrangelo Edessa"/>
+        <a:font script="Orya" typeface="Kalinga"/>
+        <a:font script="Mlym" typeface="Kartika"/>
+        <a:font script="Laoo" typeface="DokChampa"/>
+        <a:font script="Sinh" typeface="Iskoola Pota"/>
+        <a:font script="Mong" typeface="Mongolian Baiti"/>
+        <a:font script="Viet" typeface="Arial"/>
+        <a:font script="Uigh" typeface="Microsoft Uighur"/>
+        <a:font script="Geor" typeface="Sylfaen"/>
+      </a:minorFont>
+    </a:fontScheme>
+    <a:fmtScheme name="Office">
+      <a:fillStyleLst>
+        <a:solidFill>
+          <a:schemeClr val="phClr"/>
+        </a:solidFill>
+        <a:gradFill rotWithShape="1">
+          <a:gsLst>
+            <a:gs pos="0">
+              <a:schemeClr val="phClr">
+                <a:tint val="50000"/>
+                <a:satMod val="300000"/>
+              </a:schemeClr>
+            </a:gs>
+            <a:gs pos="35000">
+              <a:schemeClr val="phClr">
+                <a:tint val="37000"/>
+                <a:satMod val="300000"/>
+              </a:schemeClr>
+            </a:gs>
+            <a:gs pos="100000">
+              <a:schemeClr val="phClr">
+                <a:tint val="15000"/>
+                <a:satMod val="350000"/>
+              </a:schemeClr>
+            </a:gs>
+          </a:gsLst>
+          <a:lin ang="16200000" scaled="1"/>
+        </a:gradFill>
+        <a:gradFill rotWithShape="1">
+          <a:gsLst>
+            <a:gs pos="0">
+              <a:schemeClr val="phClr">
+                <a:shade val="51000"/>
+                <a:satMod val="130000"/>
+              </a:schemeClr>
+            </a:gs>
+            <a:gs pos="80000">
+              <a:schemeClr val="phClr">
+                <a:shade val="93000"/>
+                <a:satMod val="130000"/>
+              </a:schemeClr>
+            </a:gs>
+            <a:gs pos="100000">
+              <a:schemeClr val="phClr">
+                <a:shade val="94000"/>
+                <a:satMod val="135000"/>
+              </a:schemeClr>
+            </a:gs>
+          </a:gsLst>
+          <a:lin ang="16200000" scaled="0"/>
+        </a:gradFill>
+      </a:fillStyleLst>
+      <a:lnStyleLst>
+        <a:ln w="9525" cap="flat" cmpd="sng" algn="ctr">
+          <a:solidFill>
+            <a:schemeClr val="phClr">
+              <a:shade val="95000"/>
+              <a:satMod val="105000"/>
+            </a:schemeClr>
+          </a:solidFill>
+          <a:prstDash val="solid"/>
+        </a:ln>
+        <a:ln w="25400" cap="flat" cmpd="sng" algn="ctr">
+          <a:solidFill>
+            <a:schemeClr val="phClr"/>
+          </a:solidFill>
+          <a:prstDash val="solid"/>
+        </a:ln>
+        <a:ln w="38100" cap="flat" cmpd="sng" algn="ctr">
+          <a:solidFill>
+            <a:schemeClr val="phClr"/>
+          </a:solidFill>
+          <a:prstDash val="solid"/>
+        </a:ln>
+      </a:lnStyleLst>
+      <a:effectStyleLst>
+        <a:effectStyle>
+          <a:effectLst>
+            <a:outerShdw blurRad="40000" dist="20000" dir="5400000" rotWithShape="0">
+              <a:srgbClr val="000000">
+                <a:alpha val="38000"/>
+              </a:srgbClr>
+            </a:outerShdw>
+          </a:effectLst>
+        </a:effectStyle>
+        <a:effectStyle>
+          <a:effectLst>
+            <a:outerShdw blurRad="40000" dist="23000" dir="5400000" rotWithShape="0">
+              <a:srgbClr val="000000">
+                <a:alpha val="35000"/>
+              </a:srgbClr>
+            </a:outerShdw>
+          </a:effectLst>
+        </a:effectStyle>
+        <a:effectStyle>
+          <a:effectLst>
+            <a:outerShdw blurRad="40000" dist="23000" dir="5400000" rotWithShape="0">
+              <a:srgbClr val="000000">
+                <a:alpha val="35000"/>
+              </a:srgbClr>
+            </a:outerShdw>
+          </a:effectLst>
+          <a:scene3d>
+            <a:camera prst="orthographicFront">
+              <a:rot lat="0" lon="0" rev="0"/>
+            </a:camera>
+            <a:lightRig rig="threePt" dir="t">
+              <a:rot lat="0" lon="0" rev="1200000"/>
+            </a:lightRig>
+          </a:scene3d>
+          <a:sp3d>
+            <a:bevelT w="63500" h="25400"/>
+          </a:sp3d>
+        </a:effectStyle>
+      </a:effectStyleLst>
+      <a:bgFillStyleLst>
+        <a:solidFill>
+          <a:schemeClr val="phClr"/>
+        </a:solidFill>
+        <a:gradFill rotWithShape="1">
+          <a:gsLst>
+            <a:gs pos="0">
+              <a:schemeClr val="phClr">
+                <a:tint val="40000"/>
+                <a:satMod val="350000"/>
+              </a:schemeClr>
+            </a:gs>
+            <a:gs pos="40000">
+              <a:schemeClr val="phClr">
+                <a:tint val="45000"/>
+                <a:shade val="99000"/>
+                <a:satMod val="350000"/>
+              </a:schemeClr>
+            </a:gs>
+            <a:gs pos="100000">
+              <a:schemeClr val="phClr">
+                <a:shade val="20000"/>
+                <a:satMod val="255000"/>
+              </a:schemeClr>
+            </a:gs>
+          </a:gsLst>
+          <a:path path="circle">
+            <a:fillToRect l="50000" t="-80000" r="50000" b="180000"/>
+          </a:path>
+        </a:gradFill>
+        <a:gradFill rotWithShape="1">
+          <a:gsLst>
+            <a:gs pos="0">
+              <a:schemeClr val="phClr">
+                <a:tint val="80000"/>
+                <a:satMod val="300000"/>
+              </a:schemeClr>
+            </a:gs>
+            <a:gs pos="100000">
+              <a:schemeClr val="phClr">
+                <a:shade val="30000"/>
+                <a:satMod val="200000"/>
+              </a:schemeClr>
+            </a:gs>
+          </a:gsLst>
+          <a:path path="circle">
+            <a:fillToRect l="50000" t="50000" r="50000" b="50000"/>
+          </a:path>
+        </a:gradFill>
+      </a:bgFillStyleLst>
+    </a:fmtScheme>
+  </a:themeElements>
+  <a:objectDefaults/>
+  <a:extraClrSchemeLst/>
+</a:theme>
 </file>